--- a/Presentation.pptx
+++ b/Presentation.pptx
@@ -1,36 +1,47 @@
 
 <file path=ppt/presentation.xml><?xml version="1.0" encoding="utf-8"?>
-<p:presentation xmlns:a="http://schemas.openxmlformats.org/drawingml/2006/main" xmlns:r="http://schemas.openxmlformats.org/officeDocument/2006/relationships" xmlns:mc="http://schemas.openxmlformats.org/markup-compatibility/2006" xmlns:mv="urn:schemas-microsoft-com:mac:vml" xmlns:p="http://schemas.openxmlformats.org/presentationml/2006/main" xmlns:c="http://schemas.openxmlformats.org/drawingml/2006/chart" xmlns:dgm="http://schemas.openxmlformats.org/drawingml/2006/diagram" xmlns:o="urn:schemas-microsoft-com:office:office" xmlns:v="urn:schemas-microsoft-com:vml" xmlns:pvml="urn:schemas-microsoft-com:office:powerpoint" xmlns:com="http://schemas.openxmlformats.org/drawingml/2006/compatibility" xmlns:p14="http://schemas.microsoft.com/office/powerpoint/2010/main" xmlns:p15="http://schemas.microsoft.com/office/powerpoint/2012/main" xmlns:ahyp="http://schemas.microsoft.com/office/drawing/2018/hyperlinkcolor" autoCompressPictures="0" embedTrueTypeFonts="1" strictFirstAndLastChars="0" saveSubsetFonts="1">
+<p:presentation xmlns:a="http://schemas.openxmlformats.org/drawingml/2006/main" xmlns:r="http://schemas.openxmlformats.org/officeDocument/2006/relationships" xmlns:p="http://schemas.openxmlformats.org/presentationml/2006/main" strictFirstAndLastChars="0" embedTrueTypeFonts="1" saveSubsetFonts="1" autoCompressPictures="0">
   <p:sldMasterIdLst>
-    <p:sldMasterId id="2147483659" r:id="rId4"/>
+    <p:sldMasterId id="2147483659" r:id="rId1"/>
   </p:sldMasterIdLst>
   <p:notesMasterIdLst>
-    <p:notesMasterId r:id="rId5"/>
+    <p:notesMasterId r:id="rId15"/>
   </p:notesMasterIdLst>
   <p:sldIdLst>
-    <p:sldId id="256" r:id="rId6"/>
-    <p:sldId id="257" r:id="rId7"/>
-    <p:sldId id="258" r:id="rId8"/>
-    <p:sldId id="259" r:id="rId9"/>
-    <p:sldId id="260" r:id="rId10"/>
-    <p:sldId id="261" r:id="rId11"/>
-    <p:sldId id="262" r:id="rId12"/>
-    <p:sldId id="263" r:id="rId13"/>
-    <p:sldId id="264" r:id="rId14"/>
+    <p:sldId id="256" r:id="rId2"/>
+    <p:sldId id="257" r:id="rId3"/>
+    <p:sldId id="258" r:id="rId4"/>
+    <p:sldId id="259" r:id="rId5"/>
+    <p:sldId id="260" r:id="rId6"/>
+    <p:sldId id="261" r:id="rId7"/>
+    <p:sldId id="262" r:id="rId8"/>
+    <p:sldId id="263" r:id="rId9"/>
+    <p:sldId id="266" r:id="rId10"/>
+    <p:sldId id="267" r:id="rId11"/>
+    <p:sldId id="268" r:id="rId12"/>
+    <p:sldId id="264" r:id="rId13"/>
+    <p:sldId id="265" r:id="rId14"/>
   </p:sldIdLst>
-  <p:sldSz cy="5143500" cx="9144000"/>
+  <p:sldSz cx="9144000" cy="5143500" type="screen16x9"/>
   <p:notesSz cx="6858000" cy="9144000"/>
   <p:embeddedFontLst>
     <p:embeddedFont>
-      <p:font typeface="Roboto"/>
-      <p:regular r:id="rId15"/>
-      <p:bold r:id="rId16"/>
-      <p:italic r:id="rId17"/>
-      <p:boldItalic r:id="rId18"/>
+      <p:font typeface="Roboto" panose="02000000000000000000" pitchFamily="2" charset="0"/>
+      <p:regular r:id="rId16"/>
+      <p:bold r:id="rId17"/>
+      <p:italic r:id="rId18"/>
+      <p:boldItalic r:id="rId19"/>
+    </p:embeddedFont>
+    <p:embeddedFont>
+      <p:font typeface="Source Sans Pro" panose="020B0503030403020204" pitchFamily="34" charset="0"/>
+      <p:regular r:id="rId20"/>
+      <p:bold r:id="rId21"/>
+      <p:italic r:id="rId22"/>
+      <p:boldItalic r:id="rId23"/>
     </p:embeddedFont>
   </p:embeddedFontLst>
   <p:defaultTextStyle>
-    <a:defPPr lvl="0" marR="0" rtl="0" algn="l">
+    <a:defPPr marR="0" lvl="0" algn="l" rtl="0">
       <a:lnSpc>
         <a:spcPct val="100000"/>
       </a:lnSpc>
@@ -41,7 +52,7 @@
         <a:spcPts val="0"/>
       </a:spcAft>
     </a:defPPr>
-    <a:lvl1pPr lvl="0" marR="0" rtl="0" algn="l">
+    <a:lvl1pPr marR="0" lvl="0" algn="l" rtl="0">
       <a:lnSpc>
         <a:spcPct val="100000"/>
       </a:lnSpc>
@@ -55,7 +66,7 @@
         <a:srgbClr val="000000"/>
       </a:buClr>
       <a:buFont typeface="Arial"/>
-      <a:defRPr b="0" i="0" sz="1400" u="none" cap="none" strike="noStrike">
+      <a:defRPr sz="1400" b="0" i="0" u="none" strike="noStrike" cap="none">
         <a:solidFill>
           <a:srgbClr val="000000"/>
         </a:solidFill>
@@ -65,7 +76,7 @@
         <a:sym typeface="Arial"/>
       </a:defRPr>
     </a:lvl1pPr>
-    <a:lvl2pPr lvl="1" marR="0" rtl="0" algn="l">
+    <a:lvl2pPr marR="0" lvl="1" algn="l" rtl="0">
       <a:lnSpc>
         <a:spcPct val="100000"/>
       </a:lnSpc>
@@ -79,7 +90,7 @@
         <a:srgbClr val="000000"/>
       </a:buClr>
       <a:buFont typeface="Arial"/>
-      <a:defRPr b="0" i="0" sz="1400" u="none" cap="none" strike="noStrike">
+      <a:defRPr sz="1400" b="0" i="0" u="none" strike="noStrike" cap="none">
         <a:solidFill>
           <a:srgbClr val="000000"/>
         </a:solidFill>
@@ -89,7 +100,7 @@
         <a:sym typeface="Arial"/>
       </a:defRPr>
     </a:lvl2pPr>
-    <a:lvl3pPr lvl="2" marR="0" rtl="0" algn="l">
+    <a:lvl3pPr marR="0" lvl="2" algn="l" rtl="0">
       <a:lnSpc>
         <a:spcPct val="100000"/>
       </a:lnSpc>
@@ -103,7 +114,7 @@
         <a:srgbClr val="000000"/>
       </a:buClr>
       <a:buFont typeface="Arial"/>
-      <a:defRPr b="0" i="0" sz="1400" u="none" cap="none" strike="noStrike">
+      <a:defRPr sz="1400" b="0" i="0" u="none" strike="noStrike" cap="none">
         <a:solidFill>
           <a:srgbClr val="000000"/>
         </a:solidFill>
@@ -113,7 +124,7 @@
         <a:sym typeface="Arial"/>
       </a:defRPr>
     </a:lvl3pPr>
-    <a:lvl4pPr lvl="3" marR="0" rtl="0" algn="l">
+    <a:lvl4pPr marR="0" lvl="3" algn="l" rtl="0">
       <a:lnSpc>
         <a:spcPct val="100000"/>
       </a:lnSpc>
@@ -127,7 +138,7 @@
         <a:srgbClr val="000000"/>
       </a:buClr>
       <a:buFont typeface="Arial"/>
-      <a:defRPr b="0" i="0" sz="1400" u="none" cap="none" strike="noStrike">
+      <a:defRPr sz="1400" b="0" i="0" u="none" strike="noStrike" cap="none">
         <a:solidFill>
           <a:srgbClr val="000000"/>
         </a:solidFill>
@@ -137,7 +148,7 @@
         <a:sym typeface="Arial"/>
       </a:defRPr>
     </a:lvl4pPr>
-    <a:lvl5pPr lvl="4" marR="0" rtl="0" algn="l">
+    <a:lvl5pPr marR="0" lvl="4" algn="l" rtl="0">
       <a:lnSpc>
         <a:spcPct val="100000"/>
       </a:lnSpc>
@@ -151,7 +162,7 @@
         <a:srgbClr val="000000"/>
       </a:buClr>
       <a:buFont typeface="Arial"/>
-      <a:defRPr b="0" i="0" sz="1400" u="none" cap="none" strike="noStrike">
+      <a:defRPr sz="1400" b="0" i="0" u="none" strike="noStrike" cap="none">
         <a:solidFill>
           <a:srgbClr val="000000"/>
         </a:solidFill>
@@ -161,7 +172,7 @@
         <a:sym typeface="Arial"/>
       </a:defRPr>
     </a:lvl5pPr>
-    <a:lvl6pPr lvl="5" marR="0" rtl="0" algn="l">
+    <a:lvl6pPr marR="0" lvl="5" algn="l" rtl="0">
       <a:lnSpc>
         <a:spcPct val="100000"/>
       </a:lnSpc>
@@ -175,7 +186,7 @@
         <a:srgbClr val="000000"/>
       </a:buClr>
       <a:buFont typeface="Arial"/>
-      <a:defRPr b="0" i="0" sz="1400" u="none" cap="none" strike="noStrike">
+      <a:defRPr sz="1400" b="0" i="0" u="none" strike="noStrike" cap="none">
         <a:solidFill>
           <a:srgbClr val="000000"/>
         </a:solidFill>
@@ -185,7 +196,7 @@
         <a:sym typeface="Arial"/>
       </a:defRPr>
     </a:lvl6pPr>
-    <a:lvl7pPr lvl="6" marR="0" rtl="0" algn="l">
+    <a:lvl7pPr marR="0" lvl="6" algn="l" rtl="0">
       <a:lnSpc>
         <a:spcPct val="100000"/>
       </a:lnSpc>
@@ -199,7 +210,7 @@
         <a:srgbClr val="000000"/>
       </a:buClr>
       <a:buFont typeface="Arial"/>
-      <a:defRPr b="0" i="0" sz="1400" u="none" cap="none" strike="noStrike">
+      <a:defRPr sz="1400" b="0" i="0" u="none" strike="noStrike" cap="none">
         <a:solidFill>
           <a:srgbClr val="000000"/>
         </a:solidFill>
@@ -209,7 +220,7 @@
         <a:sym typeface="Arial"/>
       </a:defRPr>
     </a:lvl7pPr>
-    <a:lvl8pPr lvl="7" marR="0" rtl="0" algn="l">
+    <a:lvl8pPr marR="0" lvl="7" algn="l" rtl="0">
       <a:lnSpc>
         <a:spcPct val="100000"/>
       </a:lnSpc>
@@ -223,7 +234,7 @@
         <a:srgbClr val="000000"/>
       </a:buClr>
       <a:buFont typeface="Arial"/>
-      <a:defRPr b="0" i="0" sz="1400" u="none" cap="none" strike="noStrike">
+      <a:defRPr sz="1400" b="0" i="0" u="none" strike="noStrike" cap="none">
         <a:solidFill>
           <a:srgbClr val="000000"/>
         </a:solidFill>
@@ -233,7 +244,7 @@
         <a:sym typeface="Arial"/>
       </a:defRPr>
     </a:lvl8pPr>
-    <a:lvl9pPr lvl="8" marR="0" rtl="0" algn="l">
+    <a:lvl9pPr marR="0" lvl="8" algn="l" rtl="0">
       <a:lnSpc>
         <a:spcPct val="100000"/>
       </a:lnSpc>
@@ -247,7 +258,7 @@
         <a:srgbClr val="000000"/>
       </a:buClr>
       <a:buFont typeface="Arial"/>
-      <a:defRPr b="0" i="0" sz="1400" u="none" cap="none" strike="noStrike">
+      <a:defRPr sz="1400" b="0" i="0" u="none" strike="noStrike" cap="none">
         <a:solidFill>
           <a:srgbClr val="000000"/>
         </a:solidFill>
@@ -260,7 +271,7 @@
   </p:defaultTextStyle>
   <p:extLst>
     <p:ext uri="{EFAFB233-063F-42B5-8137-9DF3F51BA10A}">
-      <p15:sldGuideLst>
+      <p15:sldGuideLst xmlns:p15="http://schemas.microsoft.com/office/powerpoint/2012/main">
         <p15:guide id="1" orient="horz" pos="1620">
           <p15:clr>
             <a:srgbClr val="A4A3A4"/>
@@ -278,11 +289,16 @@
 </file>
 
 <file path=ppt/notesMasters/notesMaster1.xml><?xml version="1.0" encoding="utf-8"?>
-<p:notesMaster xmlns:a="http://schemas.openxmlformats.org/drawingml/2006/main" xmlns:r="http://schemas.openxmlformats.org/officeDocument/2006/relationships" xmlns:mc="http://schemas.openxmlformats.org/markup-compatibility/2006" xmlns:mv="urn:schemas-microsoft-com:mac:vml" xmlns:p="http://schemas.openxmlformats.org/presentationml/2006/main" xmlns:c="http://schemas.openxmlformats.org/drawingml/2006/chart" xmlns:dgm="http://schemas.openxmlformats.org/drawingml/2006/diagram" xmlns:o="urn:schemas-microsoft-com:office:office" xmlns:v="urn:schemas-microsoft-com:vml" xmlns:pvml="urn:schemas-microsoft-com:office:powerpoint" xmlns:com="http://schemas.openxmlformats.org/drawingml/2006/compatibility" xmlns:p14="http://schemas.microsoft.com/office/powerpoint/2010/main" xmlns:p15="http://schemas.microsoft.com/office/powerpoint/2012/main" xmlns:ahyp="http://schemas.microsoft.com/office/drawing/2018/hyperlinkcolor">
+<p:notesMaster xmlns:a="http://schemas.openxmlformats.org/drawingml/2006/main" xmlns:r="http://schemas.openxmlformats.org/officeDocument/2006/relationships" xmlns:p="http://schemas.openxmlformats.org/presentationml/2006/main">
   <p:cSld>
+    <p:bg>
+      <p:bgRef idx="1001">
+        <a:schemeClr val="bg1"/>
+      </p:bgRef>
+    </p:bg>
     <p:spTree>
       <p:nvGrpSpPr>
-        <p:cNvPr id="2" name="Shape 2"/>
+        <p:cNvPr id="1" name="Shape 2"/>
         <p:cNvGrpSpPr/>
         <p:nvPr/>
       </p:nvGrpSpPr>
@@ -297,9 +313,11 @@
       <p:sp>
         <p:nvSpPr>
           <p:cNvPr id="3" name="Google Shape;3;n"/>
-          <p:cNvSpPr/>
+          <p:cNvSpPr>
+            <a:spLocks noGrp="1" noRot="1" noChangeAspect="1"/>
+          </p:cNvSpPr>
           <p:nvPr>
-            <p:ph idx="2" type="sldImg"/>
+            <p:ph type="sldImg" idx="2"/>
           </p:nvPr>
         </p:nvSpPr>
         <p:spPr>
@@ -308,9 +326,13 @@
             <a:ext cx="6096075" cy="3429000"/>
           </a:xfrm>
           <a:custGeom>
-            <a:rect b="b" l="l" r="r" t="t"/>
+            <a:avLst/>
+            <a:gdLst/>
+            <a:ahLst/>
+            <a:cxnLst/>
+            <a:rect l="l" t="t" r="r" b="b"/>
             <a:pathLst>
-              <a:path extrusionOk="0" h="120000" w="120000">
+              <a:path w="120000" h="120000" extrusionOk="0">
                 <a:moveTo>
                   <a:pt x="0" y="0"/>
                 </a:moveTo>
@@ -328,23 +350,25 @@
             </a:pathLst>
           </a:custGeom>
           <a:noFill/>
-          <a:ln cap="flat" cmpd="sng" w="9525">
+          <a:ln w="9525" cap="flat" cmpd="sng">
             <a:solidFill>
               <a:srgbClr val="000000"/>
             </a:solidFill>
             <a:prstDash val="solid"/>
             <a:round/>
-            <a:headEnd len="sm" w="sm" type="none"/>
-            <a:tailEnd len="sm" w="sm" type="none"/>
+            <a:headEnd type="none" w="sm" len="sm"/>
+            <a:tailEnd type="none" w="sm" len="sm"/>
           </a:ln>
         </p:spPr>
       </p:sp>
       <p:sp>
         <p:nvSpPr>
           <p:cNvPr id="4" name="Google Shape;4;n"/>
-          <p:cNvSpPr txBox="1"/>
+          <p:cNvSpPr txBox="1">
+            <a:spLocks noGrp="1"/>
+          </p:cNvSpPr>
           <p:nvPr>
-            <p:ph idx="1" type="body"/>
+            <p:ph type="body" idx="1"/>
           </p:nvPr>
         </p:nvSpPr>
         <p:spPr>
@@ -361,11 +385,11 @@
           </a:ln>
         </p:spPr>
         <p:txBody>
-          <a:bodyPr anchorCtr="0" anchor="t" bIns="91425" lIns="91425" spcFirstLastPara="1" rIns="91425" wrap="square" tIns="91425">
+          <a:bodyPr spcFirstLastPara="1" wrap="square" lIns="91425" tIns="91425" rIns="91425" bIns="91425" anchor="t" anchorCtr="0">
             <a:noAutofit/>
           </a:bodyPr>
           <a:lstStyle>
-            <a:lvl1pPr indent="-298450" lvl="0" marL="457200">
+            <a:lvl1pPr marL="457200" lvl="0" indent="-298450">
               <a:spcBef>
                 <a:spcPts val="0"/>
               </a:spcBef>
@@ -376,7 +400,7 @@
               <a:buChar char="●"/>
               <a:defRPr sz="1100"/>
             </a:lvl1pPr>
-            <a:lvl2pPr indent="-298450" lvl="1" marL="914400">
+            <a:lvl2pPr marL="914400" lvl="1" indent="-298450">
               <a:spcBef>
                 <a:spcPts val="0"/>
               </a:spcBef>
@@ -387,7 +411,7 @@
               <a:buChar char="○"/>
               <a:defRPr sz="1100"/>
             </a:lvl2pPr>
-            <a:lvl3pPr indent="-298450" lvl="2" marL="1371600">
+            <a:lvl3pPr marL="1371600" lvl="2" indent="-298450">
               <a:spcBef>
                 <a:spcPts val="0"/>
               </a:spcBef>
@@ -398,7 +422,7 @@
               <a:buChar char="■"/>
               <a:defRPr sz="1100"/>
             </a:lvl3pPr>
-            <a:lvl4pPr indent="-298450" lvl="3" marL="1828800">
+            <a:lvl4pPr marL="1828800" lvl="3" indent="-298450">
               <a:spcBef>
                 <a:spcPts val="0"/>
               </a:spcBef>
@@ -409,7 +433,7 @@
               <a:buChar char="●"/>
               <a:defRPr sz="1100"/>
             </a:lvl4pPr>
-            <a:lvl5pPr indent="-298450" lvl="4" marL="2286000">
+            <a:lvl5pPr marL="2286000" lvl="4" indent="-298450">
               <a:spcBef>
                 <a:spcPts val="0"/>
               </a:spcBef>
@@ -420,7 +444,7 @@
               <a:buChar char="○"/>
               <a:defRPr sz="1100"/>
             </a:lvl5pPr>
-            <a:lvl6pPr indent="-298450" lvl="5" marL="2743200">
+            <a:lvl6pPr marL="2743200" lvl="5" indent="-298450">
               <a:spcBef>
                 <a:spcPts val="0"/>
               </a:spcBef>
@@ -431,7 +455,7 @@
               <a:buChar char="■"/>
               <a:defRPr sz="1100"/>
             </a:lvl6pPr>
-            <a:lvl7pPr indent="-298450" lvl="6" marL="3200400">
+            <a:lvl7pPr marL="3200400" lvl="6" indent="-298450">
               <a:spcBef>
                 <a:spcPts val="0"/>
               </a:spcBef>
@@ -442,7 +466,7 @@
               <a:buChar char="●"/>
               <a:defRPr sz="1100"/>
             </a:lvl7pPr>
-            <a:lvl8pPr indent="-298450" lvl="7" marL="3657600">
+            <a:lvl8pPr marL="3657600" lvl="7" indent="-298450">
               <a:spcBef>
                 <a:spcPts val="0"/>
               </a:spcBef>
@@ -453,7 +477,7 @@
               <a:buChar char="○"/>
               <a:defRPr sz="1100"/>
             </a:lvl8pPr>
-            <a:lvl9pPr indent="-298450" lvl="8" marL="4114800">
+            <a:lvl9pPr marL="4114800" lvl="8" indent="-298450">
               <a:spcBef>
                 <a:spcPts val="0"/>
               </a:spcBef>
@@ -465,14 +489,16 @@
               <a:defRPr sz="1100"/>
             </a:lvl9pPr>
           </a:lstStyle>
-          <a:p/>
+          <a:p>
+            <a:endParaRPr/>
+          </a:p>
         </p:txBody>
       </p:sp>
     </p:spTree>
   </p:cSld>
-  <p:clrMap accent1="accent1" accent2="accent2" accent3="accent3" accent4="accent4" accent5="accent5" accent6="accent6" bg1="lt1" bg2="dk2" tx1="dk1" tx2="lt2" folHlink="folHlink" hlink="hlink"/>
+  <p:clrMap bg1="lt1" tx1="dk1" bg2="dk2" tx2="lt2" accent1="accent1" accent2="accent2" accent3="accent3" accent4="accent4" accent5="accent5" accent6="accent6" hlink="hlink" folHlink="folHlink"/>
   <p:notesStyle>
-    <a:defPPr lvl="0" marR="0" rtl="0" algn="l">
+    <a:defPPr marR="0" lvl="0" algn="l" rtl="0">
       <a:lnSpc>
         <a:spcPct val="100000"/>
       </a:lnSpc>
@@ -483,7 +509,7 @@
         <a:spcPts val="0"/>
       </a:spcAft>
     </a:defPPr>
-    <a:lvl1pPr lvl="0" marR="0" rtl="0" algn="l">
+    <a:lvl1pPr marR="0" lvl="0" algn="l" rtl="0">
       <a:lnSpc>
         <a:spcPct val="100000"/>
       </a:lnSpc>
@@ -497,7 +523,7 @@
         <a:srgbClr val="000000"/>
       </a:buClr>
       <a:buFont typeface="Arial"/>
-      <a:defRPr b="0" i="0" sz="1400" u="none" cap="none" strike="noStrike">
+      <a:defRPr sz="1400" b="0" i="0" u="none" strike="noStrike" cap="none">
         <a:solidFill>
           <a:srgbClr val="000000"/>
         </a:solidFill>
@@ -507,7 +533,7 @@
         <a:sym typeface="Arial"/>
       </a:defRPr>
     </a:lvl1pPr>
-    <a:lvl2pPr lvl="1" marR="0" rtl="0" algn="l">
+    <a:lvl2pPr marR="0" lvl="1" algn="l" rtl="0">
       <a:lnSpc>
         <a:spcPct val="100000"/>
       </a:lnSpc>
@@ -521,7 +547,7 @@
         <a:srgbClr val="000000"/>
       </a:buClr>
       <a:buFont typeface="Arial"/>
-      <a:defRPr b="0" i="0" sz="1400" u="none" cap="none" strike="noStrike">
+      <a:defRPr sz="1400" b="0" i="0" u="none" strike="noStrike" cap="none">
         <a:solidFill>
           <a:srgbClr val="000000"/>
         </a:solidFill>
@@ -531,7 +557,7 @@
         <a:sym typeface="Arial"/>
       </a:defRPr>
     </a:lvl2pPr>
-    <a:lvl3pPr lvl="2" marR="0" rtl="0" algn="l">
+    <a:lvl3pPr marR="0" lvl="2" algn="l" rtl="0">
       <a:lnSpc>
         <a:spcPct val="100000"/>
       </a:lnSpc>
@@ -545,7 +571,7 @@
         <a:srgbClr val="000000"/>
       </a:buClr>
       <a:buFont typeface="Arial"/>
-      <a:defRPr b="0" i="0" sz="1400" u="none" cap="none" strike="noStrike">
+      <a:defRPr sz="1400" b="0" i="0" u="none" strike="noStrike" cap="none">
         <a:solidFill>
           <a:srgbClr val="000000"/>
         </a:solidFill>
@@ -555,7 +581,7 @@
         <a:sym typeface="Arial"/>
       </a:defRPr>
     </a:lvl3pPr>
-    <a:lvl4pPr lvl="3" marR="0" rtl="0" algn="l">
+    <a:lvl4pPr marR="0" lvl="3" algn="l" rtl="0">
       <a:lnSpc>
         <a:spcPct val="100000"/>
       </a:lnSpc>
@@ -569,7 +595,7 @@
         <a:srgbClr val="000000"/>
       </a:buClr>
       <a:buFont typeface="Arial"/>
-      <a:defRPr b="0" i="0" sz="1400" u="none" cap="none" strike="noStrike">
+      <a:defRPr sz="1400" b="0" i="0" u="none" strike="noStrike" cap="none">
         <a:solidFill>
           <a:srgbClr val="000000"/>
         </a:solidFill>
@@ -579,7 +605,7 @@
         <a:sym typeface="Arial"/>
       </a:defRPr>
     </a:lvl4pPr>
-    <a:lvl5pPr lvl="4" marR="0" rtl="0" algn="l">
+    <a:lvl5pPr marR="0" lvl="4" algn="l" rtl="0">
       <a:lnSpc>
         <a:spcPct val="100000"/>
       </a:lnSpc>
@@ -593,7 +619,7 @@
         <a:srgbClr val="000000"/>
       </a:buClr>
       <a:buFont typeface="Arial"/>
-      <a:defRPr b="0" i="0" sz="1400" u="none" cap="none" strike="noStrike">
+      <a:defRPr sz="1400" b="0" i="0" u="none" strike="noStrike" cap="none">
         <a:solidFill>
           <a:srgbClr val="000000"/>
         </a:solidFill>
@@ -603,7 +629,7 @@
         <a:sym typeface="Arial"/>
       </a:defRPr>
     </a:lvl5pPr>
-    <a:lvl6pPr lvl="5" marR="0" rtl="0" algn="l">
+    <a:lvl6pPr marR="0" lvl="5" algn="l" rtl="0">
       <a:lnSpc>
         <a:spcPct val="100000"/>
       </a:lnSpc>
@@ -617,7 +643,7 @@
         <a:srgbClr val="000000"/>
       </a:buClr>
       <a:buFont typeface="Arial"/>
-      <a:defRPr b="0" i="0" sz="1400" u="none" cap="none" strike="noStrike">
+      <a:defRPr sz="1400" b="0" i="0" u="none" strike="noStrike" cap="none">
         <a:solidFill>
           <a:srgbClr val="000000"/>
         </a:solidFill>
@@ -627,7 +653,7 @@
         <a:sym typeface="Arial"/>
       </a:defRPr>
     </a:lvl6pPr>
-    <a:lvl7pPr lvl="6" marR="0" rtl="0" algn="l">
+    <a:lvl7pPr marR="0" lvl="6" algn="l" rtl="0">
       <a:lnSpc>
         <a:spcPct val="100000"/>
       </a:lnSpc>
@@ -641,7 +667,7 @@
         <a:srgbClr val="000000"/>
       </a:buClr>
       <a:buFont typeface="Arial"/>
-      <a:defRPr b="0" i="0" sz="1400" u="none" cap="none" strike="noStrike">
+      <a:defRPr sz="1400" b="0" i="0" u="none" strike="noStrike" cap="none">
         <a:solidFill>
           <a:srgbClr val="000000"/>
         </a:solidFill>
@@ -651,7 +677,7 @@
         <a:sym typeface="Arial"/>
       </a:defRPr>
     </a:lvl7pPr>
-    <a:lvl8pPr lvl="7" marR="0" rtl="0" algn="l">
+    <a:lvl8pPr marR="0" lvl="7" algn="l" rtl="0">
       <a:lnSpc>
         <a:spcPct val="100000"/>
       </a:lnSpc>
@@ -665,7 +691,7 @@
         <a:srgbClr val="000000"/>
       </a:buClr>
       <a:buFont typeface="Arial"/>
-      <a:defRPr b="0" i="0" sz="1400" u="none" cap="none" strike="noStrike">
+      <a:defRPr sz="1400" b="0" i="0" u="none" strike="noStrike" cap="none">
         <a:solidFill>
           <a:srgbClr val="000000"/>
         </a:solidFill>
@@ -675,7 +701,7 @@
         <a:sym typeface="Arial"/>
       </a:defRPr>
     </a:lvl8pPr>
-    <a:lvl9pPr lvl="8" marR="0" rtl="0" algn="l">
+    <a:lvl9pPr marR="0" lvl="8" algn="l" rtl="0">
       <a:lnSpc>
         <a:spcPct val="100000"/>
       </a:lnSpc>
@@ -689,7 +715,7 @@
         <a:srgbClr val="000000"/>
       </a:buClr>
       <a:buFont typeface="Arial"/>
-      <a:defRPr b="0" i="0" sz="1400" u="none" cap="none" strike="noStrike">
+      <a:defRPr sz="1400" b="0" i="0" u="none" strike="noStrike" cap="none">
         <a:solidFill>
           <a:srgbClr val="000000"/>
         </a:solidFill>
@@ -704,11 +730,11 @@
 </file>
 
 <file path=ppt/notesSlides/notesSlide1.xml><?xml version="1.0" encoding="utf-8"?>
-<p:notes xmlns:a="http://schemas.openxmlformats.org/drawingml/2006/main" xmlns:r="http://schemas.openxmlformats.org/officeDocument/2006/relationships" xmlns:mc="http://schemas.openxmlformats.org/markup-compatibility/2006" xmlns:mv="urn:schemas-microsoft-com:mac:vml" xmlns:p="http://schemas.openxmlformats.org/presentationml/2006/main" xmlns:c="http://schemas.openxmlformats.org/drawingml/2006/chart" xmlns:dgm="http://schemas.openxmlformats.org/drawingml/2006/diagram" xmlns:o="urn:schemas-microsoft-com:office:office" xmlns:v="urn:schemas-microsoft-com:vml" xmlns:pvml="urn:schemas-microsoft-com:office:powerpoint" xmlns:com="http://schemas.openxmlformats.org/drawingml/2006/compatibility" xmlns:p14="http://schemas.microsoft.com/office/powerpoint/2010/main" xmlns:p15="http://schemas.microsoft.com/office/powerpoint/2012/main" xmlns:ahyp="http://schemas.microsoft.com/office/drawing/2018/hyperlinkcolor" showMasterPhAnim="0" showMasterSp="0">
+<p:notes xmlns:a="http://schemas.openxmlformats.org/drawingml/2006/main" xmlns:r="http://schemas.openxmlformats.org/officeDocument/2006/relationships" xmlns:p="http://schemas.openxmlformats.org/presentationml/2006/main" showMasterSp="0" showMasterPhAnim="0">
   <p:cSld>
     <p:spTree>
       <p:nvGrpSpPr>
-        <p:cNvPr id="50" name="Shape 50"/>
+        <p:cNvPr id="1" name="Shape 50"/>
         <p:cNvGrpSpPr/>
         <p:nvPr/>
       </p:nvGrpSpPr>
@@ -723,9 +749,11 @@
       <p:sp>
         <p:nvSpPr>
           <p:cNvPr id="51" name="Google Shape;51;p:notes"/>
-          <p:cNvSpPr/>
+          <p:cNvSpPr>
+            <a:spLocks noGrp="1" noRot="1" noChangeAspect="1"/>
+          </p:cNvSpPr>
           <p:nvPr>
-            <p:ph idx="2" type="sldImg"/>
+            <p:ph type="sldImg" idx="2"/>
           </p:nvPr>
         </p:nvSpPr>
         <p:spPr>
@@ -734,9 +762,13 @@
             <a:ext cx="6096075" cy="3429000"/>
           </a:xfrm>
           <a:custGeom>
-            <a:rect b="b" l="l" r="r" t="t"/>
+            <a:avLst/>
+            <a:gdLst/>
+            <a:ahLst/>
+            <a:cxnLst/>
+            <a:rect l="l" t="t" r="r" b="b"/>
             <a:pathLst>
-              <a:path extrusionOk="0" h="120000" w="120000">
+              <a:path w="120000" h="120000" extrusionOk="0">
                 <a:moveTo>
                   <a:pt x="0" y="0"/>
                 </a:moveTo>
@@ -758,9 +790,11 @@
       <p:sp>
         <p:nvSpPr>
           <p:cNvPr id="52" name="Google Shape;52;p:notes"/>
-          <p:cNvSpPr txBox="1"/>
+          <p:cNvSpPr txBox="1">
+            <a:spLocks noGrp="1"/>
+          </p:cNvSpPr>
           <p:nvPr>
-            <p:ph idx="1" type="body"/>
+            <p:ph type="body" idx="1"/>
           </p:nvPr>
         </p:nvSpPr>
         <p:spPr>
@@ -773,12 +807,12 @@
           </a:prstGeom>
         </p:spPr>
         <p:txBody>
-          <a:bodyPr anchorCtr="0" anchor="t" bIns="91425" lIns="91425" spcFirstLastPara="1" rIns="91425" wrap="square" tIns="91425">
+          <a:bodyPr spcFirstLastPara="1" wrap="square" lIns="91425" tIns="91425" rIns="91425" bIns="91425" anchor="t" anchorCtr="0">
             <a:noAutofit/>
           </a:bodyPr>
           <a:lstStyle/>
           <a:p>
-            <a:pPr indent="0" lvl="0" marL="0" rtl="0" algn="l">
+            <a:pPr marL="0" lvl="0" indent="0" algn="l" rtl="0">
               <a:spcBef>
                 <a:spcPts val="0"/>
               </a:spcBef>
@@ -787,9 +821,6 @@
               </a:spcAft>
               <a:buNone/>
             </a:pPr>
-            <a:r>
-              <a:t/>
-            </a:r>
             <a:endParaRPr/>
           </a:p>
         </p:txBody>
@@ -803,11 +834,11 @@
 </file>
 
 <file path=ppt/notesSlides/notesSlide2.xml><?xml version="1.0" encoding="utf-8"?>
-<p:notes xmlns:a="http://schemas.openxmlformats.org/drawingml/2006/main" xmlns:r="http://schemas.openxmlformats.org/officeDocument/2006/relationships" xmlns:mc="http://schemas.openxmlformats.org/markup-compatibility/2006" xmlns:mv="urn:schemas-microsoft-com:mac:vml" xmlns:p="http://schemas.openxmlformats.org/presentationml/2006/main" xmlns:c="http://schemas.openxmlformats.org/drawingml/2006/chart" xmlns:dgm="http://schemas.openxmlformats.org/drawingml/2006/diagram" xmlns:o="urn:schemas-microsoft-com:office:office" xmlns:v="urn:schemas-microsoft-com:vml" xmlns:pvml="urn:schemas-microsoft-com:office:powerpoint" xmlns:com="http://schemas.openxmlformats.org/drawingml/2006/compatibility" xmlns:p14="http://schemas.microsoft.com/office/powerpoint/2010/main" xmlns:p15="http://schemas.microsoft.com/office/powerpoint/2012/main" xmlns:ahyp="http://schemas.microsoft.com/office/drawing/2018/hyperlinkcolor" showMasterPhAnim="0" showMasterSp="0">
+<p:notes xmlns:a="http://schemas.openxmlformats.org/drawingml/2006/main" xmlns:r="http://schemas.openxmlformats.org/officeDocument/2006/relationships" xmlns:p="http://schemas.openxmlformats.org/presentationml/2006/main" showMasterSp="0" showMasterPhAnim="0">
   <p:cSld>
     <p:spTree>
       <p:nvGrpSpPr>
-        <p:cNvPr id="56" name="Shape 56"/>
+        <p:cNvPr id="1" name="Shape 56"/>
         <p:cNvGrpSpPr/>
         <p:nvPr/>
       </p:nvGrpSpPr>
@@ -822,9 +853,11 @@
       <p:sp>
         <p:nvSpPr>
           <p:cNvPr id="57" name="Google Shape;57;g1bb5146cc2d_0_129:notes"/>
-          <p:cNvSpPr/>
+          <p:cNvSpPr>
+            <a:spLocks noGrp="1" noRot="1" noChangeAspect="1"/>
+          </p:cNvSpPr>
           <p:nvPr>
-            <p:ph idx="2" type="sldImg"/>
+            <p:ph type="sldImg" idx="2"/>
           </p:nvPr>
         </p:nvSpPr>
         <p:spPr>
@@ -833,9 +866,13 @@
             <a:ext cx="6096000" cy="3429000"/>
           </a:xfrm>
           <a:custGeom>
-            <a:rect b="b" l="l" r="r" t="t"/>
+            <a:avLst/>
+            <a:gdLst/>
+            <a:ahLst/>
+            <a:cxnLst/>
+            <a:rect l="l" t="t" r="r" b="b"/>
             <a:pathLst>
-              <a:path extrusionOk="0" h="120000" w="120000">
+              <a:path w="120000" h="120000" extrusionOk="0">
                 <a:moveTo>
                   <a:pt x="0" y="0"/>
                 </a:moveTo>
@@ -857,9 +894,11 @@
       <p:sp>
         <p:nvSpPr>
           <p:cNvPr id="58" name="Google Shape;58;g1bb5146cc2d_0_129:notes"/>
-          <p:cNvSpPr txBox="1"/>
+          <p:cNvSpPr txBox="1">
+            <a:spLocks noGrp="1"/>
+          </p:cNvSpPr>
           <p:nvPr>
-            <p:ph idx="1" type="body"/>
+            <p:ph type="body" idx="1"/>
           </p:nvPr>
         </p:nvSpPr>
         <p:spPr>
@@ -872,12 +911,12 @@
           </a:prstGeom>
         </p:spPr>
         <p:txBody>
-          <a:bodyPr anchorCtr="0" anchor="t" bIns="91425" lIns="91425" spcFirstLastPara="1" rIns="91425" wrap="square" tIns="91425">
+          <a:bodyPr spcFirstLastPara="1" wrap="square" lIns="91425" tIns="91425" rIns="91425" bIns="91425" anchor="t" anchorCtr="0">
             <a:noAutofit/>
           </a:bodyPr>
           <a:lstStyle/>
           <a:p>
-            <a:pPr indent="0" lvl="0" marL="0" rtl="0" algn="l">
+            <a:pPr marL="0" lvl="0" indent="0" algn="l" rtl="0">
               <a:spcBef>
                 <a:spcPts val="0"/>
               </a:spcBef>
@@ -886,9 +925,6 @@
               </a:spcAft>
               <a:buNone/>
             </a:pPr>
-            <a:r>
-              <a:t/>
-            </a:r>
             <a:endParaRPr/>
           </a:p>
         </p:txBody>
@@ -902,11 +938,11 @@
 </file>
 
 <file path=ppt/notesSlides/notesSlide3.xml><?xml version="1.0" encoding="utf-8"?>
-<p:notes xmlns:a="http://schemas.openxmlformats.org/drawingml/2006/main" xmlns:r="http://schemas.openxmlformats.org/officeDocument/2006/relationships" xmlns:mc="http://schemas.openxmlformats.org/markup-compatibility/2006" xmlns:mv="urn:schemas-microsoft-com:mac:vml" xmlns:p="http://schemas.openxmlformats.org/presentationml/2006/main" xmlns:c="http://schemas.openxmlformats.org/drawingml/2006/chart" xmlns:dgm="http://schemas.openxmlformats.org/drawingml/2006/diagram" xmlns:o="urn:schemas-microsoft-com:office:office" xmlns:v="urn:schemas-microsoft-com:vml" xmlns:pvml="urn:schemas-microsoft-com:office:powerpoint" xmlns:com="http://schemas.openxmlformats.org/drawingml/2006/compatibility" xmlns:p14="http://schemas.microsoft.com/office/powerpoint/2010/main" xmlns:p15="http://schemas.microsoft.com/office/powerpoint/2012/main" xmlns:ahyp="http://schemas.microsoft.com/office/drawing/2018/hyperlinkcolor" showMasterPhAnim="0" showMasterSp="0">
+<p:notes xmlns:a="http://schemas.openxmlformats.org/drawingml/2006/main" xmlns:r="http://schemas.openxmlformats.org/officeDocument/2006/relationships" xmlns:p="http://schemas.openxmlformats.org/presentationml/2006/main" showMasterSp="0" showMasterPhAnim="0">
   <p:cSld>
     <p:spTree>
       <p:nvGrpSpPr>
-        <p:cNvPr id="61" name="Shape 61"/>
+        <p:cNvPr id="1" name="Shape 61"/>
         <p:cNvGrpSpPr/>
         <p:nvPr/>
       </p:nvGrpSpPr>
@@ -921,9 +957,11 @@
       <p:sp>
         <p:nvSpPr>
           <p:cNvPr id="62" name="Google Shape;62;g1bb5146cc2d_0_178:notes"/>
-          <p:cNvSpPr/>
+          <p:cNvSpPr>
+            <a:spLocks noGrp="1" noRot="1" noChangeAspect="1"/>
+          </p:cNvSpPr>
           <p:nvPr>
-            <p:ph idx="2" type="sldImg"/>
+            <p:ph type="sldImg" idx="2"/>
           </p:nvPr>
         </p:nvSpPr>
         <p:spPr>
@@ -932,9 +970,13 @@
             <a:ext cx="6096000" cy="3429000"/>
           </a:xfrm>
           <a:custGeom>
-            <a:rect b="b" l="l" r="r" t="t"/>
+            <a:avLst/>
+            <a:gdLst/>
+            <a:ahLst/>
+            <a:cxnLst/>
+            <a:rect l="l" t="t" r="r" b="b"/>
             <a:pathLst>
-              <a:path extrusionOk="0" h="120000" w="120000">
+              <a:path w="120000" h="120000" extrusionOk="0">
                 <a:moveTo>
                   <a:pt x="0" y="0"/>
                 </a:moveTo>
@@ -956,9 +998,11 @@
       <p:sp>
         <p:nvSpPr>
           <p:cNvPr id="63" name="Google Shape;63;g1bb5146cc2d_0_178:notes"/>
-          <p:cNvSpPr txBox="1"/>
+          <p:cNvSpPr txBox="1">
+            <a:spLocks noGrp="1"/>
+          </p:cNvSpPr>
           <p:nvPr>
-            <p:ph idx="1" type="body"/>
+            <p:ph type="body" idx="1"/>
           </p:nvPr>
         </p:nvSpPr>
         <p:spPr>
@@ -971,12 +1015,12 @@
           </a:prstGeom>
         </p:spPr>
         <p:txBody>
-          <a:bodyPr anchorCtr="0" anchor="t" bIns="91425" lIns="91425" spcFirstLastPara="1" rIns="91425" wrap="square" tIns="91425">
+          <a:bodyPr spcFirstLastPara="1" wrap="square" lIns="91425" tIns="91425" rIns="91425" bIns="91425" anchor="t" anchorCtr="0">
             <a:noAutofit/>
           </a:bodyPr>
           <a:lstStyle/>
           <a:p>
-            <a:pPr indent="0" lvl="0" marL="0" rtl="0" algn="l">
+            <a:pPr marL="0" lvl="0" indent="0" algn="l" rtl="0">
               <a:spcBef>
                 <a:spcPts val="0"/>
               </a:spcBef>
@@ -985,9 +1029,6 @@
               </a:spcAft>
               <a:buNone/>
             </a:pPr>
-            <a:r>
-              <a:t/>
-            </a:r>
             <a:endParaRPr/>
           </a:p>
         </p:txBody>
@@ -1001,11 +1042,11 @@
 </file>
 
 <file path=ppt/notesSlides/notesSlide4.xml><?xml version="1.0" encoding="utf-8"?>
-<p:notes xmlns:a="http://schemas.openxmlformats.org/drawingml/2006/main" xmlns:r="http://schemas.openxmlformats.org/officeDocument/2006/relationships" xmlns:mc="http://schemas.openxmlformats.org/markup-compatibility/2006" xmlns:mv="urn:schemas-microsoft-com:mac:vml" xmlns:p="http://schemas.openxmlformats.org/presentationml/2006/main" xmlns:c="http://schemas.openxmlformats.org/drawingml/2006/chart" xmlns:dgm="http://schemas.openxmlformats.org/drawingml/2006/diagram" xmlns:o="urn:schemas-microsoft-com:office:office" xmlns:v="urn:schemas-microsoft-com:vml" xmlns:pvml="urn:schemas-microsoft-com:office:powerpoint" xmlns:com="http://schemas.openxmlformats.org/drawingml/2006/compatibility" xmlns:p14="http://schemas.microsoft.com/office/powerpoint/2010/main" xmlns:p15="http://schemas.microsoft.com/office/powerpoint/2012/main" xmlns:ahyp="http://schemas.microsoft.com/office/drawing/2018/hyperlinkcolor" showMasterPhAnim="0" showMasterSp="0">
+<p:notes xmlns:a="http://schemas.openxmlformats.org/drawingml/2006/main" xmlns:r="http://schemas.openxmlformats.org/officeDocument/2006/relationships" xmlns:p="http://schemas.openxmlformats.org/presentationml/2006/main" showMasterSp="0" showMasterPhAnim="0">
   <p:cSld>
     <p:spTree>
       <p:nvGrpSpPr>
-        <p:cNvPr id="67" name="Shape 67"/>
+        <p:cNvPr id="1" name="Shape 67"/>
         <p:cNvGrpSpPr/>
         <p:nvPr/>
       </p:nvGrpSpPr>
@@ -1020,9 +1061,11 @@
       <p:sp>
         <p:nvSpPr>
           <p:cNvPr id="68" name="Google Shape;68;g1bb5146cc2d_0_124:notes"/>
-          <p:cNvSpPr/>
+          <p:cNvSpPr>
+            <a:spLocks noGrp="1" noRot="1" noChangeAspect="1"/>
+          </p:cNvSpPr>
           <p:nvPr>
-            <p:ph idx="2" type="sldImg"/>
+            <p:ph type="sldImg" idx="2"/>
           </p:nvPr>
         </p:nvSpPr>
         <p:spPr>
@@ -1031,9 +1074,13 @@
             <a:ext cx="6096000" cy="3429000"/>
           </a:xfrm>
           <a:custGeom>
-            <a:rect b="b" l="l" r="r" t="t"/>
+            <a:avLst/>
+            <a:gdLst/>
+            <a:ahLst/>
+            <a:cxnLst/>
+            <a:rect l="l" t="t" r="r" b="b"/>
             <a:pathLst>
-              <a:path extrusionOk="0" h="120000" w="120000">
+              <a:path w="120000" h="120000" extrusionOk="0">
                 <a:moveTo>
                   <a:pt x="0" y="0"/>
                 </a:moveTo>
@@ -1055,9 +1102,11 @@
       <p:sp>
         <p:nvSpPr>
           <p:cNvPr id="69" name="Google Shape;69;g1bb5146cc2d_0_124:notes"/>
-          <p:cNvSpPr txBox="1"/>
+          <p:cNvSpPr txBox="1">
+            <a:spLocks noGrp="1"/>
+          </p:cNvSpPr>
           <p:nvPr>
-            <p:ph idx="1" type="body"/>
+            <p:ph type="body" idx="1"/>
           </p:nvPr>
         </p:nvSpPr>
         <p:spPr>
@@ -1070,12 +1119,12 @@
           </a:prstGeom>
         </p:spPr>
         <p:txBody>
-          <a:bodyPr anchorCtr="0" anchor="t" bIns="91425" lIns="91425" spcFirstLastPara="1" rIns="91425" wrap="square" tIns="91425">
+          <a:bodyPr spcFirstLastPara="1" wrap="square" lIns="91425" tIns="91425" rIns="91425" bIns="91425" anchor="t" anchorCtr="0">
             <a:noAutofit/>
           </a:bodyPr>
           <a:lstStyle/>
           <a:p>
-            <a:pPr indent="0" lvl="0" marL="0" rtl="0" algn="l">
+            <a:pPr marL="0" lvl="0" indent="0" algn="l" rtl="0">
               <a:spcBef>
                 <a:spcPts val="0"/>
               </a:spcBef>
@@ -1084,9 +1133,6 @@
               </a:spcAft>
               <a:buNone/>
             </a:pPr>
-            <a:r>
-              <a:t/>
-            </a:r>
             <a:endParaRPr/>
           </a:p>
         </p:txBody>
@@ -1100,11 +1146,11 @@
 </file>
 
 <file path=ppt/notesSlides/notesSlide5.xml><?xml version="1.0" encoding="utf-8"?>
-<p:notes xmlns:a="http://schemas.openxmlformats.org/drawingml/2006/main" xmlns:r="http://schemas.openxmlformats.org/officeDocument/2006/relationships" xmlns:mc="http://schemas.openxmlformats.org/markup-compatibility/2006" xmlns:mv="urn:schemas-microsoft-com:mac:vml" xmlns:p="http://schemas.openxmlformats.org/presentationml/2006/main" xmlns:c="http://schemas.openxmlformats.org/drawingml/2006/chart" xmlns:dgm="http://schemas.openxmlformats.org/drawingml/2006/diagram" xmlns:o="urn:schemas-microsoft-com:office:office" xmlns:v="urn:schemas-microsoft-com:vml" xmlns:pvml="urn:schemas-microsoft-com:office:powerpoint" xmlns:com="http://schemas.openxmlformats.org/drawingml/2006/compatibility" xmlns:p14="http://schemas.microsoft.com/office/powerpoint/2010/main" xmlns:p15="http://schemas.microsoft.com/office/powerpoint/2012/main" xmlns:ahyp="http://schemas.microsoft.com/office/drawing/2018/hyperlinkcolor" showMasterPhAnim="0" showMasterSp="0">
+<p:notes xmlns:a="http://schemas.openxmlformats.org/drawingml/2006/main" xmlns:r="http://schemas.openxmlformats.org/officeDocument/2006/relationships" xmlns:p="http://schemas.openxmlformats.org/presentationml/2006/main" showMasterSp="0" showMasterPhAnim="0">
   <p:cSld>
     <p:spTree>
       <p:nvGrpSpPr>
-        <p:cNvPr id="73" name="Shape 73"/>
+        <p:cNvPr id="1" name="Shape 73"/>
         <p:cNvGrpSpPr/>
         <p:nvPr/>
       </p:nvGrpSpPr>
@@ -1119,9 +1165,11 @@
       <p:sp>
         <p:nvSpPr>
           <p:cNvPr id="74" name="Google Shape;74;g1bb5146cc2d_0_142:notes"/>
-          <p:cNvSpPr/>
+          <p:cNvSpPr>
+            <a:spLocks noGrp="1" noRot="1" noChangeAspect="1"/>
+          </p:cNvSpPr>
           <p:nvPr>
-            <p:ph idx="2" type="sldImg"/>
+            <p:ph type="sldImg" idx="2"/>
           </p:nvPr>
         </p:nvSpPr>
         <p:spPr>
@@ -1130,9 +1178,13 @@
             <a:ext cx="6096000" cy="3429000"/>
           </a:xfrm>
           <a:custGeom>
-            <a:rect b="b" l="l" r="r" t="t"/>
+            <a:avLst/>
+            <a:gdLst/>
+            <a:ahLst/>
+            <a:cxnLst/>
+            <a:rect l="l" t="t" r="r" b="b"/>
             <a:pathLst>
-              <a:path extrusionOk="0" h="120000" w="120000">
+              <a:path w="120000" h="120000" extrusionOk="0">
                 <a:moveTo>
                   <a:pt x="0" y="0"/>
                 </a:moveTo>
@@ -1154,9 +1206,11 @@
       <p:sp>
         <p:nvSpPr>
           <p:cNvPr id="75" name="Google Shape;75;g1bb5146cc2d_0_142:notes"/>
-          <p:cNvSpPr txBox="1"/>
+          <p:cNvSpPr txBox="1">
+            <a:spLocks noGrp="1"/>
+          </p:cNvSpPr>
           <p:nvPr>
-            <p:ph idx="1" type="body"/>
+            <p:ph type="body" idx="1"/>
           </p:nvPr>
         </p:nvSpPr>
         <p:spPr>
@@ -1169,12 +1223,12 @@
           </a:prstGeom>
         </p:spPr>
         <p:txBody>
-          <a:bodyPr anchorCtr="0" anchor="t" bIns="91425" lIns="91425" spcFirstLastPara="1" rIns="91425" wrap="square" tIns="91425">
+          <a:bodyPr spcFirstLastPara="1" wrap="square" lIns="91425" tIns="91425" rIns="91425" bIns="91425" anchor="t" anchorCtr="0">
             <a:noAutofit/>
           </a:bodyPr>
           <a:lstStyle/>
           <a:p>
-            <a:pPr indent="0" lvl="0" marL="0" rtl="0" algn="l">
+            <a:pPr marL="0" lvl="0" indent="0" algn="l" rtl="0">
               <a:spcBef>
                 <a:spcPts val="0"/>
               </a:spcBef>
@@ -1183,9 +1237,6 @@
               </a:spcAft>
               <a:buNone/>
             </a:pPr>
-            <a:r>
-              <a:t/>
-            </a:r>
             <a:endParaRPr/>
           </a:p>
         </p:txBody>
@@ -1199,11 +1250,11 @@
 </file>
 
 <file path=ppt/notesSlides/notesSlide6.xml><?xml version="1.0" encoding="utf-8"?>
-<p:notes xmlns:a="http://schemas.openxmlformats.org/drawingml/2006/main" xmlns:r="http://schemas.openxmlformats.org/officeDocument/2006/relationships" xmlns:mc="http://schemas.openxmlformats.org/markup-compatibility/2006" xmlns:mv="urn:schemas-microsoft-com:mac:vml" xmlns:p="http://schemas.openxmlformats.org/presentationml/2006/main" xmlns:c="http://schemas.openxmlformats.org/drawingml/2006/chart" xmlns:dgm="http://schemas.openxmlformats.org/drawingml/2006/diagram" xmlns:o="urn:schemas-microsoft-com:office:office" xmlns:v="urn:schemas-microsoft-com:vml" xmlns:pvml="urn:schemas-microsoft-com:office:powerpoint" xmlns:com="http://schemas.openxmlformats.org/drawingml/2006/compatibility" xmlns:p14="http://schemas.microsoft.com/office/powerpoint/2010/main" xmlns:p15="http://schemas.microsoft.com/office/powerpoint/2012/main" xmlns:ahyp="http://schemas.microsoft.com/office/drawing/2018/hyperlinkcolor" showMasterPhAnim="0" showMasterSp="0">
+<p:notes xmlns:a="http://schemas.openxmlformats.org/drawingml/2006/main" xmlns:r="http://schemas.openxmlformats.org/officeDocument/2006/relationships" xmlns:p="http://schemas.openxmlformats.org/presentationml/2006/main" showMasterSp="0" showMasterPhAnim="0">
   <p:cSld>
     <p:spTree>
       <p:nvGrpSpPr>
-        <p:cNvPr id="78" name="Shape 78"/>
+        <p:cNvPr id="1" name="Shape 78"/>
         <p:cNvGrpSpPr/>
         <p:nvPr/>
       </p:nvGrpSpPr>
@@ -1218,20 +1269,26 @@
       <p:sp>
         <p:nvSpPr>
           <p:cNvPr id="79" name="Google Shape;79;g1bb5146cc2d_0_136:notes"/>
-          <p:cNvSpPr/>
+          <p:cNvSpPr>
+            <a:spLocks noGrp="1" noRot="1" noChangeAspect="1"/>
+          </p:cNvSpPr>
           <p:nvPr>
-            <p:ph idx="2" type="sldImg"/>
+            <p:ph type="sldImg" idx="2"/>
           </p:nvPr>
         </p:nvSpPr>
         <p:spPr>
           <a:xfrm>
-            <a:off x="381300" y="685800"/>
+            <a:off x="381000" y="685800"/>
             <a:ext cx="6096000" cy="3429000"/>
           </a:xfrm>
           <a:custGeom>
-            <a:rect b="b" l="l" r="r" t="t"/>
+            <a:avLst/>
+            <a:gdLst/>
+            <a:ahLst/>
+            <a:cxnLst/>
+            <a:rect l="l" t="t" r="r" b="b"/>
             <a:pathLst>
-              <a:path extrusionOk="0" h="120000" w="120000">
+              <a:path w="120000" h="120000" extrusionOk="0">
                 <a:moveTo>
                   <a:pt x="0" y="0"/>
                 </a:moveTo>
@@ -1253,9 +1310,11 @@
       <p:sp>
         <p:nvSpPr>
           <p:cNvPr id="80" name="Google Shape;80;g1bb5146cc2d_0_136:notes"/>
-          <p:cNvSpPr txBox="1"/>
+          <p:cNvSpPr txBox="1">
+            <a:spLocks noGrp="1"/>
+          </p:cNvSpPr>
           <p:nvPr>
-            <p:ph idx="1" type="body"/>
+            <p:ph type="body" idx="1"/>
           </p:nvPr>
         </p:nvSpPr>
         <p:spPr>
@@ -1268,12 +1327,12 @@
           </a:prstGeom>
         </p:spPr>
         <p:txBody>
-          <a:bodyPr anchorCtr="0" anchor="t" bIns="91425" lIns="91425" spcFirstLastPara="1" rIns="91425" wrap="square" tIns="91425">
+          <a:bodyPr spcFirstLastPara="1" wrap="square" lIns="91425" tIns="91425" rIns="91425" bIns="91425" anchor="t" anchorCtr="0">
             <a:noAutofit/>
           </a:bodyPr>
           <a:lstStyle/>
           <a:p>
-            <a:pPr indent="0" lvl="0" marL="0" rtl="0" algn="l">
+            <a:pPr marL="0" lvl="0" indent="0" algn="l" rtl="0">
               <a:spcBef>
                 <a:spcPts val="0"/>
               </a:spcBef>
@@ -1282,9 +1341,6 @@
               </a:spcAft>
               <a:buNone/>
             </a:pPr>
-            <a:r>
-              <a:t/>
-            </a:r>
             <a:endParaRPr/>
           </a:p>
         </p:txBody>
@@ -1298,11 +1354,11 @@
 </file>
 
 <file path=ppt/notesSlides/notesSlide7.xml><?xml version="1.0" encoding="utf-8"?>
-<p:notes xmlns:a="http://schemas.openxmlformats.org/drawingml/2006/main" xmlns:r="http://schemas.openxmlformats.org/officeDocument/2006/relationships" xmlns:mc="http://schemas.openxmlformats.org/markup-compatibility/2006" xmlns:mv="urn:schemas-microsoft-com:mac:vml" xmlns:p="http://schemas.openxmlformats.org/presentationml/2006/main" xmlns:c="http://schemas.openxmlformats.org/drawingml/2006/chart" xmlns:dgm="http://schemas.openxmlformats.org/drawingml/2006/diagram" xmlns:o="urn:schemas-microsoft-com:office:office" xmlns:v="urn:schemas-microsoft-com:vml" xmlns:pvml="urn:schemas-microsoft-com:office:powerpoint" xmlns:com="http://schemas.openxmlformats.org/drawingml/2006/compatibility" xmlns:p14="http://schemas.microsoft.com/office/powerpoint/2010/main" xmlns:p15="http://schemas.microsoft.com/office/powerpoint/2012/main" xmlns:ahyp="http://schemas.microsoft.com/office/drawing/2018/hyperlinkcolor" showMasterPhAnim="0" showMasterSp="0">
+<p:notes xmlns:a="http://schemas.openxmlformats.org/drawingml/2006/main" xmlns:r="http://schemas.openxmlformats.org/officeDocument/2006/relationships" xmlns:p="http://schemas.openxmlformats.org/presentationml/2006/main" showMasterSp="0" showMasterPhAnim="0">
   <p:cSld>
     <p:spTree>
       <p:nvGrpSpPr>
-        <p:cNvPr id="85" name="Shape 85"/>
+        <p:cNvPr id="1" name="Shape 85"/>
         <p:cNvGrpSpPr/>
         <p:nvPr/>
       </p:nvGrpSpPr>
@@ -1317,20 +1373,26 @@
       <p:sp>
         <p:nvSpPr>
           <p:cNvPr id="86" name="Google Shape;86;g1bb5146cc2d_0_150:notes"/>
-          <p:cNvSpPr/>
+          <p:cNvSpPr>
+            <a:spLocks noGrp="1" noRot="1" noChangeAspect="1"/>
+          </p:cNvSpPr>
           <p:nvPr>
-            <p:ph idx="2" type="sldImg"/>
+            <p:ph type="sldImg" idx="2"/>
           </p:nvPr>
         </p:nvSpPr>
         <p:spPr>
           <a:xfrm>
-            <a:off x="381300" y="685800"/>
+            <a:off x="381000" y="685800"/>
             <a:ext cx="6096000" cy="3429000"/>
           </a:xfrm>
           <a:custGeom>
-            <a:rect b="b" l="l" r="r" t="t"/>
+            <a:avLst/>
+            <a:gdLst/>
+            <a:ahLst/>
+            <a:cxnLst/>
+            <a:rect l="l" t="t" r="r" b="b"/>
             <a:pathLst>
-              <a:path extrusionOk="0" h="120000" w="120000">
+              <a:path w="120000" h="120000" extrusionOk="0">
                 <a:moveTo>
                   <a:pt x="0" y="0"/>
                 </a:moveTo>
@@ -1352,9 +1414,11 @@
       <p:sp>
         <p:nvSpPr>
           <p:cNvPr id="87" name="Google Shape;87;g1bb5146cc2d_0_150:notes"/>
-          <p:cNvSpPr txBox="1"/>
+          <p:cNvSpPr txBox="1">
+            <a:spLocks noGrp="1"/>
+          </p:cNvSpPr>
           <p:nvPr>
-            <p:ph idx="1" type="body"/>
+            <p:ph type="body" idx="1"/>
           </p:nvPr>
         </p:nvSpPr>
         <p:spPr>
@@ -1367,12 +1431,12 @@
           </a:prstGeom>
         </p:spPr>
         <p:txBody>
-          <a:bodyPr anchorCtr="0" anchor="t" bIns="91425" lIns="91425" spcFirstLastPara="1" rIns="91425" wrap="square" tIns="91425">
+          <a:bodyPr spcFirstLastPara="1" wrap="square" lIns="91425" tIns="91425" rIns="91425" bIns="91425" anchor="t" anchorCtr="0">
             <a:noAutofit/>
           </a:bodyPr>
           <a:lstStyle/>
           <a:p>
-            <a:pPr indent="0" lvl="0" marL="0" rtl="0" algn="l">
+            <a:pPr marL="0" lvl="0" indent="0" algn="l" rtl="0">
               <a:spcBef>
                 <a:spcPts val="0"/>
               </a:spcBef>
@@ -1381,9 +1445,6 @@
               </a:spcAft>
               <a:buNone/>
             </a:pPr>
-            <a:r>
-              <a:t/>
-            </a:r>
             <a:endParaRPr/>
           </a:p>
         </p:txBody>
@@ -1397,11 +1458,11 @@
 </file>
 
 <file path=ppt/notesSlides/notesSlide8.xml><?xml version="1.0" encoding="utf-8"?>
-<p:notes xmlns:a="http://schemas.openxmlformats.org/drawingml/2006/main" xmlns:r="http://schemas.openxmlformats.org/officeDocument/2006/relationships" xmlns:mc="http://schemas.openxmlformats.org/markup-compatibility/2006" xmlns:mv="urn:schemas-microsoft-com:mac:vml" xmlns:p="http://schemas.openxmlformats.org/presentationml/2006/main" xmlns:c="http://schemas.openxmlformats.org/drawingml/2006/chart" xmlns:dgm="http://schemas.openxmlformats.org/drawingml/2006/diagram" xmlns:o="urn:schemas-microsoft-com:office:office" xmlns:v="urn:schemas-microsoft-com:vml" xmlns:pvml="urn:schemas-microsoft-com:office:powerpoint" xmlns:com="http://schemas.openxmlformats.org/drawingml/2006/compatibility" xmlns:p14="http://schemas.microsoft.com/office/powerpoint/2010/main" xmlns:p15="http://schemas.microsoft.com/office/powerpoint/2012/main" xmlns:ahyp="http://schemas.microsoft.com/office/drawing/2018/hyperlinkcolor" showMasterPhAnim="0" showMasterSp="0">
+<p:notes xmlns:a="http://schemas.openxmlformats.org/drawingml/2006/main" xmlns:r="http://schemas.openxmlformats.org/officeDocument/2006/relationships" xmlns:p="http://schemas.openxmlformats.org/presentationml/2006/main" showMasterSp="0" showMasterPhAnim="0">
   <p:cSld>
     <p:spTree>
       <p:nvGrpSpPr>
-        <p:cNvPr id="92" name="Shape 92"/>
+        <p:cNvPr id="1" name="Shape 92"/>
         <p:cNvGrpSpPr/>
         <p:nvPr/>
       </p:nvGrpSpPr>
@@ -1416,20 +1477,26 @@
       <p:sp>
         <p:nvSpPr>
           <p:cNvPr id="93" name="Google Shape;93;g1bb5146cc2d_0_164:notes"/>
-          <p:cNvSpPr/>
+          <p:cNvSpPr>
+            <a:spLocks noGrp="1" noRot="1" noChangeAspect="1"/>
+          </p:cNvSpPr>
           <p:nvPr>
-            <p:ph idx="2" type="sldImg"/>
+            <p:ph type="sldImg" idx="2"/>
           </p:nvPr>
         </p:nvSpPr>
         <p:spPr>
           <a:xfrm>
-            <a:off x="381300" y="685800"/>
+            <a:off x="381000" y="685800"/>
             <a:ext cx="6096000" cy="3429000"/>
           </a:xfrm>
           <a:custGeom>
-            <a:rect b="b" l="l" r="r" t="t"/>
+            <a:avLst/>
+            <a:gdLst/>
+            <a:ahLst/>
+            <a:cxnLst/>
+            <a:rect l="l" t="t" r="r" b="b"/>
             <a:pathLst>
-              <a:path extrusionOk="0" h="120000" w="120000">
+              <a:path w="120000" h="120000" extrusionOk="0">
                 <a:moveTo>
                   <a:pt x="0" y="0"/>
                 </a:moveTo>
@@ -1451,9 +1518,11 @@
       <p:sp>
         <p:nvSpPr>
           <p:cNvPr id="94" name="Google Shape;94;g1bb5146cc2d_0_164:notes"/>
-          <p:cNvSpPr txBox="1"/>
+          <p:cNvSpPr txBox="1">
+            <a:spLocks noGrp="1"/>
+          </p:cNvSpPr>
           <p:nvPr>
-            <p:ph idx="1" type="body"/>
+            <p:ph type="body" idx="1"/>
           </p:nvPr>
         </p:nvSpPr>
         <p:spPr>
@@ -1466,12 +1535,12 @@
           </a:prstGeom>
         </p:spPr>
         <p:txBody>
-          <a:bodyPr anchorCtr="0" anchor="t" bIns="91425" lIns="91425" spcFirstLastPara="1" rIns="91425" wrap="square" tIns="91425">
+          <a:bodyPr spcFirstLastPara="1" wrap="square" lIns="91425" tIns="91425" rIns="91425" bIns="91425" anchor="t" anchorCtr="0">
             <a:noAutofit/>
           </a:bodyPr>
           <a:lstStyle/>
           <a:p>
-            <a:pPr indent="0" lvl="0" marL="0" rtl="0" algn="l">
+            <a:pPr marL="0" lvl="0" indent="0" algn="l" rtl="0">
               <a:spcBef>
                 <a:spcPts val="0"/>
               </a:spcBef>
@@ -1480,9 +1549,6 @@
               </a:spcAft>
               <a:buNone/>
             </a:pPr>
-            <a:r>
-              <a:t/>
-            </a:r>
             <a:endParaRPr/>
           </a:p>
         </p:txBody>
@@ -1496,11 +1562,11 @@
 </file>
 
 <file path=ppt/notesSlides/notesSlide9.xml><?xml version="1.0" encoding="utf-8"?>
-<p:notes xmlns:a="http://schemas.openxmlformats.org/drawingml/2006/main" xmlns:r="http://schemas.openxmlformats.org/officeDocument/2006/relationships" xmlns:mc="http://schemas.openxmlformats.org/markup-compatibility/2006" xmlns:mv="urn:schemas-microsoft-com:mac:vml" xmlns:p="http://schemas.openxmlformats.org/presentationml/2006/main" xmlns:c="http://schemas.openxmlformats.org/drawingml/2006/chart" xmlns:dgm="http://schemas.openxmlformats.org/drawingml/2006/diagram" xmlns:o="urn:schemas-microsoft-com:office:office" xmlns:v="urn:schemas-microsoft-com:vml" xmlns:pvml="urn:schemas-microsoft-com:office:powerpoint" xmlns:com="http://schemas.openxmlformats.org/drawingml/2006/compatibility" xmlns:p14="http://schemas.microsoft.com/office/powerpoint/2010/main" xmlns:p15="http://schemas.microsoft.com/office/powerpoint/2012/main" xmlns:ahyp="http://schemas.microsoft.com/office/drawing/2018/hyperlinkcolor" showMasterPhAnim="0" showMasterSp="0">
+<p:notes xmlns:a="http://schemas.openxmlformats.org/drawingml/2006/main" xmlns:r="http://schemas.openxmlformats.org/officeDocument/2006/relationships" xmlns:p="http://schemas.openxmlformats.org/presentationml/2006/main" showMasterSp="0" showMasterPhAnim="0">
   <p:cSld>
     <p:spTree>
       <p:nvGrpSpPr>
-        <p:cNvPr id="99" name="Shape 99"/>
+        <p:cNvPr id="1" name="Shape 99"/>
         <p:cNvGrpSpPr/>
         <p:nvPr/>
       </p:nvGrpSpPr>
@@ -1515,20 +1581,26 @@
       <p:sp>
         <p:nvSpPr>
           <p:cNvPr id="100" name="Google Shape;100;g1bb5146cc2d_0_183:notes"/>
-          <p:cNvSpPr/>
+          <p:cNvSpPr>
+            <a:spLocks noGrp="1" noRot="1" noChangeAspect="1"/>
+          </p:cNvSpPr>
           <p:nvPr>
-            <p:ph idx="2" type="sldImg"/>
+            <p:ph type="sldImg" idx="2"/>
           </p:nvPr>
         </p:nvSpPr>
         <p:spPr>
           <a:xfrm>
-            <a:off x="381300" y="685800"/>
+            <a:off x="381000" y="685800"/>
             <a:ext cx="6096000" cy="3429000"/>
           </a:xfrm>
           <a:custGeom>
-            <a:rect b="b" l="l" r="r" t="t"/>
+            <a:avLst/>
+            <a:gdLst/>
+            <a:ahLst/>
+            <a:cxnLst/>
+            <a:rect l="l" t="t" r="r" b="b"/>
             <a:pathLst>
-              <a:path extrusionOk="0" h="120000" w="120000">
+              <a:path w="120000" h="120000" extrusionOk="0">
                 <a:moveTo>
                   <a:pt x="0" y="0"/>
                 </a:moveTo>
@@ -1550,9 +1622,11 @@
       <p:sp>
         <p:nvSpPr>
           <p:cNvPr id="101" name="Google Shape;101;g1bb5146cc2d_0_183:notes"/>
-          <p:cNvSpPr txBox="1"/>
+          <p:cNvSpPr txBox="1">
+            <a:spLocks noGrp="1"/>
+          </p:cNvSpPr>
           <p:nvPr>
-            <p:ph idx="1" type="body"/>
+            <p:ph type="body" idx="1"/>
           </p:nvPr>
         </p:nvSpPr>
         <p:spPr>
@@ -1565,12 +1639,12 @@
           </a:prstGeom>
         </p:spPr>
         <p:txBody>
-          <a:bodyPr anchorCtr="0" anchor="t" bIns="91425" lIns="91425" spcFirstLastPara="1" rIns="91425" wrap="square" tIns="91425">
+          <a:bodyPr spcFirstLastPara="1" wrap="square" lIns="91425" tIns="91425" rIns="91425" bIns="91425" anchor="t" anchorCtr="0">
             <a:noAutofit/>
           </a:bodyPr>
           <a:lstStyle/>
           <a:p>
-            <a:pPr indent="0" lvl="0" marL="0" rtl="0" algn="l">
+            <a:pPr marL="0" lvl="0" indent="0" algn="l" rtl="0">
               <a:spcBef>
                 <a:spcPts val="0"/>
               </a:spcBef>
@@ -1579,9 +1653,6 @@
               </a:spcAft>
               <a:buNone/>
             </a:pPr>
-            <a:r>
-              <a:t/>
-            </a:r>
             <a:endParaRPr/>
           </a:p>
         </p:txBody>
@@ -1595,11 +1666,11 @@
 </file>
 
 <file path=ppt/slideLayouts/slideLayout1.xml><?xml version="1.0" encoding="utf-8"?>
-<p:sldLayout xmlns:a="http://schemas.openxmlformats.org/drawingml/2006/main" xmlns:r="http://schemas.openxmlformats.org/officeDocument/2006/relationships" xmlns:mc="http://schemas.openxmlformats.org/markup-compatibility/2006" xmlns:mv="urn:schemas-microsoft-com:mac:vml" xmlns:p="http://schemas.openxmlformats.org/presentationml/2006/main" xmlns:c="http://schemas.openxmlformats.org/drawingml/2006/chart" xmlns:dgm="http://schemas.openxmlformats.org/drawingml/2006/diagram" xmlns:o="urn:schemas-microsoft-com:office:office" xmlns:v="urn:schemas-microsoft-com:vml" xmlns:pvml="urn:schemas-microsoft-com:office:powerpoint" xmlns:com="http://schemas.openxmlformats.org/drawingml/2006/compatibility" xmlns:p14="http://schemas.microsoft.com/office/powerpoint/2010/main" xmlns:p15="http://schemas.microsoft.com/office/powerpoint/2012/main" xmlns:ahyp="http://schemas.microsoft.com/office/drawing/2018/hyperlinkcolor" matchingName="Title slide" type="title">
+<p:sldLayout xmlns:a="http://schemas.openxmlformats.org/drawingml/2006/main" xmlns:r="http://schemas.openxmlformats.org/officeDocument/2006/relationships" xmlns:p="http://schemas.openxmlformats.org/presentationml/2006/main" matchingName="Title slide" type="title">
   <p:cSld name="TITLE">
     <p:spTree>
       <p:nvGrpSpPr>
-        <p:cNvPr id="9" name="Shape 9"/>
+        <p:cNvPr id="1" name="Shape 9"/>
         <p:cNvGrpSpPr/>
         <p:nvPr/>
       </p:nvGrpSpPr>
@@ -1614,7 +1685,9 @@
       <p:sp>
         <p:nvSpPr>
           <p:cNvPr id="10" name="Google Shape;10;p2"/>
-          <p:cNvSpPr txBox="1"/>
+          <p:cNvSpPr txBox="1">
+            <a:spLocks noGrp="1"/>
+          </p:cNvSpPr>
           <p:nvPr>
             <p:ph type="ctrTitle"/>
           </p:nvPr>
@@ -1629,7 +1702,7 @@
           </a:prstGeom>
         </p:spPr>
         <p:txBody>
-          <a:bodyPr anchorCtr="0" anchor="b" bIns="91425" lIns="91425" spcFirstLastPara="1" rIns="91425" wrap="square" tIns="91425">
+          <a:bodyPr spcFirstLastPara="1" wrap="square" lIns="91425" tIns="91425" rIns="91425" bIns="91425" anchor="b" anchorCtr="0">
             <a:normAutofit/>
           </a:bodyPr>
           <a:lstStyle>
@@ -1733,15 +1806,19 @@
               <a:defRPr sz="5200"/>
             </a:lvl9pPr>
           </a:lstStyle>
-          <a:p/>
+          <a:p>
+            <a:endParaRPr/>
+          </a:p>
         </p:txBody>
       </p:sp>
       <p:sp>
         <p:nvSpPr>
           <p:cNvPr id="11" name="Google Shape;11;p2"/>
-          <p:cNvSpPr txBox="1"/>
+          <p:cNvSpPr txBox="1">
+            <a:spLocks noGrp="1"/>
+          </p:cNvSpPr>
           <p:nvPr>
-            <p:ph idx="1" type="subTitle"/>
+            <p:ph type="subTitle" idx="1"/>
           </p:nvPr>
         </p:nvSpPr>
         <p:spPr>
@@ -1754,7 +1831,7 @@
           </a:prstGeom>
         </p:spPr>
         <p:txBody>
-          <a:bodyPr anchorCtr="0" anchor="t" bIns="91425" lIns="91425" spcFirstLastPara="1" rIns="91425" wrap="square" tIns="91425">
+          <a:bodyPr spcFirstLastPara="1" wrap="square" lIns="91425" tIns="91425" rIns="91425" bIns="91425" anchor="t" anchorCtr="0">
             <a:normAutofit/>
           </a:bodyPr>
           <a:lstStyle>
@@ -1885,15 +1962,19 @@
               <a:defRPr sz="2800"/>
             </a:lvl9pPr>
           </a:lstStyle>
-          <a:p/>
+          <a:p>
+            <a:endParaRPr/>
+          </a:p>
         </p:txBody>
       </p:sp>
       <p:sp>
         <p:nvSpPr>
           <p:cNvPr id="12" name="Google Shape;12;p2"/>
-          <p:cNvSpPr txBox="1"/>
+          <p:cNvSpPr txBox="1">
+            <a:spLocks noGrp="1"/>
+          </p:cNvSpPr>
           <p:nvPr>
-            <p:ph idx="12" type="sldNum"/>
+            <p:ph type="sldNum" idx="12"/>
           </p:nvPr>
         </p:nvSpPr>
         <p:spPr>
@@ -1906,7 +1987,7 @@
           </a:prstGeom>
         </p:spPr>
         <p:txBody>
-          <a:bodyPr anchorCtr="0" anchor="ctr" bIns="91425" lIns="91425" spcFirstLastPara="1" rIns="91425" wrap="square" tIns="91425">
+          <a:bodyPr spcFirstLastPara="1" wrap="square" lIns="91425" tIns="91425" rIns="91425" bIns="91425" anchor="ctr" anchorCtr="0">
             <a:normAutofit/>
           </a:bodyPr>
           <a:lstStyle>
@@ -1948,7 +2029,7 @@
             </a:lvl9pPr>
           </a:lstStyle>
           <a:p>
-            <a:pPr indent="0" lvl="0" marL="0" rtl="0" algn="r">
+            <a:pPr marL="0" lvl="0" indent="0" algn="r" rtl="0">
               <a:spcBef>
                 <a:spcPts val="0"/>
               </a:spcBef>
@@ -1974,11 +2055,11 @@
 </file>
 
 <file path=ppt/slideLayouts/slideLayout10.xml><?xml version="1.0" encoding="utf-8"?>
-<p:sldLayout xmlns:a="http://schemas.openxmlformats.org/drawingml/2006/main" xmlns:r="http://schemas.openxmlformats.org/officeDocument/2006/relationships" xmlns:mc="http://schemas.openxmlformats.org/markup-compatibility/2006" xmlns:mv="urn:schemas-microsoft-com:mac:vml" xmlns:p="http://schemas.openxmlformats.org/presentationml/2006/main" xmlns:c="http://schemas.openxmlformats.org/drawingml/2006/chart" xmlns:dgm="http://schemas.openxmlformats.org/drawingml/2006/diagram" xmlns:o="urn:schemas-microsoft-com:office:office" xmlns:v="urn:schemas-microsoft-com:vml" xmlns:pvml="urn:schemas-microsoft-com:office:powerpoint" xmlns:com="http://schemas.openxmlformats.org/drawingml/2006/compatibility" xmlns:p14="http://schemas.microsoft.com/office/powerpoint/2010/main" xmlns:p15="http://schemas.microsoft.com/office/powerpoint/2012/main" xmlns:ahyp="http://schemas.microsoft.com/office/drawing/2018/hyperlinkcolor" matchingName="Big number">
+<p:sldLayout xmlns:a="http://schemas.openxmlformats.org/drawingml/2006/main" xmlns:r="http://schemas.openxmlformats.org/officeDocument/2006/relationships" xmlns:p="http://schemas.openxmlformats.org/presentationml/2006/main" matchingName="Big number">
   <p:cSld name="BIG_NUMBER">
     <p:spTree>
       <p:nvGrpSpPr>
-        <p:cNvPr id="44" name="Shape 44"/>
+        <p:cNvPr id="1" name="Shape 44"/>
         <p:cNvGrpSpPr/>
         <p:nvPr/>
       </p:nvGrpSpPr>
@@ -1993,9 +2074,11 @@
       <p:sp>
         <p:nvSpPr>
           <p:cNvPr id="45" name="Google Shape;45;p11"/>
-          <p:cNvSpPr txBox="1"/>
+          <p:cNvSpPr txBox="1">
+            <a:spLocks noGrp="1"/>
+          </p:cNvSpPr>
           <p:nvPr>
-            <p:ph hasCustomPrompt="1" type="title"/>
+            <p:ph type="title" hasCustomPrompt="1"/>
           </p:nvPr>
         </p:nvSpPr>
         <p:spPr>
@@ -2008,7 +2091,7 @@
           </a:prstGeom>
         </p:spPr>
         <p:txBody>
-          <a:bodyPr anchorCtr="0" anchor="b" bIns="91425" lIns="91425" spcFirstLastPara="1" rIns="91425" wrap="square" tIns="91425">
+          <a:bodyPr spcFirstLastPara="1" wrap="square" lIns="91425" tIns="91425" rIns="91425" bIns="91425" anchor="b" anchorCtr="0">
             <a:normAutofit/>
           </a:bodyPr>
           <a:lstStyle>
@@ -2122,9 +2205,11 @@
       <p:sp>
         <p:nvSpPr>
           <p:cNvPr id="46" name="Google Shape;46;p11"/>
-          <p:cNvSpPr txBox="1"/>
+          <p:cNvSpPr txBox="1">
+            <a:spLocks noGrp="1"/>
+          </p:cNvSpPr>
           <p:nvPr>
-            <p:ph idx="1" type="body"/>
+            <p:ph type="body" idx="1"/>
           </p:nvPr>
         </p:nvSpPr>
         <p:spPr>
@@ -2137,11 +2222,11 @@
           </a:prstGeom>
         </p:spPr>
         <p:txBody>
-          <a:bodyPr anchorCtr="0" anchor="t" bIns="91425" lIns="91425" spcFirstLastPara="1" rIns="91425" wrap="square" tIns="91425">
+          <a:bodyPr spcFirstLastPara="1" wrap="square" lIns="91425" tIns="91425" rIns="91425" bIns="91425" anchor="t" anchorCtr="0">
             <a:normAutofit/>
           </a:bodyPr>
           <a:lstStyle>
-            <a:lvl1pPr indent="-342900" lvl="0" marL="457200" algn="ctr">
+            <a:lvl1pPr marL="457200" lvl="0" indent="-342900" algn="ctr">
               <a:spcBef>
                 <a:spcPts val="0"/>
               </a:spcBef>
@@ -2152,7 +2237,7 @@
               <a:buChar char="●"/>
               <a:defRPr/>
             </a:lvl1pPr>
-            <a:lvl2pPr indent="-317500" lvl="1" marL="914400" algn="ctr">
+            <a:lvl2pPr marL="914400" lvl="1" indent="-317500" algn="ctr">
               <a:spcBef>
                 <a:spcPts val="0"/>
               </a:spcBef>
@@ -2163,7 +2248,7 @@
               <a:buChar char="○"/>
               <a:defRPr/>
             </a:lvl2pPr>
-            <a:lvl3pPr indent="-317500" lvl="2" marL="1371600" algn="ctr">
+            <a:lvl3pPr marL="1371600" lvl="2" indent="-317500" algn="ctr">
               <a:spcBef>
                 <a:spcPts val="0"/>
               </a:spcBef>
@@ -2174,7 +2259,7 @@
               <a:buChar char="■"/>
               <a:defRPr/>
             </a:lvl3pPr>
-            <a:lvl4pPr indent="-317500" lvl="3" marL="1828800" algn="ctr">
+            <a:lvl4pPr marL="1828800" lvl="3" indent="-317500" algn="ctr">
               <a:spcBef>
                 <a:spcPts val="0"/>
               </a:spcBef>
@@ -2185,7 +2270,7 @@
               <a:buChar char="●"/>
               <a:defRPr/>
             </a:lvl4pPr>
-            <a:lvl5pPr indent="-317500" lvl="4" marL="2286000" algn="ctr">
+            <a:lvl5pPr marL="2286000" lvl="4" indent="-317500" algn="ctr">
               <a:spcBef>
                 <a:spcPts val="0"/>
               </a:spcBef>
@@ -2196,7 +2281,7 @@
               <a:buChar char="○"/>
               <a:defRPr/>
             </a:lvl5pPr>
-            <a:lvl6pPr indent="-317500" lvl="5" marL="2743200" algn="ctr">
+            <a:lvl6pPr marL="2743200" lvl="5" indent="-317500" algn="ctr">
               <a:spcBef>
                 <a:spcPts val="0"/>
               </a:spcBef>
@@ -2207,7 +2292,7 @@
               <a:buChar char="■"/>
               <a:defRPr/>
             </a:lvl6pPr>
-            <a:lvl7pPr indent="-317500" lvl="6" marL="3200400" algn="ctr">
+            <a:lvl7pPr marL="3200400" lvl="6" indent="-317500" algn="ctr">
               <a:spcBef>
                 <a:spcPts val="0"/>
               </a:spcBef>
@@ -2218,7 +2303,7 @@
               <a:buChar char="●"/>
               <a:defRPr/>
             </a:lvl7pPr>
-            <a:lvl8pPr indent="-317500" lvl="7" marL="3657600" algn="ctr">
+            <a:lvl8pPr marL="3657600" lvl="7" indent="-317500" algn="ctr">
               <a:spcBef>
                 <a:spcPts val="0"/>
               </a:spcBef>
@@ -2229,7 +2314,7 @@
               <a:buChar char="○"/>
               <a:defRPr/>
             </a:lvl8pPr>
-            <a:lvl9pPr indent="-317500" lvl="8" marL="4114800" algn="ctr">
+            <a:lvl9pPr marL="4114800" lvl="8" indent="-317500" algn="ctr">
               <a:spcBef>
                 <a:spcPts val="0"/>
               </a:spcBef>
@@ -2241,15 +2326,19 @@
               <a:defRPr/>
             </a:lvl9pPr>
           </a:lstStyle>
-          <a:p/>
+          <a:p>
+            <a:endParaRPr/>
+          </a:p>
         </p:txBody>
       </p:sp>
       <p:sp>
         <p:nvSpPr>
           <p:cNvPr id="47" name="Google Shape;47;p11"/>
-          <p:cNvSpPr txBox="1"/>
+          <p:cNvSpPr txBox="1">
+            <a:spLocks noGrp="1"/>
+          </p:cNvSpPr>
           <p:nvPr>
-            <p:ph idx="12" type="sldNum"/>
+            <p:ph type="sldNum" idx="12"/>
           </p:nvPr>
         </p:nvSpPr>
         <p:spPr>
@@ -2262,7 +2351,7 @@
           </a:prstGeom>
         </p:spPr>
         <p:txBody>
-          <a:bodyPr anchorCtr="0" anchor="ctr" bIns="91425" lIns="91425" spcFirstLastPara="1" rIns="91425" wrap="square" tIns="91425">
+          <a:bodyPr spcFirstLastPara="1" wrap="square" lIns="91425" tIns="91425" rIns="91425" bIns="91425" anchor="ctr" anchorCtr="0">
             <a:normAutofit/>
           </a:bodyPr>
           <a:lstStyle>
@@ -2304,7 +2393,7 @@
             </a:lvl9pPr>
           </a:lstStyle>
           <a:p>
-            <a:pPr indent="0" lvl="0" marL="0" rtl="0" algn="r">
+            <a:pPr marL="0" lvl="0" indent="0" algn="r" rtl="0">
               <a:spcBef>
                 <a:spcPts val="0"/>
               </a:spcBef>
@@ -2330,11 +2419,11 @@
 </file>
 
 <file path=ppt/slideLayouts/slideLayout11.xml><?xml version="1.0" encoding="utf-8"?>
-<p:sldLayout xmlns:a="http://schemas.openxmlformats.org/drawingml/2006/main" xmlns:r="http://schemas.openxmlformats.org/officeDocument/2006/relationships" xmlns:mc="http://schemas.openxmlformats.org/markup-compatibility/2006" xmlns:mv="urn:schemas-microsoft-com:mac:vml" xmlns:p="http://schemas.openxmlformats.org/presentationml/2006/main" xmlns:c="http://schemas.openxmlformats.org/drawingml/2006/chart" xmlns:dgm="http://schemas.openxmlformats.org/drawingml/2006/diagram" xmlns:o="urn:schemas-microsoft-com:office:office" xmlns:v="urn:schemas-microsoft-com:vml" xmlns:pvml="urn:schemas-microsoft-com:office:powerpoint" xmlns:com="http://schemas.openxmlformats.org/drawingml/2006/compatibility" xmlns:p14="http://schemas.microsoft.com/office/powerpoint/2010/main" xmlns:p15="http://schemas.microsoft.com/office/powerpoint/2012/main" xmlns:ahyp="http://schemas.microsoft.com/office/drawing/2018/hyperlinkcolor" matchingName="Blank" type="blank">
+<p:sldLayout xmlns:a="http://schemas.openxmlformats.org/drawingml/2006/main" xmlns:r="http://schemas.openxmlformats.org/officeDocument/2006/relationships" xmlns:p="http://schemas.openxmlformats.org/presentationml/2006/main" matchingName="Blank" type="blank">
   <p:cSld name="BLANK">
     <p:spTree>
       <p:nvGrpSpPr>
-        <p:cNvPr id="48" name="Shape 48"/>
+        <p:cNvPr id="1" name="Shape 48"/>
         <p:cNvGrpSpPr/>
         <p:nvPr/>
       </p:nvGrpSpPr>
@@ -2349,9 +2438,11 @@
       <p:sp>
         <p:nvSpPr>
           <p:cNvPr id="49" name="Google Shape;49;p12"/>
-          <p:cNvSpPr txBox="1"/>
+          <p:cNvSpPr txBox="1">
+            <a:spLocks noGrp="1"/>
+          </p:cNvSpPr>
           <p:nvPr>
-            <p:ph idx="12" type="sldNum"/>
+            <p:ph type="sldNum" idx="12"/>
           </p:nvPr>
         </p:nvSpPr>
         <p:spPr>
@@ -2364,7 +2455,7 @@
           </a:prstGeom>
         </p:spPr>
         <p:txBody>
-          <a:bodyPr anchorCtr="0" anchor="ctr" bIns="91425" lIns="91425" spcFirstLastPara="1" rIns="91425" wrap="square" tIns="91425">
+          <a:bodyPr spcFirstLastPara="1" wrap="square" lIns="91425" tIns="91425" rIns="91425" bIns="91425" anchor="ctr" anchorCtr="0">
             <a:normAutofit/>
           </a:bodyPr>
           <a:lstStyle>
@@ -2406,7 +2497,7 @@
             </a:lvl9pPr>
           </a:lstStyle>
           <a:p>
-            <a:pPr indent="0" lvl="0" marL="0" rtl="0" algn="r">
+            <a:pPr marL="0" lvl="0" indent="0" algn="r" rtl="0">
               <a:spcBef>
                 <a:spcPts val="0"/>
               </a:spcBef>
@@ -2432,11 +2523,11 @@
 </file>
 
 <file path=ppt/slideLayouts/slideLayout2.xml><?xml version="1.0" encoding="utf-8"?>
-<p:sldLayout xmlns:a="http://schemas.openxmlformats.org/drawingml/2006/main" xmlns:r="http://schemas.openxmlformats.org/officeDocument/2006/relationships" xmlns:mc="http://schemas.openxmlformats.org/markup-compatibility/2006" xmlns:mv="urn:schemas-microsoft-com:mac:vml" xmlns:p="http://schemas.openxmlformats.org/presentationml/2006/main" xmlns:c="http://schemas.openxmlformats.org/drawingml/2006/chart" xmlns:dgm="http://schemas.openxmlformats.org/drawingml/2006/diagram" xmlns:o="urn:schemas-microsoft-com:office:office" xmlns:v="urn:schemas-microsoft-com:vml" xmlns:pvml="urn:schemas-microsoft-com:office:powerpoint" xmlns:com="http://schemas.openxmlformats.org/drawingml/2006/compatibility" xmlns:p14="http://schemas.microsoft.com/office/powerpoint/2010/main" xmlns:p15="http://schemas.microsoft.com/office/powerpoint/2012/main" xmlns:ahyp="http://schemas.microsoft.com/office/drawing/2018/hyperlinkcolor" matchingName="Section header" type="secHead">
+<p:sldLayout xmlns:a="http://schemas.openxmlformats.org/drawingml/2006/main" xmlns:r="http://schemas.openxmlformats.org/officeDocument/2006/relationships" xmlns:p="http://schemas.openxmlformats.org/presentationml/2006/main" matchingName="Section header" type="secHead">
   <p:cSld name="SECTION_HEADER">
     <p:spTree>
       <p:nvGrpSpPr>
-        <p:cNvPr id="13" name="Shape 13"/>
+        <p:cNvPr id="1" name="Shape 13"/>
         <p:cNvGrpSpPr/>
         <p:nvPr/>
       </p:nvGrpSpPr>
@@ -2451,7 +2542,9 @@
       <p:sp>
         <p:nvSpPr>
           <p:cNvPr id="14" name="Google Shape;14;p3"/>
-          <p:cNvSpPr txBox="1"/>
+          <p:cNvSpPr txBox="1">
+            <a:spLocks noGrp="1"/>
+          </p:cNvSpPr>
           <p:nvPr>
             <p:ph type="title"/>
           </p:nvPr>
@@ -2466,7 +2559,7 @@
           </a:prstGeom>
         </p:spPr>
         <p:txBody>
-          <a:bodyPr anchorCtr="0" anchor="ctr" bIns="91425" lIns="91425" spcFirstLastPara="1" rIns="91425" wrap="square" tIns="91425">
+          <a:bodyPr spcFirstLastPara="1" wrap="square" lIns="91425" tIns="91425" rIns="91425" bIns="91425" anchor="ctr" anchorCtr="0">
             <a:normAutofit/>
           </a:bodyPr>
           <a:lstStyle>
@@ -2570,15 +2663,19 @@
               <a:defRPr sz="3600"/>
             </a:lvl9pPr>
           </a:lstStyle>
-          <a:p/>
+          <a:p>
+            <a:endParaRPr/>
+          </a:p>
         </p:txBody>
       </p:sp>
       <p:sp>
         <p:nvSpPr>
           <p:cNvPr id="15" name="Google Shape;15;p3"/>
-          <p:cNvSpPr txBox="1"/>
+          <p:cNvSpPr txBox="1">
+            <a:spLocks noGrp="1"/>
+          </p:cNvSpPr>
           <p:nvPr>
-            <p:ph idx="12" type="sldNum"/>
+            <p:ph type="sldNum" idx="12"/>
           </p:nvPr>
         </p:nvSpPr>
         <p:spPr>
@@ -2591,7 +2688,7 @@
           </a:prstGeom>
         </p:spPr>
         <p:txBody>
-          <a:bodyPr anchorCtr="0" anchor="ctr" bIns="91425" lIns="91425" spcFirstLastPara="1" rIns="91425" wrap="square" tIns="91425">
+          <a:bodyPr spcFirstLastPara="1" wrap="square" lIns="91425" tIns="91425" rIns="91425" bIns="91425" anchor="ctr" anchorCtr="0">
             <a:normAutofit/>
           </a:bodyPr>
           <a:lstStyle>
@@ -2633,7 +2730,7 @@
             </a:lvl9pPr>
           </a:lstStyle>
           <a:p>
-            <a:pPr indent="0" lvl="0" marL="0" rtl="0" algn="r">
+            <a:pPr marL="0" lvl="0" indent="0" algn="r" rtl="0">
               <a:spcBef>
                 <a:spcPts val="0"/>
               </a:spcBef>
@@ -2659,11 +2756,11 @@
 </file>
 
 <file path=ppt/slideLayouts/slideLayout3.xml><?xml version="1.0" encoding="utf-8"?>
-<p:sldLayout xmlns:a="http://schemas.openxmlformats.org/drawingml/2006/main" xmlns:r="http://schemas.openxmlformats.org/officeDocument/2006/relationships" xmlns:mc="http://schemas.openxmlformats.org/markup-compatibility/2006" xmlns:mv="urn:schemas-microsoft-com:mac:vml" xmlns:p="http://schemas.openxmlformats.org/presentationml/2006/main" xmlns:c="http://schemas.openxmlformats.org/drawingml/2006/chart" xmlns:dgm="http://schemas.openxmlformats.org/drawingml/2006/diagram" xmlns:o="urn:schemas-microsoft-com:office:office" xmlns:v="urn:schemas-microsoft-com:vml" xmlns:pvml="urn:schemas-microsoft-com:office:powerpoint" xmlns:com="http://schemas.openxmlformats.org/drawingml/2006/compatibility" xmlns:p14="http://schemas.microsoft.com/office/powerpoint/2010/main" xmlns:p15="http://schemas.microsoft.com/office/powerpoint/2012/main" xmlns:ahyp="http://schemas.microsoft.com/office/drawing/2018/hyperlinkcolor" matchingName="Title and body" type="tx">
+<p:sldLayout xmlns:a="http://schemas.openxmlformats.org/drawingml/2006/main" xmlns:r="http://schemas.openxmlformats.org/officeDocument/2006/relationships" xmlns:p="http://schemas.openxmlformats.org/presentationml/2006/main" matchingName="Title and body" type="tx">
   <p:cSld name="TITLE_AND_BODY">
     <p:spTree>
       <p:nvGrpSpPr>
-        <p:cNvPr id="16" name="Shape 16"/>
+        <p:cNvPr id="1" name="Shape 16"/>
         <p:cNvGrpSpPr/>
         <p:nvPr/>
       </p:nvGrpSpPr>
@@ -2678,7 +2775,9 @@
       <p:sp>
         <p:nvSpPr>
           <p:cNvPr id="17" name="Google Shape;17;p4"/>
-          <p:cNvSpPr txBox="1"/>
+          <p:cNvSpPr txBox="1">
+            <a:spLocks noGrp="1"/>
+          </p:cNvSpPr>
           <p:nvPr>
             <p:ph type="title"/>
           </p:nvPr>
@@ -2693,7 +2792,7 @@
           </a:prstGeom>
         </p:spPr>
         <p:txBody>
-          <a:bodyPr anchorCtr="0" anchor="t" bIns="91425" lIns="91425" spcFirstLastPara="1" rIns="91425" wrap="square" tIns="91425">
+          <a:bodyPr spcFirstLastPara="1" wrap="square" lIns="91425" tIns="91425" rIns="91425" bIns="91425" anchor="t" anchorCtr="0">
             <a:normAutofit/>
           </a:bodyPr>
           <a:lstStyle>
@@ -2797,15 +2896,19 @@
               <a:defRPr/>
             </a:lvl9pPr>
           </a:lstStyle>
-          <a:p/>
+          <a:p>
+            <a:endParaRPr/>
+          </a:p>
         </p:txBody>
       </p:sp>
       <p:sp>
         <p:nvSpPr>
           <p:cNvPr id="18" name="Google Shape;18;p4"/>
-          <p:cNvSpPr txBox="1"/>
+          <p:cNvSpPr txBox="1">
+            <a:spLocks noGrp="1"/>
+          </p:cNvSpPr>
           <p:nvPr>
-            <p:ph idx="1" type="body"/>
+            <p:ph type="body" idx="1"/>
           </p:nvPr>
         </p:nvSpPr>
         <p:spPr>
@@ -2818,11 +2921,11 @@
           </a:prstGeom>
         </p:spPr>
         <p:txBody>
-          <a:bodyPr anchorCtr="0" anchor="t" bIns="91425" lIns="91425" spcFirstLastPara="1" rIns="91425" wrap="square" tIns="91425">
+          <a:bodyPr spcFirstLastPara="1" wrap="square" lIns="91425" tIns="91425" rIns="91425" bIns="91425" anchor="t" anchorCtr="0">
             <a:normAutofit/>
           </a:bodyPr>
           <a:lstStyle>
-            <a:lvl1pPr indent="-342900" lvl="0" marL="457200">
+            <a:lvl1pPr marL="457200" lvl="0" indent="-342900">
               <a:spcBef>
                 <a:spcPts val="0"/>
               </a:spcBef>
@@ -2833,7 +2936,7 @@
               <a:buChar char="●"/>
               <a:defRPr/>
             </a:lvl1pPr>
-            <a:lvl2pPr indent="-317500" lvl="1" marL="914400">
+            <a:lvl2pPr marL="914400" lvl="1" indent="-317500">
               <a:spcBef>
                 <a:spcPts val="0"/>
               </a:spcBef>
@@ -2844,7 +2947,7 @@
               <a:buChar char="○"/>
               <a:defRPr/>
             </a:lvl2pPr>
-            <a:lvl3pPr indent="-317500" lvl="2" marL="1371600">
+            <a:lvl3pPr marL="1371600" lvl="2" indent="-317500">
               <a:spcBef>
                 <a:spcPts val="0"/>
               </a:spcBef>
@@ -2855,7 +2958,7 @@
               <a:buChar char="■"/>
               <a:defRPr/>
             </a:lvl3pPr>
-            <a:lvl4pPr indent="-317500" lvl="3" marL="1828800">
+            <a:lvl4pPr marL="1828800" lvl="3" indent="-317500">
               <a:spcBef>
                 <a:spcPts val="0"/>
               </a:spcBef>
@@ -2866,7 +2969,7 @@
               <a:buChar char="●"/>
               <a:defRPr/>
             </a:lvl4pPr>
-            <a:lvl5pPr indent="-317500" lvl="4" marL="2286000">
+            <a:lvl5pPr marL="2286000" lvl="4" indent="-317500">
               <a:spcBef>
                 <a:spcPts val="0"/>
               </a:spcBef>
@@ -2877,7 +2980,7 @@
               <a:buChar char="○"/>
               <a:defRPr/>
             </a:lvl5pPr>
-            <a:lvl6pPr indent="-317500" lvl="5" marL="2743200">
+            <a:lvl6pPr marL="2743200" lvl="5" indent="-317500">
               <a:spcBef>
                 <a:spcPts val="0"/>
               </a:spcBef>
@@ -2888,7 +2991,7 @@
               <a:buChar char="■"/>
               <a:defRPr/>
             </a:lvl6pPr>
-            <a:lvl7pPr indent="-317500" lvl="6" marL="3200400">
+            <a:lvl7pPr marL="3200400" lvl="6" indent="-317500">
               <a:spcBef>
                 <a:spcPts val="0"/>
               </a:spcBef>
@@ -2899,7 +3002,7 @@
               <a:buChar char="●"/>
               <a:defRPr/>
             </a:lvl7pPr>
-            <a:lvl8pPr indent="-317500" lvl="7" marL="3657600">
+            <a:lvl8pPr marL="3657600" lvl="7" indent="-317500">
               <a:spcBef>
                 <a:spcPts val="0"/>
               </a:spcBef>
@@ -2910,7 +3013,7 @@
               <a:buChar char="○"/>
               <a:defRPr/>
             </a:lvl8pPr>
-            <a:lvl9pPr indent="-317500" lvl="8" marL="4114800">
+            <a:lvl9pPr marL="4114800" lvl="8" indent="-317500">
               <a:spcBef>
                 <a:spcPts val="0"/>
               </a:spcBef>
@@ -2922,15 +3025,19 @@
               <a:defRPr/>
             </a:lvl9pPr>
           </a:lstStyle>
-          <a:p/>
+          <a:p>
+            <a:endParaRPr/>
+          </a:p>
         </p:txBody>
       </p:sp>
       <p:sp>
         <p:nvSpPr>
           <p:cNvPr id="19" name="Google Shape;19;p4"/>
-          <p:cNvSpPr txBox="1"/>
+          <p:cNvSpPr txBox="1">
+            <a:spLocks noGrp="1"/>
+          </p:cNvSpPr>
           <p:nvPr>
-            <p:ph idx="12" type="sldNum"/>
+            <p:ph type="sldNum" idx="12"/>
           </p:nvPr>
         </p:nvSpPr>
         <p:spPr>
@@ -2943,7 +3050,7 @@
           </a:prstGeom>
         </p:spPr>
         <p:txBody>
-          <a:bodyPr anchorCtr="0" anchor="ctr" bIns="91425" lIns="91425" spcFirstLastPara="1" rIns="91425" wrap="square" tIns="91425">
+          <a:bodyPr spcFirstLastPara="1" wrap="square" lIns="91425" tIns="91425" rIns="91425" bIns="91425" anchor="ctr" anchorCtr="0">
             <a:normAutofit/>
           </a:bodyPr>
           <a:lstStyle>
@@ -2985,7 +3092,7 @@
             </a:lvl9pPr>
           </a:lstStyle>
           <a:p>
-            <a:pPr indent="0" lvl="0" marL="0" rtl="0" algn="r">
+            <a:pPr marL="0" lvl="0" indent="0" algn="r" rtl="0">
               <a:spcBef>
                 <a:spcPts val="0"/>
               </a:spcBef>
@@ -3011,11 +3118,11 @@
 </file>
 
 <file path=ppt/slideLayouts/slideLayout4.xml><?xml version="1.0" encoding="utf-8"?>
-<p:sldLayout xmlns:a="http://schemas.openxmlformats.org/drawingml/2006/main" xmlns:r="http://schemas.openxmlformats.org/officeDocument/2006/relationships" xmlns:mc="http://schemas.openxmlformats.org/markup-compatibility/2006" xmlns:mv="urn:schemas-microsoft-com:mac:vml" xmlns:p="http://schemas.openxmlformats.org/presentationml/2006/main" xmlns:c="http://schemas.openxmlformats.org/drawingml/2006/chart" xmlns:dgm="http://schemas.openxmlformats.org/drawingml/2006/diagram" xmlns:o="urn:schemas-microsoft-com:office:office" xmlns:v="urn:schemas-microsoft-com:vml" xmlns:pvml="urn:schemas-microsoft-com:office:powerpoint" xmlns:com="http://schemas.openxmlformats.org/drawingml/2006/compatibility" xmlns:p14="http://schemas.microsoft.com/office/powerpoint/2010/main" xmlns:p15="http://schemas.microsoft.com/office/powerpoint/2012/main" xmlns:ahyp="http://schemas.microsoft.com/office/drawing/2018/hyperlinkcolor" matchingName="Title and two columns" type="twoColTx">
+<p:sldLayout xmlns:a="http://schemas.openxmlformats.org/drawingml/2006/main" xmlns:r="http://schemas.openxmlformats.org/officeDocument/2006/relationships" xmlns:p="http://schemas.openxmlformats.org/presentationml/2006/main" matchingName="Title and two columns" type="twoColTx">
   <p:cSld name="TITLE_AND_TWO_COLUMNS">
     <p:spTree>
       <p:nvGrpSpPr>
-        <p:cNvPr id="20" name="Shape 20"/>
+        <p:cNvPr id="1" name="Shape 20"/>
         <p:cNvGrpSpPr/>
         <p:nvPr/>
       </p:nvGrpSpPr>
@@ -3030,7 +3137,9 @@
       <p:sp>
         <p:nvSpPr>
           <p:cNvPr id="21" name="Google Shape;21;p5"/>
-          <p:cNvSpPr txBox="1"/>
+          <p:cNvSpPr txBox="1">
+            <a:spLocks noGrp="1"/>
+          </p:cNvSpPr>
           <p:nvPr>
             <p:ph type="title"/>
           </p:nvPr>
@@ -3045,7 +3154,7 @@
           </a:prstGeom>
         </p:spPr>
         <p:txBody>
-          <a:bodyPr anchorCtr="0" anchor="t" bIns="91425" lIns="91425" spcFirstLastPara="1" rIns="91425" wrap="square" tIns="91425">
+          <a:bodyPr spcFirstLastPara="1" wrap="square" lIns="91425" tIns="91425" rIns="91425" bIns="91425" anchor="t" anchorCtr="0">
             <a:normAutofit/>
           </a:bodyPr>
           <a:lstStyle>
@@ -3149,15 +3258,19 @@
               <a:defRPr/>
             </a:lvl9pPr>
           </a:lstStyle>
-          <a:p/>
+          <a:p>
+            <a:endParaRPr/>
+          </a:p>
         </p:txBody>
       </p:sp>
       <p:sp>
         <p:nvSpPr>
           <p:cNvPr id="22" name="Google Shape;22;p5"/>
-          <p:cNvSpPr txBox="1"/>
+          <p:cNvSpPr txBox="1">
+            <a:spLocks noGrp="1"/>
+          </p:cNvSpPr>
           <p:nvPr>
-            <p:ph idx="1" type="body"/>
+            <p:ph type="body" idx="1"/>
           </p:nvPr>
         </p:nvSpPr>
         <p:spPr>
@@ -3170,11 +3283,11 @@
           </a:prstGeom>
         </p:spPr>
         <p:txBody>
-          <a:bodyPr anchorCtr="0" anchor="t" bIns="91425" lIns="91425" spcFirstLastPara="1" rIns="91425" wrap="square" tIns="91425">
+          <a:bodyPr spcFirstLastPara="1" wrap="square" lIns="91425" tIns="91425" rIns="91425" bIns="91425" anchor="t" anchorCtr="0">
             <a:normAutofit/>
           </a:bodyPr>
           <a:lstStyle>
-            <a:lvl1pPr indent="-317500" lvl="0" marL="457200">
+            <a:lvl1pPr marL="457200" lvl="0" indent="-317500">
               <a:spcBef>
                 <a:spcPts val="0"/>
               </a:spcBef>
@@ -3185,7 +3298,7 @@
               <a:buChar char="●"/>
               <a:defRPr sz="1400"/>
             </a:lvl1pPr>
-            <a:lvl2pPr indent="-304800" lvl="1" marL="914400">
+            <a:lvl2pPr marL="914400" lvl="1" indent="-304800">
               <a:spcBef>
                 <a:spcPts val="0"/>
               </a:spcBef>
@@ -3196,7 +3309,7 @@
               <a:buChar char="○"/>
               <a:defRPr sz="1200"/>
             </a:lvl2pPr>
-            <a:lvl3pPr indent="-304800" lvl="2" marL="1371600">
+            <a:lvl3pPr marL="1371600" lvl="2" indent="-304800">
               <a:spcBef>
                 <a:spcPts val="0"/>
               </a:spcBef>
@@ -3207,7 +3320,7 @@
               <a:buChar char="■"/>
               <a:defRPr sz="1200"/>
             </a:lvl3pPr>
-            <a:lvl4pPr indent="-304800" lvl="3" marL="1828800">
+            <a:lvl4pPr marL="1828800" lvl="3" indent="-304800">
               <a:spcBef>
                 <a:spcPts val="0"/>
               </a:spcBef>
@@ -3218,7 +3331,7 @@
               <a:buChar char="●"/>
               <a:defRPr sz="1200"/>
             </a:lvl4pPr>
-            <a:lvl5pPr indent="-304800" lvl="4" marL="2286000">
+            <a:lvl5pPr marL="2286000" lvl="4" indent="-304800">
               <a:spcBef>
                 <a:spcPts val="0"/>
               </a:spcBef>
@@ -3229,7 +3342,7 @@
               <a:buChar char="○"/>
               <a:defRPr sz="1200"/>
             </a:lvl5pPr>
-            <a:lvl6pPr indent="-304800" lvl="5" marL="2743200">
+            <a:lvl6pPr marL="2743200" lvl="5" indent="-304800">
               <a:spcBef>
                 <a:spcPts val="0"/>
               </a:spcBef>
@@ -3240,7 +3353,7 @@
               <a:buChar char="■"/>
               <a:defRPr sz="1200"/>
             </a:lvl6pPr>
-            <a:lvl7pPr indent="-304800" lvl="6" marL="3200400">
+            <a:lvl7pPr marL="3200400" lvl="6" indent="-304800">
               <a:spcBef>
                 <a:spcPts val="0"/>
               </a:spcBef>
@@ -3251,7 +3364,7 @@
               <a:buChar char="●"/>
               <a:defRPr sz="1200"/>
             </a:lvl7pPr>
-            <a:lvl8pPr indent="-304800" lvl="7" marL="3657600">
+            <a:lvl8pPr marL="3657600" lvl="7" indent="-304800">
               <a:spcBef>
                 <a:spcPts val="0"/>
               </a:spcBef>
@@ -3262,7 +3375,7 @@
               <a:buChar char="○"/>
               <a:defRPr sz="1200"/>
             </a:lvl8pPr>
-            <a:lvl9pPr indent="-304800" lvl="8" marL="4114800">
+            <a:lvl9pPr marL="4114800" lvl="8" indent="-304800">
               <a:spcBef>
                 <a:spcPts val="0"/>
               </a:spcBef>
@@ -3274,15 +3387,19 @@
               <a:defRPr sz="1200"/>
             </a:lvl9pPr>
           </a:lstStyle>
-          <a:p/>
+          <a:p>
+            <a:endParaRPr/>
+          </a:p>
         </p:txBody>
       </p:sp>
       <p:sp>
         <p:nvSpPr>
           <p:cNvPr id="23" name="Google Shape;23;p5"/>
-          <p:cNvSpPr txBox="1"/>
+          <p:cNvSpPr txBox="1">
+            <a:spLocks noGrp="1"/>
+          </p:cNvSpPr>
           <p:nvPr>
-            <p:ph idx="2" type="body"/>
+            <p:ph type="body" idx="2"/>
           </p:nvPr>
         </p:nvSpPr>
         <p:spPr>
@@ -3295,11 +3412,11 @@
           </a:prstGeom>
         </p:spPr>
         <p:txBody>
-          <a:bodyPr anchorCtr="0" anchor="t" bIns="91425" lIns="91425" spcFirstLastPara="1" rIns="91425" wrap="square" tIns="91425">
+          <a:bodyPr spcFirstLastPara="1" wrap="square" lIns="91425" tIns="91425" rIns="91425" bIns="91425" anchor="t" anchorCtr="0">
             <a:normAutofit/>
           </a:bodyPr>
           <a:lstStyle>
-            <a:lvl1pPr indent="-317500" lvl="0" marL="457200">
+            <a:lvl1pPr marL="457200" lvl="0" indent="-317500">
               <a:spcBef>
                 <a:spcPts val="0"/>
               </a:spcBef>
@@ -3310,7 +3427,7 @@
               <a:buChar char="●"/>
               <a:defRPr sz="1400"/>
             </a:lvl1pPr>
-            <a:lvl2pPr indent="-304800" lvl="1" marL="914400">
+            <a:lvl2pPr marL="914400" lvl="1" indent="-304800">
               <a:spcBef>
                 <a:spcPts val="0"/>
               </a:spcBef>
@@ -3321,7 +3438,7 @@
               <a:buChar char="○"/>
               <a:defRPr sz="1200"/>
             </a:lvl2pPr>
-            <a:lvl3pPr indent="-304800" lvl="2" marL="1371600">
+            <a:lvl3pPr marL="1371600" lvl="2" indent="-304800">
               <a:spcBef>
                 <a:spcPts val="0"/>
               </a:spcBef>
@@ -3332,7 +3449,7 @@
               <a:buChar char="■"/>
               <a:defRPr sz="1200"/>
             </a:lvl3pPr>
-            <a:lvl4pPr indent="-304800" lvl="3" marL="1828800">
+            <a:lvl4pPr marL="1828800" lvl="3" indent="-304800">
               <a:spcBef>
                 <a:spcPts val="0"/>
               </a:spcBef>
@@ -3343,7 +3460,7 @@
               <a:buChar char="●"/>
               <a:defRPr sz="1200"/>
             </a:lvl4pPr>
-            <a:lvl5pPr indent="-304800" lvl="4" marL="2286000">
+            <a:lvl5pPr marL="2286000" lvl="4" indent="-304800">
               <a:spcBef>
                 <a:spcPts val="0"/>
               </a:spcBef>
@@ -3354,7 +3471,7 @@
               <a:buChar char="○"/>
               <a:defRPr sz="1200"/>
             </a:lvl5pPr>
-            <a:lvl6pPr indent="-304800" lvl="5" marL="2743200">
+            <a:lvl6pPr marL="2743200" lvl="5" indent="-304800">
               <a:spcBef>
                 <a:spcPts val="0"/>
               </a:spcBef>
@@ -3365,7 +3482,7 @@
               <a:buChar char="■"/>
               <a:defRPr sz="1200"/>
             </a:lvl6pPr>
-            <a:lvl7pPr indent="-304800" lvl="6" marL="3200400">
+            <a:lvl7pPr marL="3200400" lvl="6" indent="-304800">
               <a:spcBef>
                 <a:spcPts val="0"/>
               </a:spcBef>
@@ -3376,7 +3493,7 @@
               <a:buChar char="●"/>
               <a:defRPr sz="1200"/>
             </a:lvl7pPr>
-            <a:lvl8pPr indent="-304800" lvl="7" marL="3657600">
+            <a:lvl8pPr marL="3657600" lvl="7" indent="-304800">
               <a:spcBef>
                 <a:spcPts val="0"/>
               </a:spcBef>
@@ -3387,7 +3504,7 @@
               <a:buChar char="○"/>
               <a:defRPr sz="1200"/>
             </a:lvl8pPr>
-            <a:lvl9pPr indent="-304800" lvl="8" marL="4114800">
+            <a:lvl9pPr marL="4114800" lvl="8" indent="-304800">
               <a:spcBef>
                 <a:spcPts val="0"/>
               </a:spcBef>
@@ -3399,15 +3516,19 @@
               <a:defRPr sz="1200"/>
             </a:lvl9pPr>
           </a:lstStyle>
-          <a:p/>
+          <a:p>
+            <a:endParaRPr/>
+          </a:p>
         </p:txBody>
       </p:sp>
       <p:sp>
         <p:nvSpPr>
           <p:cNvPr id="24" name="Google Shape;24;p5"/>
-          <p:cNvSpPr txBox="1"/>
+          <p:cNvSpPr txBox="1">
+            <a:spLocks noGrp="1"/>
+          </p:cNvSpPr>
           <p:nvPr>
-            <p:ph idx="12" type="sldNum"/>
+            <p:ph type="sldNum" idx="12"/>
           </p:nvPr>
         </p:nvSpPr>
         <p:spPr>
@@ -3420,7 +3541,7 @@
           </a:prstGeom>
         </p:spPr>
         <p:txBody>
-          <a:bodyPr anchorCtr="0" anchor="ctr" bIns="91425" lIns="91425" spcFirstLastPara="1" rIns="91425" wrap="square" tIns="91425">
+          <a:bodyPr spcFirstLastPara="1" wrap="square" lIns="91425" tIns="91425" rIns="91425" bIns="91425" anchor="ctr" anchorCtr="0">
             <a:normAutofit/>
           </a:bodyPr>
           <a:lstStyle>
@@ -3462,7 +3583,7 @@
             </a:lvl9pPr>
           </a:lstStyle>
           <a:p>
-            <a:pPr indent="0" lvl="0" marL="0" rtl="0" algn="r">
+            <a:pPr marL="0" lvl="0" indent="0" algn="r" rtl="0">
               <a:spcBef>
                 <a:spcPts val="0"/>
               </a:spcBef>
@@ -3488,11 +3609,11 @@
 </file>
 
 <file path=ppt/slideLayouts/slideLayout5.xml><?xml version="1.0" encoding="utf-8"?>
-<p:sldLayout xmlns:a="http://schemas.openxmlformats.org/drawingml/2006/main" xmlns:r="http://schemas.openxmlformats.org/officeDocument/2006/relationships" xmlns:mc="http://schemas.openxmlformats.org/markup-compatibility/2006" xmlns:mv="urn:schemas-microsoft-com:mac:vml" xmlns:p="http://schemas.openxmlformats.org/presentationml/2006/main" xmlns:c="http://schemas.openxmlformats.org/drawingml/2006/chart" xmlns:dgm="http://schemas.openxmlformats.org/drawingml/2006/diagram" xmlns:o="urn:schemas-microsoft-com:office:office" xmlns:v="urn:schemas-microsoft-com:vml" xmlns:pvml="urn:schemas-microsoft-com:office:powerpoint" xmlns:com="http://schemas.openxmlformats.org/drawingml/2006/compatibility" xmlns:p14="http://schemas.microsoft.com/office/powerpoint/2010/main" xmlns:p15="http://schemas.microsoft.com/office/powerpoint/2012/main" xmlns:ahyp="http://schemas.microsoft.com/office/drawing/2018/hyperlinkcolor" matchingName="Title only" type="titleOnly">
+<p:sldLayout xmlns:a="http://schemas.openxmlformats.org/drawingml/2006/main" xmlns:r="http://schemas.openxmlformats.org/officeDocument/2006/relationships" xmlns:p="http://schemas.openxmlformats.org/presentationml/2006/main" matchingName="Title only" type="titleOnly">
   <p:cSld name="TITLE_ONLY">
     <p:spTree>
       <p:nvGrpSpPr>
-        <p:cNvPr id="25" name="Shape 25"/>
+        <p:cNvPr id="1" name="Shape 25"/>
         <p:cNvGrpSpPr/>
         <p:nvPr/>
       </p:nvGrpSpPr>
@@ -3507,7 +3628,9 @@
       <p:sp>
         <p:nvSpPr>
           <p:cNvPr id="26" name="Google Shape;26;p6"/>
-          <p:cNvSpPr txBox="1"/>
+          <p:cNvSpPr txBox="1">
+            <a:spLocks noGrp="1"/>
+          </p:cNvSpPr>
           <p:nvPr>
             <p:ph type="title"/>
           </p:nvPr>
@@ -3522,7 +3645,7 @@
           </a:prstGeom>
         </p:spPr>
         <p:txBody>
-          <a:bodyPr anchorCtr="0" anchor="t" bIns="91425" lIns="91425" spcFirstLastPara="1" rIns="91425" wrap="square" tIns="91425">
+          <a:bodyPr spcFirstLastPara="1" wrap="square" lIns="91425" tIns="91425" rIns="91425" bIns="91425" anchor="t" anchorCtr="0">
             <a:normAutofit/>
           </a:bodyPr>
           <a:lstStyle>
@@ -3626,15 +3749,19 @@
               <a:defRPr/>
             </a:lvl9pPr>
           </a:lstStyle>
-          <a:p/>
+          <a:p>
+            <a:endParaRPr/>
+          </a:p>
         </p:txBody>
       </p:sp>
       <p:sp>
         <p:nvSpPr>
           <p:cNvPr id="27" name="Google Shape;27;p6"/>
-          <p:cNvSpPr txBox="1"/>
+          <p:cNvSpPr txBox="1">
+            <a:spLocks noGrp="1"/>
+          </p:cNvSpPr>
           <p:nvPr>
-            <p:ph idx="12" type="sldNum"/>
+            <p:ph type="sldNum" idx="12"/>
           </p:nvPr>
         </p:nvSpPr>
         <p:spPr>
@@ -3647,7 +3774,7 @@
           </a:prstGeom>
         </p:spPr>
         <p:txBody>
-          <a:bodyPr anchorCtr="0" anchor="ctr" bIns="91425" lIns="91425" spcFirstLastPara="1" rIns="91425" wrap="square" tIns="91425">
+          <a:bodyPr spcFirstLastPara="1" wrap="square" lIns="91425" tIns="91425" rIns="91425" bIns="91425" anchor="ctr" anchorCtr="0">
             <a:normAutofit/>
           </a:bodyPr>
           <a:lstStyle>
@@ -3689,7 +3816,7 @@
             </a:lvl9pPr>
           </a:lstStyle>
           <a:p>
-            <a:pPr indent="0" lvl="0" marL="0" rtl="0" algn="r">
+            <a:pPr marL="0" lvl="0" indent="0" algn="r" rtl="0">
               <a:spcBef>
                 <a:spcPts val="0"/>
               </a:spcBef>
@@ -3715,11 +3842,11 @@
 </file>
 
 <file path=ppt/slideLayouts/slideLayout6.xml><?xml version="1.0" encoding="utf-8"?>
-<p:sldLayout xmlns:a="http://schemas.openxmlformats.org/drawingml/2006/main" xmlns:r="http://schemas.openxmlformats.org/officeDocument/2006/relationships" xmlns:mc="http://schemas.openxmlformats.org/markup-compatibility/2006" xmlns:mv="urn:schemas-microsoft-com:mac:vml" xmlns:p="http://schemas.openxmlformats.org/presentationml/2006/main" xmlns:c="http://schemas.openxmlformats.org/drawingml/2006/chart" xmlns:dgm="http://schemas.openxmlformats.org/drawingml/2006/diagram" xmlns:o="urn:schemas-microsoft-com:office:office" xmlns:v="urn:schemas-microsoft-com:vml" xmlns:pvml="urn:schemas-microsoft-com:office:powerpoint" xmlns:com="http://schemas.openxmlformats.org/drawingml/2006/compatibility" xmlns:p14="http://schemas.microsoft.com/office/powerpoint/2010/main" xmlns:p15="http://schemas.microsoft.com/office/powerpoint/2012/main" xmlns:ahyp="http://schemas.microsoft.com/office/drawing/2018/hyperlinkcolor" matchingName="One column text">
+<p:sldLayout xmlns:a="http://schemas.openxmlformats.org/drawingml/2006/main" xmlns:r="http://schemas.openxmlformats.org/officeDocument/2006/relationships" xmlns:p="http://schemas.openxmlformats.org/presentationml/2006/main" matchingName="One column text">
   <p:cSld name="ONE_COLUMN_TEXT">
     <p:spTree>
       <p:nvGrpSpPr>
-        <p:cNvPr id="28" name="Shape 28"/>
+        <p:cNvPr id="1" name="Shape 28"/>
         <p:cNvGrpSpPr/>
         <p:nvPr/>
       </p:nvGrpSpPr>
@@ -3734,7 +3861,9 @@
       <p:sp>
         <p:nvSpPr>
           <p:cNvPr id="29" name="Google Shape;29;p7"/>
-          <p:cNvSpPr txBox="1"/>
+          <p:cNvSpPr txBox="1">
+            <a:spLocks noGrp="1"/>
+          </p:cNvSpPr>
           <p:nvPr>
             <p:ph type="title"/>
           </p:nvPr>
@@ -3749,7 +3878,7 @@
           </a:prstGeom>
         </p:spPr>
         <p:txBody>
-          <a:bodyPr anchorCtr="0" anchor="b" bIns="91425" lIns="91425" spcFirstLastPara="1" rIns="91425" wrap="square" tIns="91425">
+          <a:bodyPr spcFirstLastPara="1" wrap="square" lIns="91425" tIns="91425" rIns="91425" bIns="91425" anchor="b" anchorCtr="0">
             <a:normAutofit/>
           </a:bodyPr>
           <a:lstStyle>
@@ -3853,15 +3982,19 @@
               <a:defRPr sz="2400"/>
             </a:lvl9pPr>
           </a:lstStyle>
-          <a:p/>
+          <a:p>
+            <a:endParaRPr/>
+          </a:p>
         </p:txBody>
       </p:sp>
       <p:sp>
         <p:nvSpPr>
           <p:cNvPr id="30" name="Google Shape;30;p7"/>
-          <p:cNvSpPr txBox="1"/>
+          <p:cNvSpPr txBox="1">
+            <a:spLocks noGrp="1"/>
+          </p:cNvSpPr>
           <p:nvPr>
-            <p:ph idx="1" type="body"/>
+            <p:ph type="body" idx="1"/>
           </p:nvPr>
         </p:nvSpPr>
         <p:spPr>
@@ -3874,11 +4007,11 @@
           </a:prstGeom>
         </p:spPr>
         <p:txBody>
-          <a:bodyPr anchorCtr="0" anchor="t" bIns="91425" lIns="91425" spcFirstLastPara="1" rIns="91425" wrap="square" tIns="91425">
+          <a:bodyPr spcFirstLastPara="1" wrap="square" lIns="91425" tIns="91425" rIns="91425" bIns="91425" anchor="t" anchorCtr="0">
             <a:normAutofit/>
           </a:bodyPr>
           <a:lstStyle>
-            <a:lvl1pPr indent="-304800" lvl="0" marL="457200">
+            <a:lvl1pPr marL="457200" lvl="0" indent="-304800">
               <a:spcBef>
                 <a:spcPts val="0"/>
               </a:spcBef>
@@ -3889,7 +4022,7 @@
               <a:buChar char="●"/>
               <a:defRPr sz="1200"/>
             </a:lvl1pPr>
-            <a:lvl2pPr indent="-304800" lvl="1" marL="914400">
+            <a:lvl2pPr marL="914400" lvl="1" indent="-304800">
               <a:spcBef>
                 <a:spcPts val="0"/>
               </a:spcBef>
@@ -3900,7 +4033,7 @@
               <a:buChar char="○"/>
               <a:defRPr sz="1200"/>
             </a:lvl2pPr>
-            <a:lvl3pPr indent="-304800" lvl="2" marL="1371600">
+            <a:lvl3pPr marL="1371600" lvl="2" indent="-304800">
               <a:spcBef>
                 <a:spcPts val="0"/>
               </a:spcBef>
@@ -3911,7 +4044,7 @@
               <a:buChar char="■"/>
               <a:defRPr sz="1200"/>
             </a:lvl3pPr>
-            <a:lvl4pPr indent="-304800" lvl="3" marL="1828800">
+            <a:lvl4pPr marL="1828800" lvl="3" indent="-304800">
               <a:spcBef>
                 <a:spcPts val="0"/>
               </a:spcBef>
@@ -3922,7 +4055,7 @@
               <a:buChar char="●"/>
               <a:defRPr sz="1200"/>
             </a:lvl4pPr>
-            <a:lvl5pPr indent="-304800" lvl="4" marL="2286000">
+            <a:lvl5pPr marL="2286000" lvl="4" indent="-304800">
               <a:spcBef>
                 <a:spcPts val="0"/>
               </a:spcBef>
@@ -3933,7 +4066,7 @@
               <a:buChar char="○"/>
               <a:defRPr sz="1200"/>
             </a:lvl5pPr>
-            <a:lvl6pPr indent="-304800" lvl="5" marL="2743200">
+            <a:lvl6pPr marL="2743200" lvl="5" indent="-304800">
               <a:spcBef>
                 <a:spcPts val="0"/>
               </a:spcBef>
@@ -3944,7 +4077,7 @@
               <a:buChar char="■"/>
               <a:defRPr sz="1200"/>
             </a:lvl6pPr>
-            <a:lvl7pPr indent="-304800" lvl="6" marL="3200400">
+            <a:lvl7pPr marL="3200400" lvl="6" indent="-304800">
               <a:spcBef>
                 <a:spcPts val="0"/>
               </a:spcBef>
@@ -3955,7 +4088,7 @@
               <a:buChar char="●"/>
               <a:defRPr sz="1200"/>
             </a:lvl7pPr>
-            <a:lvl8pPr indent="-304800" lvl="7" marL="3657600">
+            <a:lvl8pPr marL="3657600" lvl="7" indent="-304800">
               <a:spcBef>
                 <a:spcPts val="0"/>
               </a:spcBef>
@@ -3966,7 +4099,7 @@
               <a:buChar char="○"/>
               <a:defRPr sz="1200"/>
             </a:lvl8pPr>
-            <a:lvl9pPr indent="-304800" lvl="8" marL="4114800">
+            <a:lvl9pPr marL="4114800" lvl="8" indent="-304800">
               <a:spcBef>
                 <a:spcPts val="0"/>
               </a:spcBef>
@@ -3978,15 +4111,19 @@
               <a:defRPr sz="1200"/>
             </a:lvl9pPr>
           </a:lstStyle>
-          <a:p/>
+          <a:p>
+            <a:endParaRPr/>
+          </a:p>
         </p:txBody>
       </p:sp>
       <p:sp>
         <p:nvSpPr>
           <p:cNvPr id="31" name="Google Shape;31;p7"/>
-          <p:cNvSpPr txBox="1"/>
+          <p:cNvSpPr txBox="1">
+            <a:spLocks noGrp="1"/>
+          </p:cNvSpPr>
           <p:nvPr>
-            <p:ph idx="12" type="sldNum"/>
+            <p:ph type="sldNum" idx="12"/>
           </p:nvPr>
         </p:nvSpPr>
         <p:spPr>
@@ -3999,7 +4136,7 @@
           </a:prstGeom>
         </p:spPr>
         <p:txBody>
-          <a:bodyPr anchorCtr="0" anchor="ctr" bIns="91425" lIns="91425" spcFirstLastPara="1" rIns="91425" wrap="square" tIns="91425">
+          <a:bodyPr spcFirstLastPara="1" wrap="square" lIns="91425" tIns="91425" rIns="91425" bIns="91425" anchor="ctr" anchorCtr="0">
             <a:normAutofit/>
           </a:bodyPr>
           <a:lstStyle>
@@ -4041,7 +4178,7 @@
             </a:lvl9pPr>
           </a:lstStyle>
           <a:p>
-            <a:pPr indent="0" lvl="0" marL="0" rtl="0" algn="r">
+            <a:pPr marL="0" lvl="0" indent="0" algn="r" rtl="0">
               <a:spcBef>
                 <a:spcPts val="0"/>
               </a:spcBef>
@@ -4067,11 +4204,11 @@
 </file>
 
 <file path=ppt/slideLayouts/slideLayout7.xml><?xml version="1.0" encoding="utf-8"?>
-<p:sldLayout xmlns:a="http://schemas.openxmlformats.org/drawingml/2006/main" xmlns:r="http://schemas.openxmlformats.org/officeDocument/2006/relationships" xmlns:mc="http://schemas.openxmlformats.org/markup-compatibility/2006" xmlns:mv="urn:schemas-microsoft-com:mac:vml" xmlns:p="http://schemas.openxmlformats.org/presentationml/2006/main" xmlns:c="http://schemas.openxmlformats.org/drawingml/2006/chart" xmlns:dgm="http://schemas.openxmlformats.org/drawingml/2006/diagram" xmlns:o="urn:schemas-microsoft-com:office:office" xmlns:v="urn:schemas-microsoft-com:vml" xmlns:pvml="urn:schemas-microsoft-com:office:powerpoint" xmlns:com="http://schemas.openxmlformats.org/drawingml/2006/compatibility" xmlns:p14="http://schemas.microsoft.com/office/powerpoint/2010/main" xmlns:p15="http://schemas.microsoft.com/office/powerpoint/2012/main" xmlns:ahyp="http://schemas.microsoft.com/office/drawing/2018/hyperlinkcolor" matchingName="Main point">
+<p:sldLayout xmlns:a="http://schemas.openxmlformats.org/drawingml/2006/main" xmlns:r="http://schemas.openxmlformats.org/officeDocument/2006/relationships" xmlns:p="http://schemas.openxmlformats.org/presentationml/2006/main" matchingName="Main point">
   <p:cSld name="MAIN_POINT">
     <p:spTree>
       <p:nvGrpSpPr>
-        <p:cNvPr id="32" name="Shape 32"/>
+        <p:cNvPr id="1" name="Shape 32"/>
         <p:cNvGrpSpPr/>
         <p:nvPr/>
       </p:nvGrpSpPr>
@@ -4086,7 +4223,9 @@
       <p:sp>
         <p:nvSpPr>
           <p:cNvPr id="33" name="Google Shape;33;p8"/>
-          <p:cNvSpPr txBox="1"/>
+          <p:cNvSpPr txBox="1">
+            <a:spLocks noGrp="1"/>
+          </p:cNvSpPr>
           <p:nvPr>
             <p:ph type="title"/>
           </p:nvPr>
@@ -4101,7 +4240,7 @@
           </a:prstGeom>
         </p:spPr>
         <p:txBody>
-          <a:bodyPr anchorCtr="0" anchor="ctr" bIns="91425" lIns="91425" spcFirstLastPara="1" rIns="91425" wrap="square" tIns="91425">
+          <a:bodyPr spcFirstLastPara="1" wrap="square" lIns="91425" tIns="91425" rIns="91425" bIns="91425" anchor="ctr" anchorCtr="0">
             <a:normAutofit/>
           </a:bodyPr>
           <a:lstStyle>
@@ -4205,15 +4344,19 @@
               <a:defRPr sz="4800"/>
             </a:lvl9pPr>
           </a:lstStyle>
-          <a:p/>
+          <a:p>
+            <a:endParaRPr/>
+          </a:p>
         </p:txBody>
       </p:sp>
       <p:sp>
         <p:nvSpPr>
           <p:cNvPr id="34" name="Google Shape;34;p8"/>
-          <p:cNvSpPr txBox="1"/>
+          <p:cNvSpPr txBox="1">
+            <a:spLocks noGrp="1"/>
+          </p:cNvSpPr>
           <p:nvPr>
-            <p:ph idx="12" type="sldNum"/>
+            <p:ph type="sldNum" idx="12"/>
           </p:nvPr>
         </p:nvSpPr>
         <p:spPr>
@@ -4226,7 +4369,7 @@
           </a:prstGeom>
         </p:spPr>
         <p:txBody>
-          <a:bodyPr anchorCtr="0" anchor="ctr" bIns="91425" lIns="91425" spcFirstLastPara="1" rIns="91425" wrap="square" tIns="91425">
+          <a:bodyPr spcFirstLastPara="1" wrap="square" lIns="91425" tIns="91425" rIns="91425" bIns="91425" anchor="ctr" anchorCtr="0">
             <a:normAutofit/>
           </a:bodyPr>
           <a:lstStyle>
@@ -4268,7 +4411,7 @@
             </a:lvl9pPr>
           </a:lstStyle>
           <a:p>
-            <a:pPr indent="0" lvl="0" marL="0" rtl="0" algn="r">
+            <a:pPr marL="0" lvl="0" indent="0" algn="r" rtl="0">
               <a:spcBef>
                 <a:spcPts val="0"/>
               </a:spcBef>
@@ -4294,11 +4437,11 @@
 </file>
 
 <file path=ppt/slideLayouts/slideLayout8.xml><?xml version="1.0" encoding="utf-8"?>
-<p:sldLayout xmlns:a="http://schemas.openxmlformats.org/drawingml/2006/main" xmlns:r="http://schemas.openxmlformats.org/officeDocument/2006/relationships" xmlns:mc="http://schemas.openxmlformats.org/markup-compatibility/2006" xmlns:mv="urn:schemas-microsoft-com:mac:vml" xmlns:p="http://schemas.openxmlformats.org/presentationml/2006/main" xmlns:c="http://schemas.openxmlformats.org/drawingml/2006/chart" xmlns:dgm="http://schemas.openxmlformats.org/drawingml/2006/diagram" xmlns:o="urn:schemas-microsoft-com:office:office" xmlns:v="urn:schemas-microsoft-com:vml" xmlns:pvml="urn:schemas-microsoft-com:office:powerpoint" xmlns:com="http://schemas.openxmlformats.org/drawingml/2006/compatibility" xmlns:p14="http://schemas.microsoft.com/office/powerpoint/2010/main" xmlns:p15="http://schemas.microsoft.com/office/powerpoint/2012/main" xmlns:ahyp="http://schemas.microsoft.com/office/drawing/2018/hyperlinkcolor" matchingName="Section title and description">
+<p:sldLayout xmlns:a="http://schemas.openxmlformats.org/drawingml/2006/main" xmlns:r="http://schemas.openxmlformats.org/officeDocument/2006/relationships" xmlns:p="http://schemas.openxmlformats.org/presentationml/2006/main" matchingName="Section title and description">
   <p:cSld name="SECTION_TITLE_AND_DESCRIPTION">
     <p:spTree>
       <p:nvGrpSpPr>
-        <p:cNvPr id="35" name="Shape 35"/>
+        <p:cNvPr id="1" name="Shape 35"/>
         <p:cNvGrpSpPr/>
         <p:nvPr/>
       </p:nvGrpSpPr>
@@ -4332,12 +4475,12 @@
           </a:ln>
         </p:spPr>
         <p:txBody>
-          <a:bodyPr anchorCtr="0" anchor="ctr" bIns="91425" lIns="91425" spcFirstLastPara="1" rIns="91425" wrap="square" tIns="91425">
+          <a:bodyPr spcFirstLastPara="1" wrap="square" lIns="91425" tIns="91425" rIns="91425" bIns="91425" anchor="ctr" anchorCtr="0">
             <a:noAutofit/>
           </a:bodyPr>
           <a:lstStyle/>
           <a:p>
-            <a:pPr indent="0" lvl="0" marL="0" rtl="0" algn="l">
+            <a:pPr marL="0" lvl="0" indent="0" algn="l" rtl="0">
               <a:spcBef>
                 <a:spcPts val="0"/>
               </a:spcBef>
@@ -4346,9 +4489,6 @@
               </a:spcAft>
               <a:buNone/>
             </a:pPr>
-            <a:r>
-              <a:t/>
-            </a:r>
             <a:endParaRPr/>
           </a:p>
         </p:txBody>
@@ -4356,7 +4496,9 @@
       <p:sp>
         <p:nvSpPr>
           <p:cNvPr id="37" name="Google Shape;37;p9"/>
-          <p:cNvSpPr txBox="1"/>
+          <p:cNvSpPr txBox="1">
+            <a:spLocks noGrp="1"/>
+          </p:cNvSpPr>
           <p:nvPr>
             <p:ph type="title"/>
           </p:nvPr>
@@ -4371,7 +4513,7 @@
           </a:prstGeom>
         </p:spPr>
         <p:txBody>
-          <a:bodyPr anchorCtr="0" anchor="b" bIns="91425" lIns="91425" spcFirstLastPara="1" rIns="91425" wrap="square" tIns="91425">
+          <a:bodyPr spcFirstLastPara="1" wrap="square" lIns="91425" tIns="91425" rIns="91425" bIns="91425" anchor="b" anchorCtr="0">
             <a:normAutofit/>
           </a:bodyPr>
           <a:lstStyle>
@@ -4475,15 +4617,19 @@
               <a:defRPr sz="4200"/>
             </a:lvl9pPr>
           </a:lstStyle>
-          <a:p/>
+          <a:p>
+            <a:endParaRPr/>
+          </a:p>
         </p:txBody>
       </p:sp>
       <p:sp>
         <p:nvSpPr>
           <p:cNvPr id="38" name="Google Shape;38;p9"/>
-          <p:cNvSpPr txBox="1"/>
+          <p:cNvSpPr txBox="1">
+            <a:spLocks noGrp="1"/>
+          </p:cNvSpPr>
           <p:nvPr>
-            <p:ph idx="1" type="subTitle"/>
+            <p:ph type="subTitle" idx="1"/>
           </p:nvPr>
         </p:nvSpPr>
         <p:spPr>
@@ -4496,7 +4642,7 @@
           </a:prstGeom>
         </p:spPr>
         <p:txBody>
-          <a:bodyPr anchorCtr="0" anchor="t" bIns="91425" lIns="91425" spcFirstLastPara="1" rIns="91425" wrap="square" tIns="91425">
+          <a:bodyPr spcFirstLastPara="1" wrap="square" lIns="91425" tIns="91425" rIns="91425" bIns="91425" anchor="t" anchorCtr="0">
             <a:normAutofit/>
           </a:bodyPr>
           <a:lstStyle>
@@ -4627,15 +4773,19 @@
               <a:defRPr sz="2100"/>
             </a:lvl9pPr>
           </a:lstStyle>
-          <a:p/>
+          <a:p>
+            <a:endParaRPr/>
+          </a:p>
         </p:txBody>
       </p:sp>
       <p:sp>
         <p:nvSpPr>
           <p:cNvPr id="39" name="Google Shape;39;p9"/>
-          <p:cNvSpPr txBox="1"/>
+          <p:cNvSpPr txBox="1">
+            <a:spLocks noGrp="1"/>
+          </p:cNvSpPr>
           <p:nvPr>
-            <p:ph idx="2" type="body"/>
+            <p:ph type="body" idx="2"/>
           </p:nvPr>
         </p:nvSpPr>
         <p:spPr>
@@ -4648,11 +4798,11 @@
           </a:prstGeom>
         </p:spPr>
         <p:txBody>
-          <a:bodyPr anchorCtr="0" anchor="ctr" bIns="91425" lIns="91425" spcFirstLastPara="1" rIns="91425" wrap="square" tIns="91425">
+          <a:bodyPr spcFirstLastPara="1" wrap="square" lIns="91425" tIns="91425" rIns="91425" bIns="91425" anchor="ctr" anchorCtr="0">
             <a:normAutofit/>
           </a:bodyPr>
           <a:lstStyle>
-            <a:lvl1pPr indent="-342900" lvl="0" marL="457200">
+            <a:lvl1pPr marL="457200" lvl="0" indent="-342900">
               <a:spcBef>
                 <a:spcPts val="0"/>
               </a:spcBef>
@@ -4663,7 +4813,7 @@
               <a:buChar char="●"/>
               <a:defRPr/>
             </a:lvl1pPr>
-            <a:lvl2pPr indent="-317500" lvl="1" marL="914400">
+            <a:lvl2pPr marL="914400" lvl="1" indent="-317500">
               <a:spcBef>
                 <a:spcPts val="0"/>
               </a:spcBef>
@@ -4674,7 +4824,7 @@
               <a:buChar char="○"/>
               <a:defRPr/>
             </a:lvl2pPr>
-            <a:lvl3pPr indent="-317500" lvl="2" marL="1371600">
+            <a:lvl3pPr marL="1371600" lvl="2" indent="-317500">
               <a:spcBef>
                 <a:spcPts val="0"/>
               </a:spcBef>
@@ -4685,7 +4835,7 @@
               <a:buChar char="■"/>
               <a:defRPr/>
             </a:lvl3pPr>
-            <a:lvl4pPr indent="-317500" lvl="3" marL="1828800">
+            <a:lvl4pPr marL="1828800" lvl="3" indent="-317500">
               <a:spcBef>
                 <a:spcPts val="0"/>
               </a:spcBef>
@@ -4696,7 +4846,7 @@
               <a:buChar char="●"/>
               <a:defRPr/>
             </a:lvl4pPr>
-            <a:lvl5pPr indent="-317500" lvl="4" marL="2286000">
+            <a:lvl5pPr marL="2286000" lvl="4" indent="-317500">
               <a:spcBef>
                 <a:spcPts val="0"/>
               </a:spcBef>
@@ -4707,7 +4857,7 @@
               <a:buChar char="○"/>
               <a:defRPr/>
             </a:lvl5pPr>
-            <a:lvl6pPr indent="-317500" lvl="5" marL="2743200">
+            <a:lvl6pPr marL="2743200" lvl="5" indent="-317500">
               <a:spcBef>
                 <a:spcPts val="0"/>
               </a:spcBef>
@@ -4718,7 +4868,7 @@
               <a:buChar char="■"/>
               <a:defRPr/>
             </a:lvl6pPr>
-            <a:lvl7pPr indent="-317500" lvl="6" marL="3200400">
+            <a:lvl7pPr marL="3200400" lvl="6" indent="-317500">
               <a:spcBef>
                 <a:spcPts val="0"/>
               </a:spcBef>
@@ -4729,7 +4879,7 @@
               <a:buChar char="●"/>
               <a:defRPr/>
             </a:lvl7pPr>
-            <a:lvl8pPr indent="-317500" lvl="7" marL="3657600">
+            <a:lvl8pPr marL="3657600" lvl="7" indent="-317500">
               <a:spcBef>
                 <a:spcPts val="0"/>
               </a:spcBef>
@@ -4740,7 +4890,7 @@
               <a:buChar char="○"/>
               <a:defRPr/>
             </a:lvl8pPr>
-            <a:lvl9pPr indent="-317500" lvl="8" marL="4114800">
+            <a:lvl9pPr marL="4114800" lvl="8" indent="-317500">
               <a:spcBef>
                 <a:spcPts val="0"/>
               </a:spcBef>
@@ -4752,15 +4902,19 @@
               <a:defRPr/>
             </a:lvl9pPr>
           </a:lstStyle>
-          <a:p/>
+          <a:p>
+            <a:endParaRPr/>
+          </a:p>
         </p:txBody>
       </p:sp>
       <p:sp>
         <p:nvSpPr>
           <p:cNvPr id="40" name="Google Shape;40;p9"/>
-          <p:cNvSpPr txBox="1"/>
+          <p:cNvSpPr txBox="1">
+            <a:spLocks noGrp="1"/>
+          </p:cNvSpPr>
           <p:nvPr>
-            <p:ph idx="12" type="sldNum"/>
+            <p:ph type="sldNum" idx="12"/>
           </p:nvPr>
         </p:nvSpPr>
         <p:spPr>
@@ -4773,7 +4927,7 @@
           </a:prstGeom>
         </p:spPr>
         <p:txBody>
-          <a:bodyPr anchorCtr="0" anchor="ctr" bIns="91425" lIns="91425" spcFirstLastPara="1" rIns="91425" wrap="square" tIns="91425">
+          <a:bodyPr spcFirstLastPara="1" wrap="square" lIns="91425" tIns="91425" rIns="91425" bIns="91425" anchor="ctr" anchorCtr="0">
             <a:normAutofit/>
           </a:bodyPr>
           <a:lstStyle>
@@ -4815,7 +4969,7 @@
             </a:lvl9pPr>
           </a:lstStyle>
           <a:p>
-            <a:pPr indent="0" lvl="0" marL="0" rtl="0" algn="r">
+            <a:pPr marL="0" lvl="0" indent="0" algn="r" rtl="0">
               <a:spcBef>
                 <a:spcPts val="0"/>
               </a:spcBef>
@@ -4841,11 +4995,11 @@
 </file>
 
 <file path=ppt/slideLayouts/slideLayout9.xml><?xml version="1.0" encoding="utf-8"?>
-<p:sldLayout xmlns:a="http://schemas.openxmlformats.org/drawingml/2006/main" xmlns:r="http://schemas.openxmlformats.org/officeDocument/2006/relationships" xmlns:mc="http://schemas.openxmlformats.org/markup-compatibility/2006" xmlns:mv="urn:schemas-microsoft-com:mac:vml" xmlns:p="http://schemas.openxmlformats.org/presentationml/2006/main" xmlns:c="http://schemas.openxmlformats.org/drawingml/2006/chart" xmlns:dgm="http://schemas.openxmlformats.org/drawingml/2006/diagram" xmlns:o="urn:schemas-microsoft-com:office:office" xmlns:v="urn:schemas-microsoft-com:vml" xmlns:pvml="urn:schemas-microsoft-com:office:powerpoint" xmlns:com="http://schemas.openxmlformats.org/drawingml/2006/compatibility" xmlns:p14="http://schemas.microsoft.com/office/powerpoint/2010/main" xmlns:p15="http://schemas.microsoft.com/office/powerpoint/2012/main" xmlns:ahyp="http://schemas.microsoft.com/office/drawing/2018/hyperlinkcolor" matchingName="Caption">
+<p:sldLayout xmlns:a="http://schemas.openxmlformats.org/drawingml/2006/main" xmlns:r="http://schemas.openxmlformats.org/officeDocument/2006/relationships" xmlns:p="http://schemas.openxmlformats.org/presentationml/2006/main" matchingName="Caption">
   <p:cSld name="CAPTION_ONLY">
     <p:spTree>
       <p:nvGrpSpPr>
-        <p:cNvPr id="41" name="Shape 41"/>
+        <p:cNvPr id="1" name="Shape 41"/>
         <p:cNvGrpSpPr/>
         <p:nvPr/>
       </p:nvGrpSpPr>
@@ -4860,9 +5014,11 @@
       <p:sp>
         <p:nvSpPr>
           <p:cNvPr id="42" name="Google Shape;42;p10"/>
-          <p:cNvSpPr txBox="1"/>
+          <p:cNvSpPr txBox="1">
+            <a:spLocks noGrp="1"/>
+          </p:cNvSpPr>
           <p:nvPr>
-            <p:ph idx="1" type="body"/>
+            <p:ph type="body" idx="1"/>
           </p:nvPr>
         </p:nvSpPr>
         <p:spPr>
@@ -4875,11 +5031,11 @@
           </a:prstGeom>
         </p:spPr>
         <p:txBody>
-          <a:bodyPr anchorCtr="0" anchor="ctr" bIns="91425" lIns="91425" spcFirstLastPara="1" rIns="91425" wrap="square" tIns="91425">
+          <a:bodyPr spcFirstLastPara="1" wrap="square" lIns="91425" tIns="91425" rIns="91425" bIns="91425" anchor="ctr" anchorCtr="0">
             <a:normAutofit/>
           </a:bodyPr>
           <a:lstStyle>
-            <a:lvl1pPr indent="-228600" lvl="0" marL="457200">
+            <a:lvl1pPr marL="457200" lvl="0" indent="-228600">
               <a:lnSpc>
                 <a:spcPct val="100000"/>
               </a:lnSpc>
@@ -4894,15 +5050,19 @@
               <a:defRPr/>
             </a:lvl1pPr>
           </a:lstStyle>
-          <a:p/>
+          <a:p>
+            <a:endParaRPr/>
+          </a:p>
         </p:txBody>
       </p:sp>
       <p:sp>
         <p:nvSpPr>
           <p:cNvPr id="43" name="Google Shape;43;p10"/>
-          <p:cNvSpPr txBox="1"/>
+          <p:cNvSpPr txBox="1">
+            <a:spLocks noGrp="1"/>
+          </p:cNvSpPr>
           <p:nvPr>
-            <p:ph idx="12" type="sldNum"/>
+            <p:ph type="sldNum" idx="12"/>
           </p:nvPr>
         </p:nvSpPr>
         <p:spPr>
@@ -4915,7 +5075,7 @@
           </a:prstGeom>
         </p:spPr>
         <p:txBody>
-          <a:bodyPr anchorCtr="0" anchor="ctr" bIns="91425" lIns="91425" spcFirstLastPara="1" rIns="91425" wrap="square" tIns="91425">
+          <a:bodyPr spcFirstLastPara="1" wrap="square" lIns="91425" tIns="91425" rIns="91425" bIns="91425" anchor="ctr" anchorCtr="0">
             <a:normAutofit/>
           </a:bodyPr>
           <a:lstStyle>
@@ -4957,7 +5117,7 @@
             </a:lvl9pPr>
           </a:lstStyle>
           <a:p>
-            <a:pPr indent="0" lvl="0" marL="0" rtl="0" algn="r">
+            <a:pPr marL="0" lvl="0" indent="0" algn="r" rtl="0">
               <a:spcBef>
                 <a:spcPts val="0"/>
               </a:spcBef>
@@ -4983,18 +5143,19 @@
 </file>
 
 <file path=ppt/slideMasters/slideMaster1.xml><?xml version="1.0" encoding="utf-8"?>
-<p:sldMaster xmlns:a="http://schemas.openxmlformats.org/drawingml/2006/main" xmlns:r="http://schemas.openxmlformats.org/officeDocument/2006/relationships" xmlns:mc="http://schemas.openxmlformats.org/markup-compatibility/2006" xmlns:mv="urn:schemas-microsoft-com:mac:vml" xmlns:p="http://schemas.openxmlformats.org/presentationml/2006/main" xmlns:c="http://schemas.openxmlformats.org/drawingml/2006/chart" xmlns:dgm="http://schemas.openxmlformats.org/drawingml/2006/diagram" xmlns:o="urn:schemas-microsoft-com:office:office" xmlns:v="urn:schemas-microsoft-com:vml" xmlns:pvml="urn:schemas-microsoft-com:office:powerpoint" xmlns:com="http://schemas.openxmlformats.org/drawingml/2006/compatibility" xmlns:p14="http://schemas.microsoft.com/office/powerpoint/2010/main" xmlns:p15="http://schemas.microsoft.com/office/powerpoint/2012/main" xmlns:ahyp="http://schemas.microsoft.com/office/drawing/2018/hyperlinkcolor">
+<p:sldMaster xmlns:a="http://schemas.openxmlformats.org/drawingml/2006/main" xmlns:r="http://schemas.openxmlformats.org/officeDocument/2006/relationships" xmlns:p="http://schemas.openxmlformats.org/presentationml/2006/main">
   <p:cSld name="simple-light-2">
     <p:bg>
       <p:bgPr>
         <a:solidFill>
           <a:schemeClr val="lt1"/>
         </a:solidFill>
+        <a:effectLst/>
       </p:bgPr>
     </p:bg>
     <p:spTree>
       <p:nvGrpSpPr>
-        <p:cNvPr id="5" name="Shape 5"/>
+        <p:cNvPr id="1" name="Shape 5"/>
         <p:cNvGrpSpPr/>
         <p:nvPr/>
       </p:nvGrpSpPr>
@@ -5009,7 +5170,9 @@
       <p:sp>
         <p:nvSpPr>
           <p:cNvPr id="6" name="Google Shape;6;p1"/>
-          <p:cNvSpPr txBox="1"/>
+          <p:cNvSpPr txBox="1">
+            <a:spLocks noGrp="1"/>
+          </p:cNvSpPr>
           <p:nvPr>
             <p:ph type="title"/>
           </p:nvPr>
@@ -5028,7 +5191,7 @@
           </a:ln>
         </p:spPr>
         <p:txBody>
-          <a:bodyPr anchorCtr="0" anchor="t" bIns="91425" lIns="91425" spcFirstLastPara="1" rIns="91425" wrap="square" tIns="91425">
+          <a:bodyPr spcFirstLastPara="1" wrap="square" lIns="91425" tIns="91425" rIns="91425" bIns="91425" anchor="t" anchorCtr="0">
             <a:normAutofit/>
           </a:bodyPr>
           <a:lstStyle>
@@ -5195,15 +5358,19 @@
               </a:defRPr>
             </a:lvl9pPr>
           </a:lstStyle>
-          <a:p/>
+          <a:p>
+            <a:endParaRPr/>
+          </a:p>
         </p:txBody>
       </p:sp>
       <p:sp>
         <p:nvSpPr>
           <p:cNvPr id="7" name="Google Shape;7;p1"/>
-          <p:cNvSpPr txBox="1"/>
+          <p:cNvSpPr txBox="1">
+            <a:spLocks noGrp="1"/>
+          </p:cNvSpPr>
           <p:nvPr>
-            <p:ph idx="1" type="body"/>
+            <p:ph type="body" idx="1"/>
           </p:nvPr>
         </p:nvSpPr>
         <p:spPr>
@@ -5220,11 +5387,11 @@
           </a:ln>
         </p:spPr>
         <p:txBody>
-          <a:bodyPr anchorCtr="0" anchor="t" bIns="91425" lIns="91425" spcFirstLastPara="1" rIns="91425" wrap="square" tIns="91425">
+          <a:bodyPr spcFirstLastPara="1" wrap="square" lIns="91425" tIns="91425" rIns="91425" bIns="91425" anchor="t" anchorCtr="0">
             <a:normAutofit/>
           </a:bodyPr>
           <a:lstStyle>
-            <a:lvl1pPr indent="-342900" lvl="0" marL="457200">
+            <a:lvl1pPr marL="457200" lvl="0" indent="-342900">
               <a:lnSpc>
                 <a:spcPct val="115000"/>
               </a:lnSpc>
@@ -5245,7 +5412,7 @@
                 </a:solidFill>
               </a:defRPr>
             </a:lvl1pPr>
-            <a:lvl2pPr indent="-317500" lvl="1" marL="914400">
+            <a:lvl2pPr marL="914400" lvl="1" indent="-317500">
               <a:lnSpc>
                 <a:spcPct val="115000"/>
               </a:lnSpc>
@@ -5266,7 +5433,7 @@
                 </a:solidFill>
               </a:defRPr>
             </a:lvl2pPr>
-            <a:lvl3pPr indent="-317500" lvl="2" marL="1371600">
+            <a:lvl3pPr marL="1371600" lvl="2" indent="-317500">
               <a:lnSpc>
                 <a:spcPct val="115000"/>
               </a:lnSpc>
@@ -5287,7 +5454,7 @@
                 </a:solidFill>
               </a:defRPr>
             </a:lvl3pPr>
-            <a:lvl4pPr indent="-317500" lvl="3" marL="1828800">
+            <a:lvl4pPr marL="1828800" lvl="3" indent="-317500">
               <a:lnSpc>
                 <a:spcPct val="115000"/>
               </a:lnSpc>
@@ -5308,7 +5475,7 @@
                 </a:solidFill>
               </a:defRPr>
             </a:lvl4pPr>
-            <a:lvl5pPr indent="-317500" lvl="4" marL="2286000">
+            <a:lvl5pPr marL="2286000" lvl="4" indent="-317500">
               <a:lnSpc>
                 <a:spcPct val="115000"/>
               </a:lnSpc>
@@ -5329,7 +5496,7 @@
                 </a:solidFill>
               </a:defRPr>
             </a:lvl5pPr>
-            <a:lvl6pPr indent="-317500" lvl="5" marL="2743200">
+            <a:lvl6pPr marL="2743200" lvl="5" indent="-317500">
               <a:lnSpc>
                 <a:spcPct val="115000"/>
               </a:lnSpc>
@@ -5350,7 +5517,7 @@
                 </a:solidFill>
               </a:defRPr>
             </a:lvl6pPr>
-            <a:lvl7pPr indent="-317500" lvl="6" marL="3200400">
+            <a:lvl7pPr marL="3200400" lvl="6" indent="-317500">
               <a:lnSpc>
                 <a:spcPct val="115000"/>
               </a:lnSpc>
@@ -5371,7 +5538,7 @@
                 </a:solidFill>
               </a:defRPr>
             </a:lvl7pPr>
-            <a:lvl8pPr indent="-317500" lvl="7" marL="3657600">
+            <a:lvl8pPr marL="3657600" lvl="7" indent="-317500">
               <a:lnSpc>
                 <a:spcPct val="115000"/>
               </a:lnSpc>
@@ -5392,7 +5559,7 @@
                 </a:solidFill>
               </a:defRPr>
             </a:lvl8pPr>
-            <a:lvl9pPr indent="-317500" lvl="8" marL="4114800">
+            <a:lvl9pPr marL="4114800" lvl="8" indent="-317500">
               <a:lnSpc>
                 <a:spcPct val="115000"/>
               </a:lnSpc>
@@ -5414,15 +5581,19 @@
               </a:defRPr>
             </a:lvl9pPr>
           </a:lstStyle>
-          <a:p/>
+          <a:p>
+            <a:endParaRPr/>
+          </a:p>
         </p:txBody>
       </p:sp>
       <p:sp>
         <p:nvSpPr>
           <p:cNvPr id="8" name="Google Shape;8;p1"/>
-          <p:cNvSpPr txBox="1"/>
+          <p:cNvSpPr txBox="1">
+            <a:spLocks noGrp="1"/>
+          </p:cNvSpPr>
           <p:nvPr>
-            <p:ph idx="12" type="sldNum"/>
+            <p:ph type="sldNum" idx="12"/>
           </p:nvPr>
         </p:nvSpPr>
         <p:spPr>
@@ -5439,7 +5610,7 @@
           </a:ln>
         </p:spPr>
         <p:txBody>
-          <a:bodyPr anchorCtr="0" anchor="ctr" bIns="91425" lIns="91425" spcFirstLastPara="1" rIns="91425" wrap="square" tIns="91425">
+          <a:bodyPr spcFirstLastPara="1" wrap="square" lIns="91425" tIns="91425" rIns="91425" bIns="91425" anchor="ctr" anchorCtr="0">
             <a:normAutofit/>
           </a:bodyPr>
           <a:lstStyle>
@@ -5517,7 +5688,7 @@
             </a:lvl9pPr>
           </a:lstStyle>
           <a:p>
-            <a:pPr indent="0" lvl="0" marL="0" rtl="0" algn="r">
+            <a:pPr marL="0" lvl="0" indent="0" algn="r" rtl="0">
               <a:spcBef>
                 <a:spcPts val="0"/>
               </a:spcBef>
@@ -5536,7 +5707,7 @@
       </p:sp>
     </p:spTree>
   </p:cSld>
-  <p:clrMap accent1="accent1" accent2="accent2" accent3="accent3" accent4="accent4" accent5="accent5" accent6="accent6" bg1="lt1" bg2="dk2" tx1="dk1" tx2="lt2" folHlink="folHlink" hlink="hlink"/>
+  <p:clrMap bg1="lt1" tx1="dk1" bg2="dk2" tx2="lt2" accent1="accent1" accent2="accent2" accent3="accent3" accent4="accent4" accent5="accent5" accent6="accent6" hlink="hlink" folHlink="folHlink"/>
   <p:sldLayoutIdLst>
     <p:sldLayoutId id="2147483648" r:id="rId1"/>
     <p:sldLayoutId id="2147483649" r:id="rId2"/>
@@ -5550,10 +5721,10 @@
     <p:sldLayoutId id="2147483657" r:id="rId10"/>
     <p:sldLayoutId id="2147483658" r:id="rId11"/>
   </p:sldLayoutIdLst>
-  <p:hf dt="0" ftr="0" hdr="0" sldNum="0"/>
+  <p:hf sldNum="0" hdr="0" ftr="0" dt="0"/>
   <p:txStyles>
     <p:titleStyle>
-      <a:defPPr lvl="0" marR="0" rtl="0" algn="l">
+      <a:defPPr marR="0" lvl="0" algn="l" rtl="0">
         <a:lnSpc>
           <a:spcPct val="100000"/>
         </a:lnSpc>
@@ -5564,7 +5735,7 @@
           <a:spcPts val="0"/>
         </a:spcAft>
       </a:defPPr>
-      <a:lvl1pPr lvl="0" marR="0" rtl="0" algn="l">
+      <a:lvl1pPr marR="0" lvl="0" algn="l" rtl="0">
         <a:lnSpc>
           <a:spcPct val="100000"/>
         </a:lnSpc>
@@ -5578,7 +5749,7 @@
           <a:srgbClr val="000000"/>
         </a:buClr>
         <a:buFont typeface="Arial"/>
-        <a:defRPr b="0" i="0" sz="1400" u="none" cap="none" strike="noStrike">
+        <a:defRPr sz="1400" b="0" i="0" u="none" strike="noStrike" cap="none">
           <a:solidFill>
             <a:srgbClr val="000000"/>
           </a:solidFill>
@@ -5588,7 +5759,7 @@
           <a:sym typeface="Arial"/>
         </a:defRPr>
       </a:lvl1pPr>
-      <a:lvl2pPr lvl="1" marR="0" rtl="0" algn="l">
+      <a:lvl2pPr marR="0" lvl="1" algn="l" rtl="0">
         <a:lnSpc>
           <a:spcPct val="100000"/>
         </a:lnSpc>
@@ -5602,7 +5773,7 @@
           <a:srgbClr val="000000"/>
         </a:buClr>
         <a:buFont typeface="Arial"/>
-        <a:defRPr b="0" i="0" sz="1400" u="none" cap="none" strike="noStrike">
+        <a:defRPr sz="1400" b="0" i="0" u="none" strike="noStrike" cap="none">
           <a:solidFill>
             <a:srgbClr val="000000"/>
           </a:solidFill>
@@ -5612,7 +5783,7 @@
           <a:sym typeface="Arial"/>
         </a:defRPr>
       </a:lvl2pPr>
-      <a:lvl3pPr lvl="2" marR="0" rtl="0" algn="l">
+      <a:lvl3pPr marR="0" lvl="2" algn="l" rtl="0">
         <a:lnSpc>
           <a:spcPct val="100000"/>
         </a:lnSpc>
@@ -5626,7 +5797,7 @@
           <a:srgbClr val="000000"/>
         </a:buClr>
         <a:buFont typeface="Arial"/>
-        <a:defRPr b="0" i="0" sz="1400" u="none" cap="none" strike="noStrike">
+        <a:defRPr sz="1400" b="0" i="0" u="none" strike="noStrike" cap="none">
           <a:solidFill>
             <a:srgbClr val="000000"/>
           </a:solidFill>
@@ -5636,7 +5807,7 @@
           <a:sym typeface="Arial"/>
         </a:defRPr>
       </a:lvl3pPr>
-      <a:lvl4pPr lvl="3" marR="0" rtl="0" algn="l">
+      <a:lvl4pPr marR="0" lvl="3" algn="l" rtl="0">
         <a:lnSpc>
           <a:spcPct val="100000"/>
         </a:lnSpc>
@@ -5650,7 +5821,7 @@
           <a:srgbClr val="000000"/>
         </a:buClr>
         <a:buFont typeface="Arial"/>
-        <a:defRPr b="0" i="0" sz="1400" u="none" cap="none" strike="noStrike">
+        <a:defRPr sz="1400" b="0" i="0" u="none" strike="noStrike" cap="none">
           <a:solidFill>
             <a:srgbClr val="000000"/>
           </a:solidFill>
@@ -5660,7 +5831,7 @@
           <a:sym typeface="Arial"/>
         </a:defRPr>
       </a:lvl4pPr>
-      <a:lvl5pPr lvl="4" marR="0" rtl="0" algn="l">
+      <a:lvl5pPr marR="0" lvl="4" algn="l" rtl="0">
         <a:lnSpc>
           <a:spcPct val="100000"/>
         </a:lnSpc>
@@ -5674,7 +5845,7 @@
           <a:srgbClr val="000000"/>
         </a:buClr>
         <a:buFont typeface="Arial"/>
-        <a:defRPr b="0" i="0" sz="1400" u="none" cap="none" strike="noStrike">
+        <a:defRPr sz="1400" b="0" i="0" u="none" strike="noStrike" cap="none">
           <a:solidFill>
             <a:srgbClr val="000000"/>
           </a:solidFill>
@@ -5684,7 +5855,7 @@
           <a:sym typeface="Arial"/>
         </a:defRPr>
       </a:lvl5pPr>
-      <a:lvl6pPr lvl="5" marR="0" rtl="0" algn="l">
+      <a:lvl6pPr marR="0" lvl="5" algn="l" rtl="0">
         <a:lnSpc>
           <a:spcPct val="100000"/>
         </a:lnSpc>
@@ -5698,7 +5869,7 @@
           <a:srgbClr val="000000"/>
         </a:buClr>
         <a:buFont typeface="Arial"/>
-        <a:defRPr b="0" i="0" sz="1400" u="none" cap="none" strike="noStrike">
+        <a:defRPr sz="1400" b="0" i="0" u="none" strike="noStrike" cap="none">
           <a:solidFill>
             <a:srgbClr val="000000"/>
           </a:solidFill>
@@ -5708,7 +5879,7 @@
           <a:sym typeface="Arial"/>
         </a:defRPr>
       </a:lvl6pPr>
-      <a:lvl7pPr lvl="6" marR="0" rtl="0" algn="l">
+      <a:lvl7pPr marR="0" lvl="6" algn="l" rtl="0">
         <a:lnSpc>
           <a:spcPct val="100000"/>
         </a:lnSpc>
@@ -5722,7 +5893,7 @@
           <a:srgbClr val="000000"/>
         </a:buClr>
         <a:buFont typeface="Arial"/>
-        <a:defRPr b="0" i="0" sz="1400" u="none" cap="none" strike="noStrike">
+        <a:defRPr sz="1400" b="0" i="0" u="none" strike="noStrike" cap="none">
           <a:solidFill>
             <a:srgbClr val="000000"/>
           </a:solidFill>
@@ -5732,7 +5903,7 @@
           <a:sym typeface="Arial"/>
         </a:defRPr>
       </a:lvl7pPr>
-      <a:lvl8pPr lvl="7" marR="0" rtl="0" algn="l">
+      <a:lvl8pPr marR="0" lvl="7" algn="l" rtl="0">
         <a:lnSpc>
           <a:spcPct val="100000"/>
         </a:lnSpc>
@@ -5746,7 +5917,7 @@
           <a:srgbClr val="000000"/>
         </a:buClr>
         <a:buFont typeface="Arial"/>
-        <a:defRPr b="0" i="0" sz="1400" u="none" cap="none" strike="noStrike">
+        <a:defRPr sz="1400" b="0" i="0" u="none" strike="noStrike" cap="none">
           <a:solidFill>
             <a:srgbClr val="000000"/>
           </a:solidFill>
@@ -5756,7 +5927,7 @@
           <a:sym typeface="Arial"/>
         </a:defRPr>
       </a:lvl8pPr>
-      <a:lvl9pPr lvl="8" marR="0" rtl="0" algn="l">
+      <a:lvl9pPr marR="0" lvl="8" algn="l" rtl="0">
         <a:lnSpc>
           <a:spcPct val="100000"/>
         </a:lnSpc>
@@ -5770,7 +5941,7 @@
           <a:srgbClr val="000000"/>
         </a:buClr>
         <a:buFont typeface="Arial"/>
-        <a:defRPr b="0" i="0" sz="1400" u="none" cap="none" strike="noStrike">
+        <a:defRPr sz="1400" b="0" i="0" u="none" strike="noStrike" cap="none">
           <a:solidFill>
             <a:srgbClr val="000000"/>
           </a:solidFill>
@@ -5782,7 +5953,7 @@
       </a:lvl9pPr>
     </p:titleStyle>
     <p:bodyStyle>
-      <a:defPPr lvl="0" marR="0" rtl="0" algn="l">
+      <a:defPPr marR="0" lvl="0" algn="l" rtl="0">
         <a:lnSpc>
           <a:spcPct val="100000"/>
         </a:lnSpc>
@@ -5793,7 +5964,7 @@
           <a:spcPts val="0"/>
         </a:spcAft>
       </a:defPPr>
-      <a:lvl1pPr lvl="0" marR="0" rtl="0" algn="l">
+      <a:lvl1pPr marR="0" lvl="0" algn="l" rtl="0">
         <a:lnSpc>
           <a:spcPct val="100000"/>
         </a:lnSpc>
@@ -5807,7 +5978,7 @@
           <a:srgbClr val="000000"/>
         </a:buClr>
         <a:buFont typeface="Arial"/>
-        <a:defRPr b="0" i="0" sz="1400" u="none" cap="none" strike="noStrike">
+        <a:defRPr sz="1400" b="0" i="0" u="none" strike="noStrike" cap="none">
           <a:solidFill>
             <a:srgbClr val="000000"/>
           </a:solidFill>
@@ -5817,7 +5988,7 @@
           <a:sym typeface="Arial"/>
         </a:defRPr>
       </a:lvl1pPr>
-      <a:lvl2pPr lvl="1" marR="0" rtl="0" algn="l">
+      <a:lvl2pPr marR="0" lvl="1" algn="l" rtl="0">
         <a:lnSpc>
           <a:spcPct val="100000"/>
         </a:lnSpc>
@@ -5831,7 +6002,7 @@
           <a:srgbClr val="000000"/>
         </a:buClr>
         <a:buFont typeface="Arial"/>
-        <a:defRPr b="0" i="0" sz="1400" u="none" cap="none" strike="noStrike">
+        <a:defRPr sz="1400" b="0" i="0" u="none" strike="noStrike" cap="none">
           <a:solidFill>
             <a:srgbClr val="000000"/>
           </a:solidFill>
@@ -5841,7 +6012,7 @@
           <a:sym typeface="Arial"/>
         </a:defRPr>
       </a:lvl2pPr>
-      <a:lvl3pPr lvl="2" marR="0" rtl="0" algn="l">
+      <a:lvl3pPr marR="0" lvl="2" algn="l" rtl="0">
         <a:lnSpc>
           <a:spcPct val="100000"/>
         </a:lnSpc>
@@ -5855,7 +6026,7 @@
           <a:srgbClr val="000000"/>
         </a:buClr>
         <a:buFont typeface="Arial"/>
-        <a:defRPr b="0" i="0" sz="1400" u="none" cap="none" strike="noStrike">
+        <a:defRPr sz="1400" b="0" i="0" u="none" strike="noStrike" cap="none">
           <a:solidFill>
             <a:srgbClr val="000000"/>
           </a:solidFill>
@@ -5865,7 +6036,7 @@
           <a:sym typeface="Arial"/>
         </a:defRPr>
       </a:lvl3pPr>
-      <a:lvl4pPr lvl="3" marR="0" rtl="0" algn="l">
+      <a:lvl4pPr marR="0" lvl="3" algn="l" rtl="0">
         <a:lnSpc>
           <a:spcPct val="100000"/>
         </a:lnSpc>
@@ -5879,7 +6050,7 @@
           <a:srgbClr val="000000"/>
         </a:buClr>
         <a:buFont typeface="Arial"/>
-        <a:defRPr b="0" i="0" sz="1400" u="none" cap="none" strike="noStrike">
+        <a:defRPr sz="1400" b="0" i="0" u="none" strike="noStrike" cap="none">
           <a:solidFill>
             <a:srgbClr val="000000"/>
           </a:solidFill>
@@ -5889,7 +6060,7 @@
           <a:sym typeface="Arial"/>
         </a:defRPr>
       </a:lvl4pPr>
-      <a:lvl5pPr lvl="4" marR="0" rtl="0" algn="l">
+      <a:lvl5pPr marR="0" lvl="4" algn="l" rtl="0">
         <a:lnSpc>
           <a:spcPct val="100000"/>
         </a:lnSpc>
@@ -5903,7 +6074,7 @@
           <a:srgbClr val="000000"/>
         </a:buClr>
         <a:buFont typeface="Arial"/>
-        <a:defRPr b="0" i="0" sz="1400" u="none" cap="none" strike="noStrike">
+        <a:defRPr sz="1400" b="0" i="0" u="none" strike="noStrike" cap="none">
           <a:solidFill>
             <a:srgbClr val="000000"/>
           </a:solidFill>
@@ -5913,7 +6084,7 @@
           <a:sym typeface="Arial"/>
         </a:defRPr>
       </a:lvl5pPr>
-      <a:lvl6pPr lvl="5" marR="0" rtl="0" algn="l">
+      <a:lvl6pPr marR="0" lvl="5" algn="l" rtl="0">
         <a:lnSpc>
           <a:spcPct val="100000"/>
         </a:lnSpc>
@@ -5927,7 +6098,7 @@
           <a:srgbClr val="000000"/>
         </a:buClr>
         <a:buFont typeface="Arial"/>
-        <a:defRPr b="0" i="0" sz="1400" u="none" cap="none" strike="noStrike">
+        <a:defRPr sz="1400" b="0" i="0" u="none" strike="noStrike" cap="none">
           <a:solidFill>
             <a:srgbClr val="000000"/>
           </a:solidFill>
@@ -5937,7 +6108,7 @@
           <a:sym typeface="Arial"/>
         </a:defRPr>
       </a:lvl6pPr>
-      <a:lvl7pPr lvl="6" marR="0" rtl="0" algn="l">
+      <a:lvl7pPr marR="0" lvl="6" algn="l" rtl="0">
         <a:lnSpc>
           <a:spcPct val="100000"/>
         </a:lnSpc>
@@ -5951,7 +6122,7 @@
           <a:srgbClr val="000000"/>
         </a:buClr>
         <a:buFont typeface="Arial"/>
-        <a:defRPr b="0" i="0" sz="1400" u="none" cap="none" strike="noStrike">
+        <a:defRPr sz="1400" b="0" i="0" u="none" strike="noStrike" cap="none">
           <a:solidFill>
             <a:srgbClr val="000000"/>
           </a:solidFill>
@@ -5961,7 +6132,7 @@
           <a:sym typeface="Arial"/>
         </a:defRPr>
       </a:lvl7pPr>
-      <a:lvl8pPr lvl="7" marR="0" rtl="0" algn="l">
+      <a:lvl8pPr marR="0" lvl="7" algn="l" rtl="0">
         <a:lnSpc>
           <a:spcPct val="100000"/>
         </a:lnSpc>
@@ -5975,7 +6146,7 @@
           <a:srgbClr val="000000"/>
         </a:buClr>
         <a:buFont typeface="Arial"/>
-        <a:defRPr b="0" i="0" sz="1400" u="none" cap="none" strike="noStrike">
+        <a:defRPr sz="1400" b="0" i="0" u="none" strike="noStrike" cap="none">
           <a:solidFill>
             <a:srgbClr val="000000"/>
           </a:solidFill>
@@ -5985,7 +6156,7 @@
           <a:sym typeface="Arial"/>
         </a:defRPr>
       </a:lvl8pPr>
-      <a:lvl9pPr lvl="8" marR="0" rtl="0" algn="l">
+      <a:lvl9pPr marR="0" lvl="8" algn="l" rtl="0">
         <a:lnSpc>
           <a:spcPct val="100000"/>
         </a:lnSpc>
@@ -5999,7 +6170,7 @@
           <a:srgbClr val="000000"/>
         </a:buClr>
         <a:buFont typeface="Arial"/>
-        <a:defRPr b="0" i="0" sz="1400" u="none" cap="none" strike="noStrike">
+        <a:defRPr sz="1400" b="0" i="0" u="none" strike="noStrike" cap="none">
           <a:solidFill>
             <a:srgbClr val="000000"/>
           </a:solidFill>
@@ -6011,7 +6182,7 @@
       </a:lvl9pPr>
     </p:bodyStyle>
     <p:otherStyle>
-      <a:defPPr lvl="0" marR="0" rtl="0" algn="l">
+      <a:defPPr marR="0" lvl="0" algn="l" rtl="0">
         <a:lnSpc>
           <a:spcPct val="100000"/>
         </a:lnSpc>
@@ -6022,7 +6193,7 @@
           <a:spcPts val="0"/>
         </a:spcAft>
       </a:defPPr>
-      <a:lvl1pPr lvl="0" marR="0" rtl="0" algn="l">
+      <a:lvl1pPr marR="0" lvl="0" algn="l" rtl="0">
         <a:lnSpc>
           <a:spcPct val="100000"/>
         </a:lnSpc>
@@ -6036,7 +6207,7 @@
           <a:srgbClr val="000000"/>
         </a:buClr>
         <a:buFont typeface="Arial"/>
-        <a:defRPr b="0" i="0" sz="1400" u="none" cap="none" strike="noStrike">
+        <a:defRPr sz="1400" b="0" i="0" u="none" strike="noStrike" cap="none">
           <a:solidFill>
             <a:srgbClr val="000000"/>
           </a:solidFill>
@@ -6046,7 +6217,7 @@
           <a:sym typeface="Arial"/>
         </a:defRPr>
       </a:lvl1pPr>
-      <a:lvl2pPr lvl="1" marR="0" rtl="0" algn="l">
+      <a:lvl2pPr marR="0" lvl="1" algn="l" rtl="0">
         <a:lnSpc>
           <a:spcPct val="100000"/>
         </a:lnSpc>
@@ -6060,7 +6231,7 @@
           <a:srgbClr val="000000"/>
         </a:buClr>
         <a:buFont typeface="Arial"/>
-        <a:defRPr b="0" i="0" sz="1400" u="none" cap="none" strike="noStrike">
+        <a:defRPr sz="1400" b="0" i="0" u="none" strike="noStrike" cap="none">
           <a:solidFill>
             <a:srgbClr val="000000"/>
           </a:solidFill>
@@ -6070,7 +6241,7 @@
           <a:sym typeface="Arial"/>
         </a:defRPr>
       </a:lvl2pPr>
-      <a:lvl3pPr lvl="2" marR="0" rtl="0" algn="l">
+      <a:lvl3pPr marR="0" lvl="2" algn="l" rtl="0">
         <a:lnSpc>
           <a:spcPct val="100000"/>
         </a:lnSpc>
@@ -6084,7 +6255,7 @@
           <a:srgbClr val="000000"/>
         </a:buClr>
         <a:buFont typeface="Arial"/>
-        <a:defRPr b="0" i="0" sz="1400" u="none" cap="none" strike="noStrike">
+        <a:defRPr sz="1400" b="0" i="0" u="none" strike="noStrike" cap="none">
           <a:solidFill>
             <a:srgbClr val="000000"/>
           </a:solidFill>
@@ -6094,7 +6265,7 @@
           <a:sym typeface="Arial"/>
         </a:defRPr>
       </a:lvl3pPr>
-      <a:lvl4pPr lvl="3" marR="0" rtl="0" algn="l">
+      <a:lvl4pPr marR="0" lvl="3" algn="l" rtl="0">
         <a:lnSpc>
           <a:spcPct val="100000"/>
         </a:lnSpc>
@@ -6108,7 +6279,7 @@
           <a:srgbClr val="000000"/>
         </a:buClr>
         <a:buFont typeface="Arial"/>
-        <a:defRPr b="0" i="0" sz="1400" u="none" cap="none" strike="noStrike">
+        <a:defRPr sz="1400" b="0" i="0" u="none" strike="noStrike" cap="none">
           <a:solidFill>
             <a:srgbClr val="000000"/>
           </a:solidFill>
@@ -6118,7 +6289,7 @@
           <a:sym typeface="Arial"/>
         </a:defRPr>
       </a:lvl4pPr>
-      <a:lvl5pPr lvl="4" marR="0" rtl="0" algn="l">
+      <a:lvl5pPr marR="0" lvl="4" algn="l" rtl="0">
         <a:lnSpc>
           <a:spcPct val="100000"/>
         </a:lnSpc>
@@ -6132,7 +6303,7 @@
           <a:srgbClr val="000000"/>
         </a:buClr>
         <a:buFont typeface="Arial"/>
-        <a:defRPr b="0" i="0" sz="1400" u="none" cap="none" strike="noStrike">
+        <a:defRPr sz="1400" b="0" i="0" u="none" strike="noStrike" cap="none">
           <a:solidFill>
             <a:srgbClr val="000000"/>
           </a:solidFill>
@@ -6142,7 +6313,7 @@
           <a:sym typeface="Arial"/>
         </a:defRPr>
       </a:lvl5pPr>
-      <a:lvl6pPr lvl="5" marR="0" rtl="0" algn="l">
+      <a:lvl6pPr marR="0" lvl="5" algn="l" rtl="0">
         <a:lnSpc>
           <a:spcPct val="100000"/>
         </a:lnSpc>
@@ -6156,7 +6327,7 @@
           <a:srgbClr val="000000"/>
         </a:buClr>
         <a:buFont typeface="Arial"/>
-        <a:defRPr b="0" i="0" sz="1400" u="none" cap="none" strike="noStrike">
+        <a:defRPr sz="1400" b="0" i="0" u="none" strike="noStrike" cap="none">
           <a:solidFill>
             <a:srgbClr val="000000"/>
           </a:solidFill>
@@ -6166,7 +6337,7 @@
           <a:sym typeface="Arial"/>
         </a:defRPr>
       </a:lvl6pPr>
-      <a:lvl7pPr lvl="6" marR="0" rtl="0" algn="l">
+      <a:lvl7pPr marR="0" lvl="6" algn="l" rtl="0">
         <a:lnSpc>
           <a:spcPct val="100000"/>
         </a:lnSpc>
@@ -6180,7 +6351,7 @@
           <a:srgbClr val="000000"/>
         </a:buClr>
         <a:buFont typeface="Arial"/>
-        <a:defRPr b="0" i="0" sz="1400" u="none" cap="none" strike="noStrike">
+        <a:defRPr sz="1400" b="0" i="0" u="none" strike="noStrike" cap="none">
           <a:solidFill>
             <a:srgbClr val="000000"/>
           </a:solidFill>
@@ -6190,7 +6361,7 @@
           <a:sym typeface="Arial"/>
         </a:defRPr>
       </a:lvl7pPr>
-      <a:lvl8pPr lvl="7" marR="0" rtl="0" algn="l">
+      <a:lvl8pPr marR="0" lvl="7" algn="l" rtl="0">
         <a:lnSpc>
           <a:spcPct val="100000"/>
         </a:lnSpc>
@@ -6204,7 +6375,7 @@
           <a:srgbClr val="000000"/>
         </a:buClr>
         <a:buFont typeface="Arial"/>
-        <a:defRPr b="0" i="0" sz="1400" u="none" cap="none" strike="noStrike">
+        <a:defRPr sz="1400" b="0" i="0" u="none" strike="noStrike" cap="none">
           <a:solidFill>
             <a:srgbClr val="000000"/>
           </a:solidFill>
@@ -6214,7 +6385,7 @@
           <a:sym typeface="Arial"/>
         </a:defRPr>
       </a:lvl8pPr>
-      <a:lvl9pPr lvl="8" marR="0" rtl="0" algn="l">
+      <a:lvl9pPr marR="0" lvl="8" algn="l" rtl="0">
         <a:lnSpc>
           <a:spcPct val="100000"/>
         </a:lnSpc>
@@ -6228,7 +6399,7 @@
           <a:srgbClr val="000000"/>
         </a:buClr>
         <a:buFont typeface="Arial"/>
-        <a:defRPr b="0" i="0" sz="1400" u="none" cap="none" strike="noStrike">
+        <a:defRPr sz="1400" b="0" i="0" u="none" strike="noStrike" cap="none">
           <a:solidFill>
             <a:srgbClr val="000000"/>
           </a:solidFill>
@@ -6244,11 +6415,11 @@
 </file>
 
 <file path=ppt/slides/slide1.xml><?xml version="1.0" encoding="utf-8"?>
-<p:sld xmlns:a="http://schemas.openxmlformats.org/drawingml/2006/main" xmlns:r="http://schemas.openxmlformats.org/officeDocument/2006/relationships" xmlns:mc="http://schemas.openxmlformats.org/markup-compatibility/2006" xmlns:mv="urn:schemas-microsoft-com:mac:vml" xmlns:p="http://schemas.openxmlformats.org/presentationml/2006/main" xmlns:c="http://schemas.openxmlformats.org/drawingml/2006/chart" xmlns:dgm="http://schemas.openxmlformats.org/drawingml/2006/diagram" xmlns:o="urn:schemas-microsoft-com:office:office" xmlns:v="urn:schemas-microsoft-com:vml" xmlns:pvml="urn:schemas-microsoft-com:office:powerpoint" xmlns:com="http://schemas.openxmlformats.org/drawingml/2006/compatibility" xmlns:p14="http://schemas.microsoft.com/office/powerpoint/2010/main" xmlns:p15="http://schemas.microsoft.com/office/powerpoint/2012/main" xmlns:ahyp="http://schemas.microsoft.com/office/drawing/2018/hyperlinkcolor">
+<p:sld xmlns:a="http://schemas.openxmlformats.org/drawingml/2006/main" xmlns:r="http://schemas.openxmlformats.org/officeDocument/2006/relationships" xmlns:p="http://schemas.openxmlformats.org/presentationml/2006/main">
   <p:cSld>
     <p:spTree>
       <p:nvGrpSpPr>
-        <p:cNvPr id="53" name="Shape 53"/>
+        <p:cNvPr id="1" name="Shape 53"/>
         <p:cNvGrpSpPr/>
         <p:nvPr/>
       </p:nvGrpSpPr>
@@ -6263,7 +6434,9 @@
       <p:sp>
         <p:nvSpPr>
           <p:cNvPr id="54" name="Google Shape;54;p13"/>
-          <p:cNvSpPr txBox="1"/>
+          <p:cNvSpPr txBox="1">
+            <a:spLocks noGrp="1"/>
+          </p:cNvSpPr>
           <p:nvPr>
             <p:ph type="ctrTitle"/>
           </p:nvPr>
@@ -6278,12 +6451,12 @@
           </a:prstGeom>
         </p:spPr>
         <p:txBody>
-          <a:bodyPr anchorCtr="0" anchor="b" bIns="91425" lIns="91425" spcFirstLastPara="1" rIns="91425" wrap="square" tIns="91425">
+          <a:bodyPr spcFirstLastPara="1" wrap="square" lIns="91425" tIns="91425" rIns="91425" bIns="91425" anchor="b" anchorCtr="0">
             <a:normAutofit/>
           </a:bodyPr>
           <a:lstStyle/>
           <a:p>
-            <a:pPr indent="0" lvl="0" marL="0" rtl="0" algn="ctr">
+            <a:pPr marL="0" lvl="0" indent="0" algn="ctr" rtl="0">
               <a:spcBef>
                 <a:spcPts val="0"/>
               </a:spcBef>
@@ -6303,9 +6476,11 @@
       <p:sp>
         <p:nvSpPr>
           <p:cNvPr id="55" name="Google Shape;55;p13"/>
-          <p:cNvSpPr txBox="1"/>
+          <p:cNvSpPr txBox="1">
+            <a:spLocks noGrp="1"/>
+          </p:cNvSpPr>
           <p:nvPr>
-            <p:ph idx="1" type="subTitle"/>
+            <p:ph type="subTitle" idx="1"/>
           </p:nvPr>
         </p:nvSpPr>
         <p:spPr>
@@ -6318,12 +6493,12 @@
           </a:prstGeom>
         </p:spPr>
         <p:txBody>
-          <a:bodyPr anchorCtr="0" anchor="t" bIns="91425" lIns="91425" spcFirstLastPara="1" rIns="91425" wrap="square" tIns="91425">
+          <a:bodyPr spcFirstLastPara="1" wrap="square" lIns="91425" tIns="91425" rIns="91425" bIns="91425" anchor="t" anchorCtr="0">
             <a:normAutofit/>
           </a:bodyPr>
           <a:lstStyle/>
           <a:p>
-            <a:pPr indent="0" lvl="0" marL="0" rtl="0" algn="ctr">
+            <a:pPr marL="0" lvl="0" indent="0" algn="ctr" rtl="0">
               <a:spcBef>
                 <a:spcPts val="0"/>
               </a:spcBef>
@@ -6348,12 +6523,435 @@
 </p:sld>
 </file>
 
-<file path=ppt/slides/slide2.xml><?xml version="1.0" encoding="utf-8"?>
-<p:sld xmlns:a="http://schemas.openxmlformats.org/drawingml/2006/main" xmlns:r="http://schemas.openxmlformats.org/officeDocument/2006/relationships" xmlns:mc="http://schemas.openxmlformats.org/markup-compatibility/2006" xmlns:mv="urn:schemas-microsoft-com:mac:vml" xmlns:p="http://schemas.openxmlformats.org/presentationml/2006/main" xmlns:c="http://schemas.openxmlformats.org/drawingml/2006/chart" xmlns:dgm="http://schemas.openxmlformats.org/drawingml/2006/diagram" xmlns:o="urn:schemas-microsoft-com:office:office" xmlns:v="urn:schemas-microsoft-com:vml" xmlns:pvml="urn:schemas-microsoft-com:office:powerpoint" xmlns:com="http://schemas.openxmlformats.org/drawingml/2006/compatibility" xmlns:p14="http://schemas.microsoft.com/office/powerpoint/2010/main" xmlns:p15="http://schemas.microsoft.com/office/powerpoint/2012/main" xmlns:ahyp="http://schemas.microsoft.com/office/drawing/2018/hyperlinkcolor">
+<file path=ppt/slides/slide10.xml><?xml version="1.0" encoding="utf-8"?>
+<p:sld xmlns:a="http://schemas.openxmlformats.org/drawingml/2006/main" xmlns:r="http://schemas.openxmlformats.org/officeDocument/2006/relationships" xmlns:p="http://schemas.openxmlformats.org/presentationml/2006/main">
   <p:cSld>
     <p:spTree>
       <p:nvGrpSpPr>
-        <p:cNvPr id="59" name="Shape 59"/>
+        <p:cNvPr id="1" name=""/>
+        <p:cNvGrpSpPr/>
+        <p:nvPr/>
+      </p:nvGrpSpPr>
+      <p:grpSpPr>
+        <a:xfrm>
+          <a:off x="0" y="0"/>
+          <a:ext cx="0" cy="0"/>
+          <a:chOff x="0" y="0"/>
+          <a:chExt cx="0" cy="0"/>
+        </a:xfrm>
+      </p:grpSpPr>
+      <p:pic>
+        <p:nvPicPr>
+          <p:cNvPr id="5" name="Picture 4">
+            <a:extLst>
+              <a:ext uri="{FF2B5EF4-FFF2-40B4-BE49-F238E27FC236}">
+                <a16:creationId xmlns:a16="http://schemas.microsoft.com/office/drawing/2014/main" id="{8CC53165-8039-13A2-930C-1155D2059B7E}"/>
+              </a:ext>
+            </a:extLst>
+          </p:cNvPr>
+          <p:cNvPicPr>
+            <a:picLocks noChangeAspect="1"/>
+          </p:cNvPicPr>
+          <p:nvPr/>
+        </p:nvPicPr>
+        <p:blipFill>
+          <a:blip r:embed="rId2"/>
+          <a:stretch>
+            <a:fillRect/>
+          </a:stretch>
+        </p:blipFill>
+        <p:spPr>
+          <a:xfrm>
+            <a:off x="971550" y="0"/>
+            <a:ext cx="7200900" cy="5143500"/>
+          </a:xfrm>
+          <a:prstGeom prst="rect">
+            <a:avLst/>
+          </a:prstGeom>
+        </p:spPr>
+      </p:pic>
+    </p:spTree>
+    <p:extLst>
+      <p:ext uri="{BB962C8B-B14F-4D97-AF65-F5344CB8AC3E}">
+        <p14:creationId xmlns:p14="http://schemas.microsoft.com/office/powerpoint/2010/main" val="4011986723"/>
+      </p:ext>
+    </p:extLst>
+  </p:cSld>
+  <p:clrMapOvr>
+    <a:masterClrMapping/>
+  </p:clrMapOvr>
+</p:sld>
+</file>
+
+<file path=ppt/slides/slide11.xml><?xml version="1.0" encoding="utf-8"?>
+<p:sld xmlns:a="http://schemas.openxmlformats.org/drawingml/2006/main" xmlns:r="http://schemas.openxmlformats.org/officeDocument/2006/relationships" xmlns:p="http://schemas.openxmlformats.org/presentationml/2006/main">
+  <p:cSld>
+    <p:spTree>
+      <p:nvGrpSpPr>
+        <p:cNvPr id="1" name=""/>
+        <p:cNvGrpSpPr/>
+        <p:nvPr/>
+      </p:nvGrpSpPr>
+      <p:grpSpPr>
+        <a:xfrm>
+          <a:off x="0" y="0"/>
+          <a:ext cx="0" cy="0"/>
+          <a:chOff x="0" y="0"/>
+          <a:chExt cx="0" cy="0"/>
+        </a:xfrm>
+      </p:grpSpPr>
+      <p:pic>
+        <p:nvPicPr>
+          <p:cNvPr id="5" name="Picture 4">
+            <a:extLst>
+              <a:ext uri="{FF2B5EF4-FFF2-40B4-BE49-F238E27FC236}">
+                <a16:creationId xmlns:a16="http://schemas.microsoft.com/office/drawing/2014/main" id="{0954F397-E796-1E71-EC15-39E5A35C0ED1}"/>
+              </a:ext>
+            </a:extLst>
+          </p:cNvPr>
+          <p:cNvPicPr>
+            <a:picLocks noChangeAspect="1"/>
+          </p:cNvPicPr>
+          <p:nvPr/>
+        </p:nvPicPr>
+        <p:blipFill>
+          <a:blip r:embed="rId2"/>
+          <a:stretch>
+            <a:fillRect/>
+          </a:stretch>
+        </p:blipFill>
+        <p:spPr>
+          <a:xfrm>
+            <a:off x="971550" y="0"/>
+            <a:ext cx="7200900" cy="5143500"/>
+          </a:xfrm>
+          <a:prstGeom prst="rect">
+            <a:avLst/>
+          </a:prstGeom>
+        </p:spPr>
+      </p:pic>
+    </p:spTree>
+    <p:extLst>
+      <p:ext uri="{BB962C8B-B14F-4D97-AF65-F5344CB8AC3E}">
+        <p14:creationId xmlns:p14="http://schemas.microsoft.com/office/powerpoint/2010/main" val="4164078440"/>
+      </p:ext>
+    </p:extLst>
+  </p:cSld>
+  <p:clrMapOvr>
+    <a:masterClrMapping/>
+  </p:clrMapOvr>
+</p:sld>
+</file>
+
+<file path=ppt/slides/slide12.xml><?xml version="1.0" encoding="utf-8"?>
+<p:sld xmlns:a="http://schemas.openxmlformats.org/drawingml/2006/main" xmlns:r="http://schemas.openxmlformats.org/officeDocument/2006/relationships" xmlns:p="http://schemas.openxmlformats.org/presentationml/2006/main">
+  <p:cSld>
+    <p:spTree>
+      <p:nvGrpSpPr>
+        <p:cNvPr id="1" name="Shape 102"/>
+        <p:cNvGrpSpPr/>
+        <p:nvPr/>
+      </p:nvGrpSpPr>
+      <p:grpSpPr>
+        <a:xfrm>
+          <a:off x="0" y="0"/>
+          <a:ext cx="0" cy="0"/>
+          <a:chOff x="0" y="0"/>
+          <a:chExt cx="0" cy="0"/>
+        </a:xfrm>
+      </p:grpSpPr>
+      <p:sp>
+        <p:nvSpPr>
+          <p:cNvPr id="4" name="TextBox 3">
+            <a:extLst>
+              <a:ext uri="{FF2B5EF4-FFF2-40B4-BE49-F238E27FC236}">
+                <a16:creationId xmlns:a16="http://schemas.microsoft.com/office/drawing/2014/main" id="{E630A531-1CDD-0ADF-AC61-9CD09DB47D9C}"/>
+              </a:ext>
+            </a:extLst>
+          </p:cNvPr>
+          <p:cNvSpPr txBox="1"/>
+          <p:nvPr/>
+        </p:nvSpPr>
+        <p:spPr>
+          <a:xfrm>
+            <a:off x="480561" y="1122776"/>
+            <a:ext cx="6607708" cy="3293209"/>
+          </a:xfrm>
+          <a:prstGeom prst="rect">
+            <a:avLst/>
+          </a:prstGeom>
+          <a:noFill/>
+        </p:spPr>
+        <p:txBody>
+          <a:bodyPr wrap="square" rtlCol="0">
+            <a:spAutoFit/>
+          </a:bodyPr>
+          <a:lstStyle/>
+          <a:p>
+            <a:pPr algn="l">
+              <a:buFont typeface="Arial" panose="020B0604020202020204" pitchFamily="34" charset="0"/>
+              <a:buChar char="•"/>
+            </a:pPr>
+            <a:r>
+              <a:rPr lang="en-US" sz="2000" b="0" i="0" dirty="0">
+                <a:solidFill>
+                  <a:schemeClr val="tx1"/>
+                </a:solidFill>
+                <a:effectLst/>
+                <a:latin typeface="Söhne"/>
+              </a:rPr>
+              <a:t>The housing market in Turkey has been facing challenges, including rising construction costs and the impact of exchange rates.</a:t>
+            </a:r>
+          </a:p>
+          <a:p>
+            <a:pPr algn="l">
+              <a:buFont typeface="Arial" panose="020B0604020202020204" pitchFamily="34" charset="0"/>
+              <a:buChar char="•"/>
+            </a:pPr>
+            <a:r>
+              <a:rPr lang="en-US" sz="2000" b="0" i="0" dirty="0">
+                <a:solidFill>
+                  <a:schemeClr val="tx1"/>
+                </a:solidFill>
+                <a:effectLst/>
+                <a:latin typeface="Söhne"/>
+              </a:rPr>
+              <a:t>Foreign house sales in Turkey have increased slightly, but make up only about 5% of total sales.</a:t>
+            </a:r>
+          </a:p>
+          <a:p>
+            <a:pPr algn="l">
+              <a:buFont typeface="Arial" panose="020B0604020202020204" pitchFamily="34" charset="0"/>
+              <a:buChar char="•"/>
+            </a:pPr>
+            <a:r>
+              <a:rPr lang="en-US" sz="2000" b="0" i="0" dirty="0">
+                <a:solidFill>
+                  <a:schemeClr val="tx1"/>
+                </a:solidFill>
+                <a:effectLst/>
+                <a:latin typeface="Söhne"/>
+              </a:rPr>
+              <a:t>The construction cost index in Turkey has been increasing faster than in Europe, making construction less profitable.</a:t>
+            </a:r>
+          </a:p>
+          <a:p>
+            <a:pPr algn="l">
+              <a:buFont typeface="Arial" panose="020B0604020202020204" pitchFamily="34" charset="0"/>
+              <a:buChar char="•"/>
+            </a:pPr>
+            <a:r>
+              <a:rPr lang="en-US" sz="2000" b="0" i="0" dirty="0">
+                <a:solidFill>
+                  <a:schemeClr val="tx1"/>
+                </a:solidFill>
+                <a:effectLst/>
+                <a:latin typeface="Söhne"/>
+              </a:rPr>
+              <a:t>The exchange rate of the Turkish lira has a significant impact on construction costs in Turkey.</a:t>
+            </a:r>
+          </a:p>
+          <a:p>
+            <a:pPr algn="l"/>
+            <a:endParaRPr lang="en-US" b="0" i="0" dirty="0">
+              <a:solidFill>
+                <a:srgbClr val="D1D5DB"/>
+              </a:solidFill>
+              <a:effectLst/>
+              <a:latin typeface="Söhne"/>
+            </a:endParaRPr>
+          </a:p>
+          <a:p>
+            <a:pPr marL="285750" indent="-285750">
+              <a:buFont typeface="Arial" panose="020B0604020202020204" pitchFamily="34" charset="0"/>
+              <a:buChar char="•"/>
+            </a:pPr>
+            <a:endParaRPr lang="en-US" dirty="0"/>
+          </a:p>
+        </p:txBody>
+      </p:sp>
+      <p:sp>
+        <p:nvSpPr>
+          <p:cNvPr id="5" name="TextBox 4">
+            <a:extLst>
+              <a:ext uri="{FF2B5EF4-FFF2-40B4-BE49-F238E27FC236}">
+                <a16:creationId xmlns:a16="http://schemas.microsoft.com/office/drawing/2014/main" id="{7B1AE7FE-E8C3-904B-6C1D-425AB565A27D}"/>
+              </a:ext>
+            </a:extLst>
+          </p:cNvPr>
+          <p:cNvSpPr txBox="1"/>
+          <p:nvPr/>
+        </p:nvSpPr>
+        <p:spPr>
+          <a:xfrm>
+            <a:off x="480561" y="433839"/>
+            <a:ext cx="4164858" cy="615553"/>
+          </a:xfrm>
+          <a:prstGeom prst="rect">
+            <a:avLst/>
+          </a:prstGeom>
+          <a:noFill/>
+        </p:spPr>
+        <p:txBody>
+          <a:bodyPr wrap="square" rtlCol="0">
+            <a:spAutoFit/>
+          </a:bodyPr>
+          <a:lstStyle/>
+          <a:p>
+            <a:r>
+              <a:rPr lang="en-US" sz="2000" dirty="0"/>
+              <a:t>Conclusion</a:t>
+            </a:r>
+          </a:p>
+          <a:p>
+            <a:endParaRPr lang="en-US" dirty="0"/>
+          </a:p>
+        </p:txBody>
+      </p:sp>
+    </p:spTree>
+  </p:cSld>
+  <p:clrMapOvr>
+    <a:masterClrMapping/>
+  </p:clrMapOvr>
+</p:sld>
+</file>
+
+<file path=ppt/slides/slide13.xml><?xml version="1.0" encoding="utf-8"?>
+<p:sld xmlns:a="http://schemas.openxmlformats.org/drawingml/2006/main" xmlns:r="http://schemas.openxmlformats.org/officeDocument/2006/relationships" xmlns:p="http://schemas.openxmlformats.org/presentationml/2006/main">
+  <p:cSld>
+    <p:spTree>
+      <p:nvGrpSpPr>
+        <p:cNvPr id="1" name=""/>
+        <p:cNvGrpSpPr/>
+        <p:nvPr/>
+      </p:nvGrpSpPr>
+      <p:grpSpPr>
+        <a:xfrm>
+          <a:off x="0" y="0"/>
+          <a:ext cx="0" cy="0"/>
+          <a:chOff x="0" y="0"/>
+          <a:chExt cx="0" cy="0"/>
+        </a:xfrm>
+      </p:grpSpPr>
+      <p:sp>
+        <p:nvSpPr>
+          <p:cNvPr id="6" name="TextBox 5">
+            <a:extLst>
+              <a:ext uri="{FF2B5EF4-FFF2-40B4-BE49-F238E27FC236}">
+                <a16:creationId xmlns:a16="http://schemas.microsoft.com/office/drawing/2014/main" id="{A7430536-C88E-8D16-958C-AB505A30F471}"/>
+              </a:ext>
+            </a:extLst>
+          </p:cNvPr>
+          <p:cNvSpPr txBox="1"/>
+          <p:nvPr/>
+        </p:nvSpPr>
+        <p:spPr>
+          <a:xfrm>
+            <a:off x="493909" y="894377"/>
+            <a:ext cx="8156181" cy="3077766"/>
+          </a:xfrm>
+          <a:prstGeom prst="rect">
+            <a:avLst/>
+          </a:prstGeom>
+          <a:noFill/>
+        </p:spPr>
+        <p:txBody>
+          <a:bodyPr wrap="square" rtlCol="0">
+            <a:spAutoFit/>
+          </a:bodyPr>
+          <a:lstStyle/>
+          <a:p>
+            <a:pPr algn="l">
+              <a:buFont typeface="Arial" panose="020B0604020202020204" pitchFamily="34" charset="0"/>
+              <a:buChar char="•"/>
+            </a:pPr>
+            <a:r>
+              <a:rPr lang="en-US" sz="2000" b="0" i="0" dirty="0">
+                <a:solidFill>
+                  <a:schemeClr val="tx1"/>
+                </a:solidFill>
+                <a:effectLst/>
+                <a:latin typeface="Söhne"/>
+              </a:rPr>
+              <a:t>The government's limit on mortgages in 2021 decreased sales of houses with credit, but total sales have not decreased as people are buying houses with cash from other sources.</a:t>
+            </a:r>
+          </a:p>
+          <a:p>
+            <a:pPr algn="l">
+              <a:buFont typeface="Arial" panose="020B0604020202020204" pitchFamily="34" charset="0"/>
+              <a:buChar char="•"/>
+            </a:pPr>
+            <a:r>
+              <a:rPr lang="en-US" sz="2000" b="0" i="0" dirty="0">
+                <a:solidFill>
+                  <a:schemeClr val="tx1"/>
+                </a:solidFill>
+                <a:effectLst/>
+                <a:latin typeface="Söhne"/>
+              </a:rPr>
+              <a:t>The most popular cities for foreign house buyers in Turkey are Istanbul, Antalya, and Bursa.</a:t>
+            </a:r>
+          </a:p>
+          <a:p>
+            <a:pPr algn="l">
+              <a:buFont typeface="Arial" panose="020B0604020202020204" pitchFamily="34" charset="0"/>
+              <a:buChar char="•"/>
+            </a:pPr>
+            <a:r>
+              <a:rPr lang="en-US" sz="2000" b="0" i="0" dirty="0">
+                <a:solidFill>
+                  <a:schemeClr val="tx1"/>
+                </a:solidFill>
+                <a:effectLst/>
+                <a:latin typeface="Söhne"/>
+              </a:rPr>
+              <a:t>It will be important to analyze market trends and factors that can affect them in order to identify challenges and opportunities.</a:t>
+            </a:r>
+          </a:p>
+          <a:p>
+            <a:pPr algn="l">
+              <a:buFont typeface="Arial" panose="020B0604020202020204" pitchFamily="34" charset="0"/>
+              <a:buChar char="•"/>
+            </a:pPr>
+            <a:r>
+              <a:rPr lang="en-US" sz="2000" b="0" i="0" dirty="0">
+                <a:solidFill>
+                  <a:schemeClr val="tx1"/>
+                </a:solidFill>
+                <a:effectLst/>
+                <a:latin typeface="Söhne"/>
+              </a:rPr>
+              <a:t>By doing so, informed decisions can be made and plans can be made for the future growth of the housing market in Turkey.</a:t>
+            </a:r>
+          </a:p>
+          <a:p>
+            <a:pPr marL="285750" indent="-285750">
+              <a:buFont typeface="Arial" panose="020B0604020202020204" pitchFamily="34" charset="0"/>
+              <a:buChar char="•"/>
+            </a:pPr>
+            <a:endParaRPr lang="en-US" dirty="0"/>
+          </a:p>
+        </p:txBody>
+      </p:sp>
+    </p:spTree>
+    <p:extLst>
+      <p:ext uri="{BB962C8B-B14F-4D97-AF65-F5344CB8AC3E}">
+        <p14:creationId xmlns:p14="http://schemas.microsoft.com/office/powerpoint/2010/main" val="2331270525"/>
+      </p:ext>
+    </p:extLst>
+  </p:cSld>
+  <p:clrMapOvr>
+    <a:masterClrMapping/>
+  </p:clrMapOvr>
+</p:sld>
+</file>
+
+<file path=ppt/slides/slide2.xml><?xml version="1.0" encoding="utf-8"?>
+<p:sld xmlns:a="http://schemas.openxmlformats.org/drawingml/2006/main" xmlns:r="http://schemas.openxmlformats.org/officeDocument/2006/relationships" xmlns:p="http://schemas.openxmlformats.org/presentationml/2006/main">
+  <p:cSld>
+    <p:spTree>
+      <p:nvGrpSpPr>
+        <p:cNvPr id="1" name="Shape 59"/>
         <p:cNvGrpSpPr/>
         <p:nvPr/>
       </p:nvGrpSpPr>
@@ -6368,7 +6966,9 @@
       <p:sp>
         <p:nvSpPr>
           <p:cNvPr id="60" name="Google Shape;60;p14"/>
-          <p:cNvSpPr txBox="1"/>
+          <p:cNvSpPr txBox="1">
+            <a:spLocks noGrp="1"/>
+          </p:cNvSpPr>
           <p:nvPr>
             <p:ph type="title"/>
           </p:nvPr>
@@ -6383,12 +6983,12 @@
           </a:prstGeom>
         </p:spPr>
         <p:txBody>
-          <a:bodyPr anchorCtr="0" anchor="ctr" bIns="91425" lIns="91425" spcFirstLastPara="1" rIns="91425" wrap="square" tIns="91425">
+          <a:bodyPr spcFirstLastPara="1" wrap="square" lIns="91425" tIns="91425" rIns="91425" bIns="91425" anchor="ctr" anchorCtr="0">
             <a:normAutofit fontScale="90000"/>
           </a:bodyPr>
           <a:lstStyle/>
           <a:p>
-            <a:pPr indent="0" lvl="0" marL="0" rtl="0" algn="ctr">
+            <a:pPr marL="0" lvl="0" indent="0" algn="ctr" rtl="0">
               <a:spcBef>
                 <a:spcPts val="0"/>
               </a:spcBef>
@@ -6414,11 +7014,11 @@
 </file>
 
 <file path=ppt/slides/slide3.xml><?xml version="1.0" encoding="utf-8"?>
-<p:sld xmlns:a="http://schemas.openxmlformats.org/drawingml/2006/main" xmlns:r="http://schemas.openxmlformats.org/officeDocument/2006/relationships" xmlns:mc="http://schemas.openxmlformats.org/markup-compatibility/2006" xmlns:mv="urn:schemas-microsoft-com:mac:vml" xmlns:p="http://schemas.openxmlformats.org/presentationml/2006/main" xmlns:c="http://schemas.openxmlformats.org/drawingml/2006/chart" xmlns:dgm="http://schemas.openxmlformats.org/drawingml/2006/diagram" xmlns:o="urn:schemas-microsoft-com:office:office" xmlns:v="urn:schemas-microsoft-com:vml" xmlns:pvml="urn:schemas-microsoft-com:office:powerpoint" xmlns:com="http://schemas.openxmlformats.org/drawingml/2006/compatibility" xmlns:p14="http://schemas.microsoft.com/office/powerpoint/2010/main" xmlns:p15="http://schemas.microsoft.com/office/powerpoint/2012/main" xmlns:ahyp="http://schemas.microsoft.com/office/drawing/2018/hyperlinkcolor">
+<p:sld xmlns:a="http://schemas.openxmlformats.org/drawingml/2006/main" xmlns:r="http://schemas.openxmlformats.org/officeDocument/2006/relationships" xmlns:p="http://schemas.openxmlformats.org/presentationml/2006/main">
   <p:cSld>
     <p:spTree>
       <p:nvGrpSpPr>
-        <p:cNvPr id="64" name="Shape 64"/>
+        <p:cNvPr id="1" name="Shape 64"/>
         <p:cNvGrpSpPr/>
         <p:nvPr/>
       </p:nvGrpSpPr>
@@ -6433,7 +7033,9 @@
       <p:sp>
         <p:nvSpPr>
           <p:cNvPr id="65" name="Google Shape;65;p15"/>
-          <p:cNvSpPr txBox="1"/>
+          <p:cNvSpPr txBox="1">
+            <a:spLocks noGrp="1"/>
+          </p:cNvSpPr>
           <p:nvPr>
             <p:ph type="title"/>
           </p:nvPr>
@@ -6448,12 +7050,12 @@
           </a:prstGeom>
         </p:spPr>
         <p:txBody>
-          <a:bodyPr anchorCtr="0" anchor="ctr" bIns="91425" lIns="91425" spcFirstLastPara="1" rIns="91425" wrap="square" tIns="91425">
+          <a:bodyPr spcFirstLastPara="1" wrap="square" lIns="91425" tIns="91425" rIns="91425" bIns="91425" anchor="ctr" anchorCtr="0">
             <a:normAutofit/>
           </a:bodyPr>
           <a:lstStyle/>
           <a:p>
-            <a:pPr indent="0" lvl="0" marL="0" rtl="0" algn="ctr">
+            <a:pPr marL="0" lvl="0" indent="0" algn="ctr" rtl="0">
               <a:spcBef>
                 <a:spcPts val="0"/>
               </a:spcBef>
@@ -6507,11 +7109,11 @@
 </file>
 
 <file path=ppt/slides/slide4.xml><?xml version="1.0" encoding="utf-8"?>
-<p:sld xmlns:a="http://schemas.openxmlformats.org/drawingml/2006/main" xmlns:r="http://schemas.openxmlformats.org/officeDocument/2006/relationships" xmlns:mc="http://schemas.openxmlformats.org/markup-compatibility/2006" xmlns:mv="urn:schemas-microsoft-com:mac:vml" xmlns:p="http://schemas.openxmlformats.org/presentationml/2006/main" xmlns:c="http://schemas.openxmlformats.org/drawingml/2006/chart" xmlns:dgm="http://schemas.openxmlformats.org/drawingml/2006/diagram" xmlns:o="urn:schemas-microsoft-com:office:office" xmlns:v="urn:schemas-microsoft-com:vml" xmlns:pvml="urn:schemas-microsoft-com:office:powerpoint" xmlns:com="http://schemas.openxmlformats.org/drawingml/2006/compatibility" xmlns:p14="http://schemas.microsoft.com/office/powerpoint/2010/main" xmlns:p15="http://schemas.microsoft.com/office/powerpoint/2012/main" xmlns:ahyp="http://schemas.microsoft.com/office/drawing/2018/hyperlinkcolor">
+<p:sld xmlns:a="http://schemas.openxmlformats.org/drawingml/2006/main" xmlns:r="http://schemas.openxmlformats.org/officeDocument/2006/relationships" xmlns:p="http://schemas.openxmlformats.org/presentationml/2006/main">
   <p:cSld>
     <p:spTree>
       <p:nvGrpSpPr>
-        <p:cNvPr id="70" name="Shape 70"/>
+        <p:cNvPr id="1" name="Shape 70"/>
         <p:cNvGrpSpPr/>
         <p:nvPr/>
       </p:nvGrpSpPr>
@@ -6526,7 +7128,9 @@
       <p:sp>
         <p:nvSpPr>
           <p:cNvPr id="71" name="Google Shape;71;p16"/>
-          <p:cNvSpPr txBox="1"/>
+          <p:cNvSpPr txBox="1">
+            <a:spLocks noGrp="1"/>
+          </p:cNvSpPr>
           <p:nvPr>
             <p:ph type="title"/>
           </p:nvPr>
@@ -6541,12 +7145,12 @@
           </a:prstGeom>
         </p:spPr>
         <p:txBody>
-          <a:bodyPr anchorCtr="0" anchor="t" bIns="91425" lIns="91425" spcFirstLastPara="1" rIns="91425" wrap="square" tIns="91425">
+          <a:bodyPr spcFirstLastPara="1" wrap="square" lIns="91425" tIns="91425" rIns="91425" bIns="91425" anchor="t" anchorCtr="0">
             <a:normAutofit fontScale="90000"/>
           </a:bodyPr>
           <a:lstStyle/>
           <a:p>
-            <a:pPr indent="0" lvl="0" marL="0" rtl="0" algn="l">
+            <a:pPr marL="0" lvl="0" indent="0" algn="l" rtl="0">
               <a:spcBef>
                 <a:spcPts val="0"/>
               </a:spcBef>
@@ -6566,9 +7170,11 @@
       <p:sp>
         <p:nvSpPr>
           <p:cNvPr id="72" name="Google Shape;72;p16"/>
-          <p:cNvSpPr txBox="1"/>
+          <p:cNvSpPr txBox="1">
+            <a:spLocks noGrp="1"/>
+          </p:cNvSpPr>
           <p:nvPr>
-            <p:ph idx="1" type="body"/>
+            <p:ph type="body" idx="1"/>
           </p:nvPr>
         </p:nvSpPr>
         <p:spPr>
@@ -6581,12 +7187,12 @@
           </a:prstGeom>
         </p:spPr>
         <p:txBody>
-          <a:bodyPr anchorCtr="0" anchor="t" bIns="91425" lIns="91425" spcFirstLastPara="1" rIns="91425" wrap="square" tIns="91425">
+          <a:bodyPr spcFirstLastPara="1" wrap="square" lIns="91425" tIns="91425" rIns="91425" bIns="91425" anchor="t" anchorCtr="0">
             <a:normAutofit/>
           </a:bodyPr>
           <a:lstStyle/>
           <a:p>
-            <a:pPr indent="0" lvl="0" marL="0" rtl="0" algn="just">
+            <a:pPr marL="0" lvl="0" indent="0" algn="just" rtl="0">
               <a:spcBef>
                 <a:spcPts val="0"/>
               </a:spcBef>
@@ -6612,11 +7218,11 @@
 </file>
 
 <file path=ppt/slides/slide5.xml><?xml version="1.0" encoding="utf-8"?>
-<p:sld xmlns:a="http://schemas.openxmlformats.org/drawingml/2006/main" xmlns:r="http://schemas.openxmlformats.org/officeDocument/2006/relationships" xmlns:mc="http://schemas.openxmlformats.org/markup-compatibility/2006" xmlns:mv="urn:schemas-microsoft-com:mac:vml" xmlns:p="http://schemas.openxmlformats.org/presentationml/2006/main" xmlns:c="http://schemas.openxmlformats.org/drawingml/2006/chart" xmlns:dgm="http://schemas.openxmlformats.org/drawingml/2006/diagram" xmlns:o="urn:schemas-microsoft-com:office:office" xmlns:v="urn:schemas-microsoft-com:vml" xmlns:pvml="urn:schemas-microsoft-com:office:powerpoint" xmlns:com="http://schemas.openxmlformats.org/drawingml/2006/compatibility" xmlns:p14="http://schemas.microsoft.com/office/powerpoint/2010/main" xmlns:p15="http://schemas.microsoft.com/office/powerpoint/2012/main" xmlns:ahyp="http://schemas.microsoft.com/office/drawing/2018/hyperlinkcolor">
+<p:sld xmlns:a="http://schemas.openxmlformats.org/drawingml/2006/main" xmlns:r="http://schemas.openxmlformats.org/officeDocument/2006/relationships" xmlns:p="http://schemas.openxmlformats.org/presentationml/2006/main">
   <p:cSld>
     <p:spTree>
       <p:nvGrpSpPr>
-        <p:cNvPr id="76" name="Shape 76"/>
+        <p:cNvPr id="1" name="Shape 76"/>
         <p:cNvGrpSpPr/>
         <p:nvPr/>
       </p:nvGrpSpPr>
@@ -6631,7 +7237,9 @@
       <p:sp>
         <p:nvSpPr>
           <p:cNvPr id="77" name="Google Shape;77;p17"/>
-          <p:cNvSpPr txBox="1"/>
+          <p:cNvSpPr txBox="1">
+            <a:spLocks noGrp="1"/>
+          </p:cNvSpPr>
           <p:nvPr>
             <p:ph type="title"/>
           </p:nvPr>
@@ -6646,12 +7254,12 @@
           </a:prstGeom>
         </p:spPr>
         <p:txBody>
-          <a:bodyPr anchorCtr="0" anchor="ctr" bIns="91425" lIns="91425" spcFirstLastPara="1" rIns="91425" wrap="square" tIns="91425">
+          <a:bodyPr spcFirstLastPara="1" wrap="square" lIns="91425" tIns="91425" rIns="91425" bIns="91425" anchor="ctr" anchorCtr="0">
             <a:normAutofit fontScale="90000"/>
           </a:bodyPr>
           <a:lstStyle/>
           <a:p>
-            <a:pPr indent="0" lvl="0" marL="0" rtl="0" algn="ctr">
+            <a:pPr marL="0" lvl="0" indent="0" algn="ctr" rtl="0">
               <a:spcBef>
                 <a:spcPts val="0"/>
               </a:spcBef>
@@ -6661,10 +7269,10 @@
               <a:buNone/>
             </a:pPr>
             <a:r>
-              <a:rPr lang="tr"/>
+              <a:rPr lang="tr" dirty="0"/>
               <a:t>Foreign house sales in Turkey have increased slightly in recent years, with the number of sales to foreign buyers reaching a record high in 2020. This trend has been driven by a number of factors, including Turkey's growing economy, its attractive climate and natural beauty, and its status as a popular tourist destination.</a:t>
             </a:r>
-            <a:endParaRPr/>
+            <a:endParaRPr dirty="0"/>
           </a:p>
         </p:txBody>
       </p:sp>
@@ -6677,11 +7285,11 @@
 </file>
 
 <file path=ppt/slides/slide6.xml><?xml version="1.0" encoding="utf-8"?>
-<p:sld xmlns:a="http://schemas.openxmlformats.org/drawingml/2006/main" xmlns:r="http://schemas.openxmlformats.org/officeDocument/2006/relationships" xmlns:mc="http://schemas.openxmlformats.org/markup-compatibility/2006" xmlns:mv="urn:schemas-microsoft-com:mac:vml" xmlns:p="http://schemas.openxmlformats.org/presentationml/2006/main" xmlns:c="http://schemas.openxmlformats.org/drawingml/2006/chart" xmlns:dgm="http://schemas.openxmlformats.org/drawingml/2006/diagram" xmlns:o="urn:schemas-microsoft-com:office:office" xmlns:v="urn:schemas-microsoft-com:vml" xmlns:pvml="urn:schemas-microsoft-com:office:powerpoint" xmlns:com="http://schemas.openxmlformats.org/drawingml/2006/compatibility" xmlns:p14="http://schemas.microsoft.com/office/powerpoint/2010/main" xmlns:p15="http://schemas.microsoft.com/office/powerpoint/2012/main" xmlns:ahyp="http://schemas.microsoft.com/office/drawing/2018/hyperlinkcolor">
+<p:sld xmlns:a="http://schemas.openxmlformats.org/drawingml/2006/main" xmlns:r="http://schemas.openxmlformats.org/officeDocument/2006/relationships" xmlns:p="http://schemas.openxmlformats.org/presentationml/2006/main">
   <p:cSld>
     <p:spTree>
       <p:nvGrpSpPr>
-        <p:cNvPr id="81" name="Shape 81"/>
+        <p:cNvPr id="1" name="Shape 81"/>
         <p:cNvGrpSpPr/>
         <p:nvPr/>
       </p:nvGrpSpPr>
@@ -6696,7 +7304,9 @@
       <p:sp>
         <p:nvSpPr>
           <p:cNvPr id="82" name="Google Shape;82;p18"/>
-          <p:cNvSpPr txBox="1"/>
+          <p:cNvSpPr txBox="1">
+            <a:spLocks noGrp="1"/>
+          </p:cNvSpPr>
           <p:nvPr>
             <p:ph type="title"/>
           </p:nvPr>
@@ -6711,12 +7321,12 @@
           </a:prstGeom>
         </p:spPr>
         <p:txBody>
-          <a:bodyPr anchorCtr="0" anchor="t" bIns="91425" lIns="91425" spcFirstLastPara="1" rIns="91425" wrap="square" tIns="91425">
+          <a:bodyPr spcFirstLastPara="1" wrap="square" lIns="91425" tIns="91425" rIns="91425" bIns="91425" anchor="t" anchorCtr="0">
             <a:normAutofit fontScale="90000"/>
           </a:bodyPr>
           <a:lstStyle/>
           <a:p>
-            <a:pPr indent="0" lvl="0" marL="0" rtl="0" algn="l">
+            <a:pPr marL="0" lvl="0" indent="0" algn="l" rtl="0">
               <a:spcBef>
                 <a:spcPts val="0"/>
               </a:spcBef>
@@ -6736,9 +7346,11 @@
       <p:sp>
         <p:nvSpPr>
           <p:cNvPr id="83" name="Google Shape;83;p18"/>
-          <p:cNvSpPr txBox="1"/>
+          <p:cNvSpPr txBox="1">
+            <a:spLocks noGrp="1"/>
+          </p:cNvSpPr>
           <p:nvPr>
-            <p:ph idx="1" type="body"/>
+            <p:ph type="body" idx="1"/>
           </p:nvPr>
         </p:nvSpPr>
         <p:spPr>
@@ -6751,12 +7363,12 @@
           </a:prstGeom>
         </p:spPr>
         <p:txBody>
-          <a:bodyPr anchorCtr="0" anchor="t" bIns="91425" lIns="91425" spcFirstLastPara="1" rIns="91425" wrap="square" tIns="91425">
+          <a:bodyPr spcFirstLastPara="1" wrap="square" lIns="91425" tIns="91425" rIns="91425" bIns="91425" anchor="t" anchorCtr="0">
             <a:normAutofit fontScale="77500" lnSpcReduction="20000"/>
           </a:bodyPr>
           <a:lstStyle/>
           <a:p>
-            <a:pPr indent="0" lvl="0" marL="0" rtl="0" algn="just">
+            <a:pPr marL="0" lvl="0" indent="0" algn="just" rtl="0">
               <a:lnSpc>
                 <a:spcPct val="150000"/>
               </a:lnSpc>
@@ -6769,13 +7381,21 @@
               <a:buNone/>
             </a:pPr>
             <a:r>
-              <a:rPr lang="tr"/>
+              <a:rPr lang="tr" dirty="0">
+                <a:solidFill>
+                  <a:schemeClr val="tx1"/>
+                </a:solidFill>
+              </a:rPr>
               <a:t>To provide a more detailed picture of the current state of foreign house sales in Turkey, here are some key statistics:</a:t>
             </a:r>
-            <a:endParaRPr/>
+            <a:endParaRPr dirty="0">
+              <a:solidFill>
+                <a:schemeClr val="tx1"/>
+              </a:solidFill>
+            </a:endParaRPr>
           </a:p>
           <a:p>
-            <a:pPr indent="-297497" lvl="0" marL="457200" rtl="0" algn="just">
+            <a:pPr marL="457200" lvl="0" indent="-297497" algn="just" rtl="0">
               <a:lnSpc>
                 <a:spcPct val="150000"/>
               </a:lnSpc>
@@ -6789,13 +7409,21 @@
               <a:buChar char="●"/>
             </a:pPr>
             <a:r>
-              <a:rPr lang="tr"/>
+              <a:rPr lang="tr" dirty="0">
+                <a:solidFill>
+                  <a:schemeClr val="tx1"/>
+                </a:solidFill>
+              </a:rPr>
               <a:t>In 2021, the number of foreign house sales in Turkey reached a record high of 58,576 representing an increase of 43,35% compared to the previous year.</a:t>
             </a:r>
-            <a:endParaRPr/>
+            <a:endParaRPr dirty="0">
+              <a:solidFill>
+                <a:schemeClr val="tx1"/>
+              </a:solidFill>
+            </a:endParaRPr>
           </a:p>
           <a:p>
-            <a:pPr indent="-297497" lvl="0" marL="457200" rtl="0" algn="just">
+            <a:pPr marL="457200" lvl="0" indent="-297497" algn="just" rtl="0">
               <a:lnSpc>
                 <a:spcPct val="150000"/>
               </a:lnSpc>
@@ -6809,13 +7437,21 @@
               <a:buChar char="●"/>
             </a:pPr>
             <a:r>
-              <a:rPr lang="tr"/>
+              <a:rPr lang="tr" dirty="0">
+                <a:solidFill>
+                  <a:schemeClr val="tx1"/>
+                </a:solidFill>
+              </a:rPr>
               <a:t>The majority of foreign house buyers in Turkey are from Middle Eastern countries, including Iraq, Iran, and Kuwait.</a:t>
             </a:r>
-            <a:endParaRPr/>
+            <a:endParaRPr dirty="0">
+              <a:solidFill>
+                <a:schemeClr val="tx1"/>
+              </a:solidFill>
+            </a:endParaRPr>
           </a:p>
           <a:p>
-            <a:pPr indent="-297497" lvl="0" marL="457200" rtl="0" algn="just">
+            <a:pPr marL="457200" lvl="0" indent="-297497" algn="just" rtl="0">
               <a:lnSpc>
                 <a:spcPct val="150000"/>
               </a:lnSpc>
@@ -6829,13 +7465,21 @@
               <a:buChar char="●"/>
             </a:pPr>
             <a:r>
-              <a:rPr lang="tr"/>
+              <a:rPr lang="tr" dirty="0">
+                <a:solidFill>
+                  <a:schemeClr val="tx1"/>
+                </a:solidFill>
+              </a:rPr>
               <a:t>In the last two years, Russia's housing purchases have increased. We think it's because of the Ukraine war.</a:t>
             </a:r>
-            <a:endParaRPr/>
+            <a:endParaRPr dirty="0">
+              <a:solidFill>
+                <a:schemeClr val="tx1"/>
+              </a:solidFill>
+            </a:endParaRPr>
           </a:p>
           <a:p>
-            <a:pPr indent="-297497" lvl="0" marL="457200" rtl="0" algn="just">
+            <a:pPr marL="457200" lvl="0" indent="-297497" algn="just" rtl="0">
               <a:lnSpc>
                 <a:spcPct val="150000"/>
               </a:lnSpc>
@@ -6849,13 +7493,21 @@
               <a:buChar char="●"/>
             </a:pPr>
             <a:r>
-              <a:rPr lang="tr"/>
+              <a:rPr lang="tr" dirty="0">
+                <a:solidFill>
+                  <a:schemeClr val="tx1"/>
+                </a:solidFill>
+              </a:rPr>
               <a:t>The most popular cities for foreign house buyers in Turkey are Istanbul, Antalya, and Bursa.</a:t>
             </a:r>
-            <a:endParaRPr/>
+            <a:endParaRPr dirty="0">
+              <a:solidFill>
+                <a:schemeClr val="tx1"/>
+              </a:solidFill>
+            </a:endParaRPr>
           </a:p>
           <a:p>
-            <a:pPr indent="0" lvl="0" marL="0" rtl="0" algn="l">
+            <a:pPr marL="0" lvl="0" indent="0" algn="l" rtl="0">
               <a:spcBef>
                 <a:spcPts val="1200"/>
               </a:spcBef>
@@ -6864,10 +7516,7 @@
               </a:spcAft>
               <a:buNone/>
             </a:pPr>
-            <a:r>
-              <a:t/>
-            </a:r>
-            <a:endParaRPr/>
+            <a:endParaRPr dirty="0"/>
           </a:p>
         </p:txBody>
       </p:sp>
@@ -6908,11 +7557,11 @@
 </file>
 
 <file path=ppt/slides/slide7.xml><?xml version="1.0" encoding="utf-8"?>
-<p:sld xmlns:a="http://schemas.openxmlformats.org/drawingml/2006/main" xmlns:r="http://schemas.openxmlformats.org/officeDocument/2006/relationships" xmlns:mc="http://schemas.openxmlformats.org/markup-compatibility/2006" xmlns:mv="urn:schemas-microsoft-com:mac:vml" xmlns:p="http://schemas.openxmlformats.org/presentationml/2006/main" xmlns:c="http://schemas.openxmlformats.org/drawingml/2006/chart" xmlns:dgm="http://schemas.openxmlformats.org/drawingml/2006/diagram" xmlns:o="urn:schemas-microsoft-com:office:office" xmlns:v="urn:schemas-microsoft-com:vml" xmlns:pvml="urn:schemas-microsoft-com:office:powerpoint" xmlns:com="http://schemas.openxmlformats.org/drawingml/2006/compatibility" xmlns:p14="http://schemas.microsoft.com/office/powerpoint/2010/main" xmlns:p15="http://schemas.microsoft.com/office/powerpoint/2012/main" xmlns:ahyp="http://schemas.microsoft.com/office/drawing/2018/hyperlinkcolor">
+<p:sld xmlns:a="http://schemas.openxmlformats.org/drawingml/2006/main" xmlns:r="http://schemas.openxmlformats.org/officeDocument/2006/relationships" xmlns:p="http://schemas.openxmlformats.org/presentationml/2006/main">
   <p:cSld>
     <p:spTree>
       <p:nvGrpSpPr>
-        <p:cNvPr id="88" name="Shape 88"/>
+        <p:cNvPr id="1" name="Shape 88"/>
         <p:cNvGrpSpPr/>
         <p:nvPr/>
       </p:nvGrpSpPr>
@@ -6927,7 +7576,9 @@
       <p:sp>
         <p:nvSpPr>
           <p:cNvPr id="89" name="Google Shape;89;p19"/>
-          <p:cNvSpPr txBox="1"/>
+          <p:cNvSpPr txBox="1">
+            <a:spLocks noGrp="1"/>
+          </p:cNvSpPr>
           <p:nvPr>
             <p:ph type="title"/>
           </p:nvPr>
@@ -6942,12 +7593,12 @@
           </a:prstGeom>
         </p:spPr>
         <p:txBody>
-          <a:bodyPr anchorCtr="0" anchor="b" bIns="91425" lIns="91425" spcFirstLastPara="1" rIns="91425" wrap="square" tIns="91425">
-            <a:normAutofit/>
+          <a:bodyPr spcFirstLastPara="1" wrap="square" lIns="91425" tIns="91425" rIns="91425" bIns="91425" anchor="b" anchorCtr="0">
+            <a:normAutofit fontScale="90000"/>
           </a:bodyPr>
           <a:lstStyle/>
           <a:p>
-            <a:pPr indent="0" lvl="0" marL="0" rtl="0" algn="l">
+            <a:pPr marL="0" lvl="0" indent="0" algn="l" rtl="0">
               <a:lnSpc>
                 <a:spcPct val="120000"/>
               </a:lnSpc>
@@ -6981,9 +7632,11 @@
       <p:sp>
         <p:nvSpPr>
           <p:cNvPr id="90" name="Google Shape;90;p19"/>
-          <p:cNvSpPr txBox="1"/>
+          <p:cNvSpPr txBox="1">
+            <a:spLocks noGrp="1"/>
+          </p:cNvSpPr>
           <p:nvPr>
-            <p:ph idx="1" type="body"/>
+            <p:ph type="body" idx="1"/>
           </p:nvPr>
         </p:nvSpPr>
         <p:spPr>
@@ -6996,12 +7649,12 @@
           </a:prstGeom>
         </p:spPr>
         <p:txBody>
-          <a:bodyPr anchorCtr="0" anchor="t" bIns="91425" lIns="91425" spcFirstLastPara="1" rIns="91425" wrap="square" tIns="91425">
+          <a:bodyPr spcFirstLastPara="1" wrap="square" lIns="91425" tIns="91425" rIns="91425" bIns="91425" anchor="t" anchorCtr="0">
             <a:normAutofit/>
           </a:bodyPr>
           <a:lstStyle/>
           <a:p>
-            <a:pPr indent="0" lvl="0" marL="0" rtl="0" algn="just">
+            <a:pPr marL="0" lvl="0" indent="0" algn="just" rtl="0">
               <a:lnSpc>
                 <a:spcPct val="150000"/>
               </a:lnSpc>
@@ -7069,11 +7722,11 @@
 </file>
 
 <file path=ppt/slides/slide8.xml><?xml version="1.0" encoding="utf-8"?>
-<p:sld xmlns:a="http://schemas.openxmlformats.org/drawingml/2006/main" xmlns:r="http://schemas.openxmlformats.org/officeDocument/2006/relationships" xmlns:mc="http://schemas.openxmlformats.org/markup-compatibility/2006" xmlns:mv="urn:schemas-microsoft-com:mac:vml" xmlns:p="http://schemas.openxmlformats.org/presentationml/2006/main" xmlns:c="http://schemas.openxmlformats.org/drawingml/2006/chart" xmlns:dgm="http://schemas.openxmlformats.org/drawingml/2006/diagram" xmlns:o="urn:schemas-microsoft-com:office:office" xmlns:v="urn:schemas-microsoft-com:vml" xmlns:pvml="urn:schemas-microsoft-com:office:powerpoint" xmlns:com="http://schemas.openxmlformats.org/drawingml/2006/compatibility" xmlns:p14="http://schemas.microsoft.com/office/powerpoint/2010/main" xmlns:p15="http://schemas.microsoft.com/office/powerpoint/2012/main" xmlns:ahyp="http://schemas.microsoft.com/office/drawing/2018/hyperlinkcolor">
+<p:sld xmlns:a="http://schemas.openxmlformats.org/drawingml/2006/main" xmlns:r="http://schemas.openxmlformats.org/officeDocument/2006/relationships" xmlns:p="http://schemas.openxmlformats.org/presentationml/2006/main">
   <p:cSld>
     <p:spTree>
       <p:nvGrpSpPr>
-        <p:cNvPr id="95" name="Shape 95"/>
+        <p:cNvPr id="1" name="Shape 95"/>
         <p:cNvGrpSpPr/>
         <p:nvPr/>
       </p:nvGrpSpPr>
@@ -7088,7 +7741,9 @@
       <p:sp>
         <p:nvSpPr>
           <p:cNvPr id="96" name="Google Shape;96;p20"/>
-          <p:cNvSpPr txBox="1"/>
+          <p:cNvSpPr txBox="1">
+            <a:spLocks noGrp="1"/>
+          </p:cNvSpPr>
           <p:nvPr>
             <p:ph type="title"/>
           </p:nvPr>
@@ -7103,12 +7758,12 @@
           </a:prstGeom>
         </p:spPr>
         <p:txBody>
-          <a:bodyPr anchorCtr="0" anchor="t" bIns="91425" lIns="91425" spcFirstLastPara="1" rIns="91425" wrap="square" tIns="91425">
+          <a:bodyPr spcFirstLastPara="1" wrap="square" lIns="91425" tIns="91425" rIns="91425" bIns="91425" anchor="t" anchorCtr="0">
             <a:normAutofit fontScale="90000"/>
           </a:bodyPr>
           <a:lstStyle/>
           <a:p>
-            <a:pPr indent="0" lvl="0" marL="0" rtl="0" algn="l">
+            <a:pPr marL="0" lvl="0" indent="0" algn="l" rtl="0">
               <a:spcBef>
                 <a:spcPts val="0"/>
               </a:spcBef>
@@ -7119,11 +7774,7 @@
             </a:pPr>
             <a:r>
               <a:rPr lang="tr"/>
-              <a:t>C</a:t>
-            </a:r>
-            <a:r>
-              <a:rPr lang="tr"/>
-              <a:t>onstruction Costs in Turkey</a:t>
+              <a:t>Construction Costs in Turkey</a:t>
             </a:r>
             <a:endParaRPr/>
           </a:p>
@@ -7132,9 +7783,11 @@
       <p:sp>
         <p:nvSpPr>
           <p:cNvPr id="97" name="Google Shape;97;p20"/>
-          <p:cNvSpPr txBox="1"/>
+          <p:cNvSpPr txBox="1">
+            <a:spLocks noGrp="1"/>
+          </p:cNvSpPr>
           <p:nvPr>
-            <p:ph idx="1" type="body"/>
+            <p:ph type="body" idx="1"/>
           </p:nvPr>
         </p:nvSpPr>
         <p:spPr>
@@ -7147,12 +7800,12 @@
           </a:prstGeom>
         </p:spPr>
         <p:txBody>
-          <a:bodyPr anchorCtr="0" anchor="t" bIns="91425" lIns="91425" spcFirstLastPara="1" rIns="91425" wrap="square" tIns="91425">
-            <a:normAutofit/>
+          <a:bodyPr spcFirstLastPara="1" wrap="square" lIns="91425" tIns="91425" rIns="91425" bIns="91425" anchor="t" anchorCtr="0">
+            <a:normAutofit fontScale="77500" lnSpcReduction="20000"/>
           </a:bodyPr>
           <a:lstStyle/>
           <a:p>
-            <a:pPr indent="0" lvl="0" marL="0" rtl="0" algn="l">
+            <a:pPr marL="0" lvl="0" indent="0" algn="l" rtl="0">
               <a:spcBef>
                 <a:spcPts val="0"/>
               </a:spcBef>
@@ -7162,10 +7815,18 @@
               <a:buNone/>
             </a:pPr>
             <a:r>
-              <a:rPr lang="tr"/>
+              <a:rPr lang="tr" dirty="0">
+                <a:solidFill>
+                  <a:schemeClr val="tx1"/>
+                </a:solidFill>
+              </a:rPr>
               <a:t>Construction costs in Turkey can vary depending on a number of factors, including the location, type of property, and materials used. Let’s look the construction cost index increase.</a:t>
             </a:r>
-            <a:endParaRPr/>
+            <a:endParaRPr dirty="0">
+              <a:solidFill>
+                <a:schemeClr val="tx1"/>
+              </a:solidFill>
+            </a:endParaRPr>
           </a:p>
         </p:txBody>
       </p:sp>
@@ -7206,11 +7867,11 @@
 </file>
 
 <file path=ppt/slides/slide9.xml><?xml version="1.0" encoding="utf-8"?>
-<p:sld xmlns:a="http://schemas.openxmlformats.org/drawingml/2006/main" xmlns:r="http://schemas.openxmlformats.org/officeDocument/2006/relationships" xmlns:mc="http://schemas.openxmlformats.org/markup-compatibility/2006" xmlns:mv="urn:schemas-microsoft-com:mac:vml" xmlns:p="http://schemas.openxmlformats.org/presentationml/2006/main" xmlns:c="http://schemas.openxmlformats.org/drawingml/2006/chart" xmlns:dgm="http://schemas.openxmlformats.org/drawingml/2006/diagram" xmlns:o="urn:schemas-microsoft-com:office:office" xmlns:v="urn:schemas-microsoft-com:vml" xmlns:pvml="urn:schemas-microsoft-com:office:powerpoint" xmlns:com="http://schemas.openxmlformats.org/drawingml/2006/compatibility" xmlns:p14="http://schemas.microsoft.com/office/powerpoint/2010/main" xmlns:p15="http://schemas.microsoft.com/office/powerpoint/2012/main" xmlns:ahyp="http://schemas.microsoft.com/office/drawing/2018/hyperlinkcolor">
+<p:sld xmlns:a="http://schemas.openxmlformats.org/drawingml/2006/main" xmlns:r="http://schemas.openxmlformats.org/officeDocument/2006/relationships" xmlns:p="http://schemas.openxmlformats.org/presentationml/2006/main">
   <p:cSld>
     <p:spTree>
       <p:nvGrpSpPr>
-        <p:cNvPr id="102" name="Shape 102"/>
+        <p:cNvPr id="1" name=""/>
         <p:cNvGrpSpPr/>
         <p:nvPr/>
       </p:nvGrpSpPr>
@@ -7224,79 +7885,201 @@
       </p:grpSpPr>
       <p:sp>
         <p:nvSpPr>
-          <p:cNvPr id="103" name="Google Shape;103;p21"/>
-          <p:cNvSpPr txBox="1"/>
+          <p:cNvPr id="2" name="Title 1">
+            <a:extLst>
+              <a:ext uri="{FF2B5EF4-FFF2-40B4-BE49-F238E27FC236}">
+                <a16:creationId xmlns:a16="http://schemas.microsoft.com/office/drawing/2014/main" id="{8647AEBE-8449-81A1-3B34-8C136B11E42F}"/>
+              </a:ext>
+            </a:extLst>
+          </p:cNvPr>
+          <p:cNvSpPr>
+            <a:spLocks noGrp="1"/>
+          </p:cNvSpPr>
           <p:nvPr>
             <p:ph type="title"/>
           </p:nvPr>
         </p:nvSpPr>
         <p:spPr>
           <a:xfrm>
-            <a:off x="311700" y="2150850"/>
-            <a:ext cx="8520600" cy="841800"/>
+            <a:off x="311700" y="218094"/>
+            <a:ext cx="8520600" cy="572700"/>
           </a:xfrm>
-          <a:prstGeom prst="rect">
-            <a:avLst/>
-          </a:prstGeom>
         </p:spPr>
         <p:txBody>
-          <a:bodyPr anchorCtr="0" anchor="ctr" bIns="91425" lIns="91425" spcFirstLastPara="1" rIns="91425" wrap="square" tIns="91425">
-            <a:noAutofit/>
+          <a:bodyPr>
+            <a:normAutofit fontScale="90000"/>
           </a:bodyPr>
           <a:lstStyle/>
           <a:p>
-            <a:pPr indent="0" lvl="0" marL="0" rtl="0" algn="ctr">
-              <a:spcBef>
-                <a:spcPts val="0"/>
-              </a:spcBef>
-              <a:spcAft>
-                <a:spcPts val="0"/>
-              </a:spcAft>
-              <a:buSzPts val="990"/>
-              <a:buNone/>
-            </a:pPr>
             <a:r>
-              <a:rPr lang="tr" sz="2140"/>
-              <a:t>In conclusion, the house sales market in Turkey has shown strong growth in recent years, with increasing demand from both domestic and international buyers. Factors such as a favorable exchange rate, a growing economy, and a wide variety of property options have contributed to this trend. </a:t>
+              <a:rPr lang="en-US" b="0" i="0" dirty="0">
+                <a:solidFill>
+                  <a:srgbClr val="373A3C"/>
+                </a:solidFill>
+                <a:effectLst/>
+                <a:latin typeface="Source Sans Pro" panose="020B0503030403020204" pitchFamily="34" charset="0"/>
+              </a:rPr>
+              <a:t>Analysis of First-Hand &amp; Second-Hand Sales and Total Sales &amp; Mortgaged Sales</a:t>
             </a:r>
-            <a:endParaRPr sz="2140"/>
+            <a:br>
+              <a:rPr lang="en-US" b="0" i="0" dirty="0">
+                <a:solidFill>
+                  <a:srgbClr val="373A3C"/>
+                </a:solidFill>
+                <a:effectLst/>
+                <a:latin typeface="Source Sans Pro" panose="020B0503030403020204" pitchFamily="34" charset="0"/>
+              </a:rPr>
+            </a:br>
+            <a:endParaRPr lang="en-US" dirty="0"/>
+          </a:p>
+        </p:txBody>
+      </p:sp>
+      <p:sp>
+        <p:nvSpPr>
+          <p:cNvPr id="3" name="Text Placeholder 2">
+            <a:extLst>
+              <a:ext uri="{FF2B5EF4-FFF2-40B4-BE49-F238E27FC236}">
+                <a16:creationId xmlns:a16="http://schemas.microsoft.com/office/drawing/2014/main" id="{15325FA4-5C9B-347E-9C30-CF09574EE20B}"/>
+              </a:ext>
+            </a:extLst>
+          </p:cNvPr>
+          <p:cNvSpPr>
+            <a:spLocks noGrp="1"/>
+          </p:cNvSpPr>
+          <p:nvPr>
+            <p:ph type="body" idx="1"/>
+          </p:nvPr>
+        </p:nvSpPr>
+        <p:spPr/>
+        <p:txBody>
+          <a:bodyPr/>
+          <a:lstStyle/>
+          <a:p>
+            <a:pPr algn="l"/>
+            <a:r>
+              <a:rPr lang="en-US" b="0" i="0" dirty="0">
+                <a:solidFill>
+                  <a:srgbClr val="373A3C"/>
+                </a:solidFill>
+                <a:effectLst/>
+                <a:latin typeface="Source Sans Pro" panose="020B0503030403020204" pitchFamily="34" charset="0"/>
+              </a:rPr>
+              <a:t>The exchange rate crisis in Turkey are contributing to an increase in construction costs. When the value of a Turkey’s currency decreases, it make imports more expensive, which can impact the cost of materials and other inputs that are used in the construction industry.</a:t>
+            </a:r>
           </a:p>
           <a:p>
-            <a:pPr indent="0" lvl="0" marL="0" rtl="0" algn="ctr">
-              <a:spcBef>
-                <a:spcPts val="0"/>
-              </a:spcBef>
-              <a:spcAft>
-                <a:spcPts val="0"/>
-              </a:spcAft>
-              <a:buSzPts val="990"/>
-              <a:buNone/>
-            </a:pPr>
+            <a:pPr algn="l"/>
             <a:r>
-              <a:t/>
+              <a:rPr lang="en-US" b="0" i="0" dirty="0">
+                <a:solidFill>
+                  <a:srgbClr val="373A3C"/>
+                </a:solidFill>
+                <a:effectLst/>
+                <a:latin typeface="Source Sans Pro" panose="020B0503030403020204" pitchFamily="34" charset="0"/>
+              </a:rPr>
+              <a:t>When construction costs increase, it can make it more expensive to build new houses, which could lead developers to build fewer homes or to pass on the higher costs to buyers in the form of higher prices.</a:t>
             </a:r>
-            <a:endParaRPr sz="2140"/>
           </a:p>
           <a:p>
-            <a:pPr indent="0" lvl="0" marL="0" rtl="0" algn="ctr">
-              <a:spcBef>
-                <a:spcPts val="0"/>
-              </a:spcBef>
-              <a:spcAft>
-                <a:spcPts val="0"/>
-              </a:spcAft>
-              <a:buSzPts val="990"/>
+            <a:endParaRPr lang="en-US" dirty="0"/>
+          </a:p>
+        </p:txBody>
+      </p:sp>
+      <p:sp>
+        <p:nvSpPr>
+          <p:cNvPr id="4" name="Text Placeholder 3">
+            <a:extLst>
+              <a:ext uri="{FF2B5EF4-FFF2-40B4-BE49-F238E27FC236}">
+                <a16:creationId xmlns:a16="http://schemas.microsoft.com/office/drawing/2014/main" id="{A3ABF7F5-D930-6F40-A56E-D44FBE33F820}"/>
+              </a:ext>
+            </a:extLst>
+          </p:cNvPr>
+          <p:cNvSpPr>
+            <a:spLocks noGrp="1"/>
+          </p:cNvSpPr>
+          <p:nvPr>
+            <p:ph type="body" idx="2"/>
+          </p:nvPr>
+        </p:nvSpPr>
+        <p:spPr/>
+        <p:txBody>
+          <a:bodyPr>
+            <a:normAutofit fontScale="92500" lnSpcReduction="20000"/>
+          </a:bodyPr>
+          <a:lstStyle/>
+          <a:p>
+            <a:r>
+              <a:rPr lang="en-US" sz="1500" b="0" i="0" dirty="0">
+                <a:solidFill>
+                  <a:srgbClr val="373A3C"/>
+                </a:solidFill>
+                <a:effectLst/>
+                <a:latin typeface="Source Sans Pro" panose="020B0503030403020204" pitchFamily="34" charset="0"/>
+              </a:rPr>
+              <a:t>The increase in construction costs were contributing to a decrease in the number of new houses being built, which in turn led to a decrease in first-hand house sales and an increase in second-hand sales since 2018.</a:t>
+            </a:r>
+            <a:endParaRPr lang="tr-TR" sz="1500" b="0" i="0" dirty="0">
+              <a:solidFill>
+                <a:srgbClr val="373A3C"/>
+              </a:solidFill>
+              <a:effectLst/>
+              <a:latin typeface="Source Sans Pro" panose="020B0503030403020204" pitchFamily="34" charset="0"/>
+            </a:endParaRPr>
+          </a:p>
+          <a:p>
+            <a:r>
+              <a:rPr lang="en-US" sz="1500" b="0" i="0" dirty="0">
+                <a:solidFill>
+                  <a:srgbClr val="373A3C"/>
+                </a:solidFill>
+                <a:effectLst/>
+                <a:latin typeface="Source Sans Pro" panose="020B0503030403020204" pitchFamily="34" charset="0"/>
+              </a:rPr>
+              <a:t>In Turkey, high demand for housing and limited supply has caused housing prices to rise. The government attempted to address this issue by implementing policy measures that restricted mortgage credit, but these measures had limited impact on overall house sales and resulted in a decrease in the number of houses purchased with mortgages. There may be other factors contributing to this trend.</a:t>
+            </a:r>
+            <a:endParaRPr lang="tr-TR" sz="1500" b="0" i="0" dirty="0">
+              <a:solidFill>
+                <a:srgbClr val="373A3C"/>
+              </a:solidFill>
+              <a:effectLst/>
+              <a:latin typeface="Source Sans Pro" panose="020B0503030403020204" pitchFamily="34" charset="0"/>
+            </a:endParaRPr>
+          </a:p>
+          <a:p>
+            <a:pPr marL="139700" indent="0">
               <a:buNone/>
             </a:pPr>
-            <a:r>
-              <a:rPr lang="tr" sz="2140"/>
-              <a:t>However, it is important to carefully consider all factors when purchasing a property in Turkey, including location, amenities, and potential for appreciation. Overall, the house sales market in Turkey presents a promising opportunity for investors and homeowners.</a:t>
-            </a:r>
-            <a:endParaRPr sz="2140"/>
+            <a:endParaRPr lang="tr-TR" b="0" i="0" dirty="0">
+              <a:solidFill>
+                <a:srgbClr val="373A3C"/>
+              </a:solidFill>
+              <a:effectLst/>
+              <a:latin typeface="Source Sans Pro" panose="020B0503030403020204" pitchFamily="34" charset="0"/>
+            </a:endParaRPr>
+          </a:p>
+          <a:p>
+            <a:pPr marL="139700" indent="0">
+              <a:buNone/>
+            </a:pPr>
+            <a:endParaRPr lang="tr-TR" b="0" i="0" dirty="0">
+              <a:solidFill>
+                <a:srgbClr val="373A3C"/>
+              </a:solidFill>
+              <a:effectLst/>
+              <a:latin typeface="Source Sans Pro" panose="020B0503030403020204" pitchFamily="34" charset="0"/>
+            </a:endParaRPr>
+          </a:p>
+          <a:p>
+            <a:endParaRPr lang="en-US" dirty="0"/>
           </a:p>
         </p:txBody>
       </p:sp>
     </p:spTree>
+    <p:extLst>
+      <p:ext uri="{BB962C8B-B14F-4D97-AF65-F5344CB8AC3E}">
+        <p14:creationId xmlns:p14="http://schemas.microsoft.com/office/powerpoint/2010/main" val="3808070859"/>
+      </p:ext>
+    </p:extLst>
   </p:cSld>
   <p:clrMapOvr>
     <a:masterClrMapping/>
@@ -7305,7 +8088,7 @@
 </file>
 
 <file path=ppt/theme/theme1.xml><?xml version="1.0" encoding="utf-8"?>
-<a:theme xmlns:a="http://schemas.openxmlformats.org/drawingml/2006/main" xmlns:r="http://schemas.openxmlformats.org/officeDocument/2006/relationships" name="Simple Light">
+<a:theme xmlns:a="http://schemas.openxmlformats.org/drawingml/2006/main" name="Simple Light">
   <a:themeElements>
     <a:clrScheme name="Simple Light">
       <a:dk1>
@@ -7580,11 +8363,13 @@
       </a:bgFillStyleLst>
     </a:fmtScheme>
   </a:themeElements>
+  <a:objectDefaults/>
+  <a:extraClrSchemeLst/>
 </a:theme>
 </file>
 
 <file path=ppt/theme/theme2.xml><?xml version="1.0" encoding="utf-8"?>
-<a:theme xmlns:a="http://schemas.openxmlformats.org/drawingml/2006/main" xmlns:r="http://schemas.openxmlformats.org/officeDocument/2006/relationships">
+<a:theme xmlns:a="http://schemas.openxmlformats.org/drawingml/2006/main">
   <a:themeElements>
     <a:clrScheme name="Default">
       <a:dk1>
@@ -7859,5 +8644,7 @@
       </a:bgFillStyleLst>
     </a:fmtScheme>
   </a:themeElements>
+  <a:objectDefaults/>
+  <a:extraClrSchemeLst/>
 </a:theme>
 </file>